--- a/multipass_ubuntu_installation/ubuntu_installation.pptx
+++ b/multipass_ubuntu_installation/ubuntu_installation.pptx
@@ -8,6 +8,21 @@
     <p:sldId id="256" r:id="rId2"/>
     <p:sldId id="257" r:id="rId3"/>
     <p:sldId id="258" r:id="rId4"/>
+    <p:sldId id="259" r:id="rId5"/>
+    <p:sldId id="260" r:id="rId6"/>
+    <p:sldId id="261" r:id="rId7"/>
+    <p:sldId id="262" r:id="rId8"/>
+    <p:sldId id="263" r:id="rId9"/>
+    <p:sldId id="264" r:id="rId10"/>
+    <p:sldId id="265" r:id="rId11"/>
+    <p:sldId id="266" r:id="rId12"/>
+    <p:sldId id="267" r:id="rId13"/>
+    <p:sldId id="268" r:id="rId14"/>
+    <p:sldId id="269" r:id="rId15"/>
+    <p:sldId id="270" r:id="rId16"/>
+    <p:sldId id="271" r:id="rId17"/>
+    <p:sldId id="272" r:id="rId18"/>
+    <p:sldId id="273" r:id="rId19"/>
   </p:sldIdLst>
   <p:sldSz cx="12192000" cy="6858000"/>
   <p:notesSz cx="6858000" cy="9144000"/>
@@ -106,6 +121,11 @@
       </a:defRPr>
     </a:lvl9pPr>
   </p:defaultTextStyle>
+  <p:extLst>
+    <p:ext uri="{EFAFB233-063F-42B5-8137-9DF3F51BA10A}">
+      <p15:sldGuideLst xmlns:p15="http://schemas.microsoft.com/office/powerpoint/2012/main"/>
+    </p:ext>
+  </p:extLst>
 </p:presentation>
 </file>
 
@@ -256,7 +276,7 @@
           <a:p>
             <a:fld id="{97F9C446-69A2-AE4F-B39C-3BC9C1AA63A1}" type="datetimeFigureOut">
               <a:rPr lang="en-US" smtClean="0"/>
-              <a:t>6/8/24</a:t>
+              <a:t>6/20/24</a:t>
             </a:fld>
             <a:endParaRPr lang="en-US"/>
           </a:p>
@@ -454,7 +474,7 @@
           <a:p>
             <a:fld id="{97F9C446-69A2-AE4F-B39C-3BC9C1AA63A1}" type="datetimeFigureOut">
               <a:rPr lang="en-US" smtClean="0"/>
-              <a:t>6/8/24</a:t>
+              <a:t>6/20/24</a:t>
             </a:fld>
             <a:endParaRPr lang="en-US"/>
           </a:p>
@@ -662,7 +682,7 @@
           <a:p>
             <a:fld id="{97F9C446-69A2-AE4F-B39C-3BC9C1AA63A1}" type="datetimeFigureOut">
               <a:rPr lang="en-US" smtClean="0"/>
-              <a:t>6/8/24</a:t>
+              <a:t>6/20/24</a:t>
             </a:fld>
             <a:endParaRPr lang="en-US"/>
           </a:p>
@@ -860,7 +880,7 @@
           <a:p>
             <a:fld id="{97F9C446-69A2-AE4F-B39C-3BC9C1AA63A1}" type="datetimeFigureOut">
               <a:rPr lang="en-US" smtClean="0"/>
-              <a:t>6/8/24</a:t>
+              <a:t>6/20/24</a:t>
             </a:fld>
             <a:endParaRPr lang="en-US"/>
           </a:p>
@@ -1135,7 +1155,7 @@
           <a:p>
             <a:fld id="{97F9C446-69A2-AE4F-B39C-3BC9C1AA63A1}" type="datetimeFigureOut">
               <a:rPr lang="en-US" smtClean="0"/>
-              <a:t>6/8/24</a:t>
+              <a:t>6/20/24</a:t>
             </a:fld>
             <a:endParaRPr lang="en-US"/>
           </a:p>
@@ -1400,7 +1420,7 @@
           <a:p>
             <a:fld id="{97F9C446-69A2-AE4F-B39C-3BC9C1AA63A1}" type="datetimeFigureOut">
               <a:rPr lang="en-US" smtClean="0"/>
-              <a:t>6/8/24</a:t>
+              <a:t>6/20/24</a:t>
             </a:fld>
             <a:endParaRPr lang="en-US"/>
           </a:p>
@@ -1812,7 +1832,7 @@
           <a:p>
             <a:fld id="{97F9C446-69A2-AE4F-B39C-3BC9C1AA63A1}" type="datetimeFigureOut">
               <a:rPr lang="en-US" smtClean="0"/>
-              <a:t>6/8/24</a:t>
+              <a:t>6/20/24</a:t>
             </a:fld>
             <a:endParaRPr lang="en-US"/>
           </a:p>
@@ -1953,7 +1973,7 @@
           <a:p>
             <a:fld id="{97F9C446-69A2-AE4F-B39C-3BC9C1AA63A1}" type="datetimeFigureOut">
               <a:rPr lang="en-US" smtClean="0"/>
-              <a:t>6/8/24</a:t>
+              <a:t>6/20/24</a:t>
             </a:fld>
             <a:endParaRPr lang="en-US"/>
           </a:p>
@@ -2066,7 +2086,7 @@
           <a:p>
             <a:fld id="{97F9C446-69A2-AE4F-B39C-3BC9C1AA63A1}" type="datetimeFigureOut">
               <a:rPr lang="en-US" smtClean="0"/>
-              <a:t>6/8/24</a:t>
+              <a:t>6/20/24</a:t>
             </a:fld>
             <a:endParaRPr lang="en-US"/>
           </a:p>
@@ -2377,7 +2397,7 @@
           <a:p>
             <a:fld id="{97F9C446-69A2-AE4F-B39C-3BC9C1AA63A1}" type="datetimeFigureOut">
               <a:rPr lang="en-US" smtClean="0"/>
-              <a:t>6/8/24</a:t>
+              <a:t>6/20/24</a:t>
             </a:fld>
             <a:endParaRPr lang="en-US"/>
           </a:p>
@@ -2665,7 +2685,7 @@
           <a:p>
             <a:fld id="{97F9C446-69A2-AE4F-B39C-3BC9C1AA63A1}" type="datetimeFigureOut">
               <a:rPr lang="en-US" smtClean="0"/>
-              <a:t>6/8/24</a:t>
+              <a:t>6/20/24</a:t>
             </a:fld>
             <a:endParaRPr lang="en-US"/>
           </a:p>
@@ -2906,7 +2926,7 @@
           <a:p>
             <a:fld id="{97F9C446-69A2-AE4F-B39C-3BC9C1AA63A1}" type="datetimeFigureOut">
               <a:rPr lang="en-US" smtClean="0"/>
-              <a:t>6/8/24</a:t>
+              <a:t>6/20/24</a:t>
             </a:fld>
             <a:endParaRPr lang="en-US"/>
           </a:p>
@@ -3389,6 +3409,1438 @@
 </p:sld>
 </file>
 
+<file path=ppt/slides/slide10.xml><?xml version="1.0" encoding="utf-8"?>
+<p:sld xmlns:a="http://schemas.openxmlformats.org/drawingml/2006/main" xmlns:r="http://schemas.openxmlformats.org/officeDocument/2006/relationships" xmlns:p="http://schemas.openxmlformats.org/presentationml/2006/main">
+  <p:cSld>
+    <p:spTree>
+      <p:nvGrpSpPr>
+        <p:cNvPr id="1" name=""/>
+        <p:cNvGrpSpPr/>
+        <p:nvPr/>
+      </p:nvGrpSpPr>
+      <p:grpSpPr>
+        <a:xfrm>
+          <a:off x="0" y="0"/>
+          <a:ext cx="0" cy="0"/>
+          <a:chOff x="0" y="0"/>
+          <a:chExt cx="0" cy="0"/>
+        </a:xfrm>
+      </p:grpSpPr>
+      <p:sp>
+        <p:nvSpPr>
+          <p:cNvPr id="2" name="Title 1">
+            <a:extLst>
+              <a:ext uri="{FF2B5EF4-FFF2-40B4-BE49-F238E27FC236}">
+                <a16:creationId xmlns:a16="http://schemas.microsoft.com/office/drawing/2014/main" id="{8270683C-C47A-3E68-765D-80FFF1E1CD76}"/>
+              </a:ext>
+            </a:extLst>
+          </p:cNvPr>
+          <p:cNvSpPr>
+            <a:spLocks noGrp="1"/>
+          </p:cNvSpPr>
+          <p:nvPr>
+            <p:ph type="title"/>
+          </p:nvPr>
+        </p:nvSpPr>
+        <p:spPr/>
+        <p:txBody>
+          <a:bodyPr/>
+          <a:lstStyle/>
+          <a:p>
+            <a:r>
+              <a:rPr lang="en-US" dirty="0" err="1"/>
+              <a:t>創建容器</a:t>
+            </a:r>
+            <a:endParaRPr lang="en-US" dirty="0"/>
+          </a:p>
+        </p:txBody>
+      </p:sp>
+      <p:sp>
+        <p:nvSpPr>
+          <p:cNvPr id="3" name="Content Placeholder 2">
+            <a:extLst>
+              <a:ext uri="{FF2B5EF4-FFF2-40B4-BE49-F238E27FC236}">
+                <a16:creationId xmlns:a16="http://schemas.microsoft.com/office/drawing/2014/main" id="{EB749669-5776-01A6-AC9F-83F11B7F6AAE}"/>
+              </a:ext>
+            </a:extLst>
+          </p:cNvPr>
+          <p:cNvSpPr>
+            <a:spLocks noGrp="1"/>
+          </p:cNvSpPr>
+          <p:nvPr>
+            <p:ph idx="1"/>
+          </p:nvPr>
+        </p:nvSpPr>
+        <p:spPr/>
+        <p:txBody>
+          <a:bodyPr>
+            <a:normAutofit/>
+          </a:bodyPr>
+          <a:lstStyle/>
+          <a:p>
+            <a:r>
+              <a:rPr lang="en-US" dirty="0" err="1"/>
+              <a:t>sudo</a:t>
+            </a:r>
+            <a:r>
+              <a:rPr lang="en-US" dirty="0"/>
+              <a:t> docker run –it –d –name=p1 –p 9500:5000 –v </a:t>
+            </a:r>
+            <a:r>
+              <a:rPr lang="en-US" dirty="0">
+                <a:solidFill>
+                  <a:srgbClr val="000000"/>
+                </a:solidFill>
+                <a:effectLst/>
+                <a:latin typeface="Menlo" panose="020B0609030804020204" pitchFamily="49" charset="0"/>
+              </a:rPr>
+              <a:t>/home/ubuntu/Desktop/</a:t>
+            </a:r>
+            <a:r>
+              <a:rPr lang="en-US" dirty="0" err="1">
+                <a:solidFill>
+                  <a:srgbClr val="000000"/>
+                </a:solidFill>
+                <a:effectLst/>
+                <a:latin typeface="Menlo" panose="020B0609030804020204" pitchFamily="49" charset="0"/>
+              </a:rPr>
+              <a:t>docker_project</a:t>
+            </a:r>
+            <a:r>
+              <a:rPr lang="en-US" dirty="0">
+                <a:solidFill>
+                  <a:srgbClr val="000000"/>
+                </a:solidFill>
+                <a:effectLst/>
+                <a:latin typeface="Menlo" panose="020B0609030804020204" pitchFamily="49" charset="0"/>
+              </a:rPr>
+              <a:t> –net </a:t>
+            </a:r>
+            <a:r>
+              <a:rPr lang="en-US" dirty="0" err="1">
+                <a:solidFill>
+                  <a:srgbClr val="000000"/>
+                </a:solidFill>
+                <a:effectLst/>
+                <a:latin typeface="Menlo" panose="020B0609030804020204" pitchFamily="49" charset="0"/>
+              </a:rPr>
+              <a:t>mynet</a:t>
+            </a:r>
+            <a:r>
+              <a:rPr lang="en-US" dirty="0">
+                <a:solidFill>
+                  <a:srgbClr val="000000"/>
+                </a:solidFill>
+                <a:effectLst/>
+                <a:latin typeface="Menlo" panose="020B0609030804020204" pitchFamily="49" charset="0"/>
+              </a:rPr>
+              <a:t> –</a:t>
+            </a:r>
+            <a:r>
+              <a:rPr lang="en-US" dirty="0" err="1">
+                <a:solidFill>
+                  <a:srgbClr val="000000"/>
+                </a:solidFill>
+                <a:effectLst/>
+                <a:latin typeface="Menlo" panose="020B0609030804020204" pitchFamily="49" charset="0"/>
+              </a:rPr>
+              <a:t>ip</a:t>
+            </a:r>
+            <a:r>
+              <a:rPr lang="en-US" dirty="0">
+                <a:solidFill>
+                  <a:srgbClr val="000000"/>
+                </a:solidFill>
+                <a:effectLst/>
+                <a:latin typeface="Menlo" panose="020B0609030804020204" pitchFamily="49" charset="0"/>
+              </a:rPr>
+              <a:t> 172.18.0.2 python:3.10 bash(-d </a:t>
+            </a:r>
+            <a:r>
+              <a:rPr lang="en-US" dirty="0" err="1">
+                <a:solidFill>
+                  <a:srgbClr val="000000"/>
+                </a:solidFill>
+                <a:effectLst/>
+                <a:latin typeface="Menlo" panose="020B0609030804020204" pitchFamily="49" charset="0"/>
+              </a:rPr>
+              <a:t>在後台可以運行</a:t>
+            </a:r>
+            <a:r>
+              <a:rPr lang="en-US" dirty="0">
+                <a:solidFill>
+                  <a:srgbClr val="000000"/>
+                </a:solidFill>
+                <a:effectLst/>
+                <a:latin typeface="Menlo" panose="020B0609030804020204" pitchFamily="49" charset="0"/>
+              </a:rPr>
+              <a:t>)</a:t>
+            </a:r>
+          </a:p>
+          <a:p>
+            <a:endParaRPr lang="en-US" dirty="0"/>
+          </a:p>
+        </p:txBody>
+      </p:sp>
+    </p:spTree>
+    <p:extLst>
+      <p:ext uri="{BB962C8B-B14F-4D97-AF65-F5344CB8AC3E}">
+        <p14:creationId xmlns:p14="http://schemas.microsoft.com/office/powerpoint/2010/main" val="1860619773"/>
+      </p:ext>
+    </p:extLst>
+  </p:cSld>
+  <p:clrMapOvr>
+    <a:masterClrMapping/>
+  </p:clrMapOvr>
+</p:sld>
+</file>
+
+<file path=ppt/slides/slide11.xml><?xml version="1.0" encoding="utf-8"?>
+<p:sld xmlns:a="http://schemas.openxmlformats.org/drawingml/2006/main" xmlns:r="http://schemas.openxmlformats.org/officeDocument/2006/relationships" xmlns:p="http://schemas.openxmlformats.org/presentationml/2006/main">
+  <p:cSld>
+    <p:spTree>
+      <p:nvGrpSpPr>
+        <p:cNvPr id="1" name=""/>
+        <p:cNvGrpSpPr/>
+        <p:nvPr/>
+      </p:nvGrpSpPr>
+      <p:grpSpPr>
+        <a:xfrm>
+          <a:off x="0" y="0"/>
+          <a:ext cx="0" cy="0"/>
+          <a:chOff x="0" y="0"/>
+          <a:chExt cx="0" cy="0"/>
+        </a:xfrm>
+      </p:grpSpPr>
+      <p:sp>
+        <p:nvSpPr>
+          <p:cNvPr id="2" name="Title 1">
+            <a:extLst>
+              <a:ext uri="{FF2B5EF4-FFF2-40B4-BE49-F238E27FC236}">
+                <a16:creationId xmlns:a16="http://schemas.microsoft.com/office/drawing/2014/main" id="{8270683C-C47A-3E68-765D-80FFF1E1CD76}"/>
+              </a:ext>
+            </a:extLst>
+          </p:cNvPr>
+          <p:cNvSpPr>
+            <a:spLocks noGrp="1"/>
+          </p:cNvSpPr>
+          <p:nvPr>
+            <p:ph type="title"/>
+          </p:nvPr>
+        </p:nvSpPr>
+        <p:spPr/>
+        <p:txBody>
+          <a:bodyPr/>
+          <a:lstStyle/>
+          <a:p>
+            <a:r>
+              <a:rPr lang="en-US" dirty="0" err="1"/>
+              <a:t>mySQL</a:t>
+            </a:r>
+            <a:endParaRPr lang="en-US" dirty="0"/>
+          </a:p>
+        </p:txBody>
+      </p:sp>
+      <p:sp>
+        <p:nvSpPr>
+          <p:cNvPr id="3" name="Content Placeholder 2">
+            <a:extLst>
+              <a:ext uri="{FF2B5EF4-FFF2-40B4-BE49-F238E27FC236}">
+                <a16:creationId xmlns:a16="http://schemas.microsoft.com/office/drawing/2014/main" id="{EB749669-5776-01A6-AC9F-83F11B7F6AAE}"/>
+              </a:ext>
+            </a:extLst>
+          </p:cNvPr>
+          <p:cNvSpPr>
+            <a:spLocks noGrp="1"/>
+          </p:cNvSpPr>
+          <p:nvPr>
+            <p:ph idx="1"/>
+          </p:nvPr>
+        </p:nvSpPr>
+        <p:spPr/>
+        <p:txBody>
+          <a:bodyPr>
+            <a:normAutofit/>
+          </a:bodyPr>
+          <a:lstStyle/>
+          <a:p>
+            <a:r>
+              <a:rPr lang="en-US" dirty="0"/>
+              <a:t>Pip3 install </a:t>
+            </a:r>
+            <a:r>
+              <a:rPr lang="en-US" dirty="0" err="1"/>
+              <a:t>falsk</a:t>
+            </a:r>
+            <a:endParaRPr lang="en-US" dirty="0"/>
+          </a:p>
+          <a:p>
+            <a:r>
+              <a:rPr lang="en-US" dirty="0">
+                <a:solidFill>
+                  <a:srgbClr val="000000"/>
+                </a:solidFill>
+                <a:effectLst/>
+                <a:latin typeface="Menlo" panose="020B0609030804020204" pitchFamily="49" charset="0"/>
+              </a:rPr>
+              <a:t>pip3 install </a:t>
+            </a:r>
+            <a:r>
+              <a:rPr lang="en-US" dirty="0" err="1">
+                <a:solidFill>
+                  <a:srgbClr val="000000"/>
+                </a:solidFill>
+                <a:effectLst/>
+                <a:latin typeface="Menlo" panose="020B0609030804020204" pitchFamily="49" charset="0"/>
+              </a:rPr>
+              <a:t>mysql</a:t>
+            </a:r>
+            <a:r>
+              <a:rPr lang="en-US" dirty="0">
+                <a:solidFill>
+                  <a:srgbClr val="000000"/>
+                </a:solidFill>
+                <a:effectLst/>
+                <a:latin typeface="Menlo" panose="020B0609030804020204" pitchFamily="49" charset="0"/>
+              </a:rPr>
+              <a:t>-connector-python</a:t>
+            </a:r>
+          </a:p>
+          <a:p>
+            <a:r>
+              <a:rPr lang="en-US" dirty="0">
+                <a:solidFill>
+                  <a:srgbClr val="000000"/>
+                </a:solidFill>
+                <a:effectLst/>
+                <a:latin typeface="Menlo" panose="020B0609030804020204" pitchFamily="49" charset="0"/>
+              </a:rPr>
+              <a:t>pip3 install </a:t>
+            </a:r>
+            <a:r>
+              <a:rPr lang="en-US" dirty="0" err="1">
+                <a:solidFill>
+                  <a:srgbClr val="000000"/>
+                </a:solidFill>
+                <a:effectLst/>
+                <a:latin typeface="Menlo" panose="020B0609030804020204" pitchFamily="49" charset="0"/>
+              </a:rPr>
+              <a:t>sqlalchemy</a:t>
+            </a:r>
+            <a:endParaRPr lang="en-US" dirty="0">
+              <a:solidFill>
+                <a:srgbClr val="000000"/>
+              </a:solidFill>
+              <a:effectLst/>
+              <a:latin typeface="Menlo" panose="020B0609030804020204" pitchFamily="49" charset="0"/>
+            </a:endParaRPr>
+          </a:p>
+          <a:p>
+            <a:endParaRPr lang="en-US" dirty="0">
+              <a:solidFill>
+                <a:srgbClr val="000000"/>
+              </a:solidFill>
+              <a:effectLst/>
+              <a:latin typeface="Menlo" panose="020B0609030804020204" pitchFamily="49" charset="0"/>
+            </a:endParaRPr>
+          </a:p>
+          <a:p>
+            <a:endParaRPr lang="en-US" dirty="0"/>
+          </a:p>
+        </p:txBody>
+      </p:sp>
+    </p:spTree>
+    <p:extLst>
+      <p:ext uri="{BB962C8B-B14F-4D97-AF65-F5344CB8AC3E}">
+        <p14:creationId xmlns:p14="http://schemas.microsoft.com/office/powerpoint/2010/main" val="2801382141"/>
+      </p:ext>
+    </p:extLst>
+  </p:cSld>
+  <p:clrMapOvr>
+    <a:masterClrMapping/>
+  </p:clrMapOvr>
+</p:sld>
+</file>
+
+<file path=ppt/slides/slide12.xml><?xml version="1.0" encoding="utf-8"?>
+<p:sld xmlns:a="http://schemas.openxmlformats.org/drawingml/2006/main" xmlns:r="http://schemas.openxmlformats.org/officeDocument/2006/relationships" xmlns:p="http://schemas.openxmlformats.org/presentationml/2006/main">
+  <p:cSld>
+    <p:spTree>
+      <p:nvGrpSpPr>
+        <p:cNvPr id="1" name=""/>
+        <p:cNvGrpSpPr/>
+        <p:nvPr/>
+      </p:nvGrpSpPr>
+      <p:grpSpPr>
+        <a:xfrm>
+          <a:off x="0" y="0"/>
+          <a:ext cx="0" cy="0"/>
+          <a:chOff x="0" y="0"/>
+          <a:chExt cx="0" cy="0"/>
+        </a:xfrm>
+      </p:grpSpPr>
+      <p:sp>
+        <p:nvSpPr>
+          <p:cNvPr id="2" name="Title 1">
+            <a:extLst>
+              <a:ext uri="{FF2B5EF4-FFF2-40B4-BE49-F238E27FC236}">
+                <a16:creationId xmlns:a16="http://schemas.microsoft.com/office/drawing/2014/main" id="{8270683C-C47A-3E68-765D-80FFF1E1CD76}"/>
+              </a:ext>
+            </a:extLst>
+          </p:cNvPr>
+          <p:cNvSpPr>
+            <a:spLocks noGrp="1"/>
+          </p:cNvSpPr>
+          <p:nvPr>
+            <p:ph type="title"/>
+          </p:nvPr>
+        </p:nvSpPr>
+        <p:spPr/>
+        <p:txBody>
+          <a:bodyPr/>
+          <a:lstStyle/>
+          <a:p>
+            <a:r>
+              <a:rPr lang="en-US" dirty="0" err="1"/>
+              <a:t>創建Mysql容器</a:t>
+            </a:r>
+            <a:endParaRPr lang="en-US" dirty="0"/>
+          </a:p>
+        </p:txBody>
+      </p:sp>
+      <p:sp>
+        <p:nvSpPr>
+          <p:cNvPr id="3" name="Content Placeholder 2">
+            <a:extLst>
+              <a:ext uri="{FF2B5EF4-FFF2-40B4-BE49-F238E27FC236}">
+                <a16:creationId xmlns:a16="http://schemas.microsoft.com/office/drawing/2014/main" id="{EB749669-5776-01A6-AC9F-83F11B7F6AAE}"/>
+              </a:ext>
+            </a:extLst>
+          </p:cNvPr>
+          <p:cNvSpPr>
+            <a:spLocks noGrp="1"/>
+          </p:cNvSpPr>
+          <p:nvPr>
+            <p:ph idx="1"/>
+          </p:nvPr>
+        </p:nvSpPr>
+        <p:spPr/>
+        <p:txBody>
+          <a:bodyPr>
+            <a:normAutofit/>
+          </a:bodyPr>
+          <a:lstStyle/>
+          <a:p>
+            <a:r>
+              <a:rPr lang="en-US" dirty="0" err="1">
+                <a:solidFill>
+                  <a:srgbClr val="000000"/>
+                </a:solidFill>
+                <a:effectLst/>
+                <a:latin typeface="Menlo" panose="020B0609030804020204" pitchFamily="49" charset="0"/>
+              </a:rPr>
+              <a:t>sudo</a:t>
+            </a:r>
+            <a:r>
+              <a:rPr lang="en-US" dirty="0">
+                <a:solidFill>
+                  <a:srgbClr val="000000"/>
+                </a:solidFill>
+                <a:effectLst/>
+                <a:latin typeface="Menlo" panose="020B0609030804020204" pitchFamily="49" charset="0"/>
+              </a:rPr>
+              <a:t> docker pull mysql:8.4.0</a:t>
+            </a:r>
+          </a:p>
+          <a:p>
+            <a:r>
+              <a:rPr lang="en-US" dirty="0" err="1">
+                <a:solidFill>
+                  <a:srgbClr val="000000"/>
+                </a:solidFill>
+                <a:latin typeface="Menlo" panose="020B0609030804020204" pitchFamily="49" charset="0"/>
+              </a:rPr>
+              <a:t>sudo</a:t>
+            </a:r>
+            <a:r>
+              <a:rPr lang="en-US" dirty="0">
+                <a:solidFill>
+                  <a:srgbClr val="000000"/>
+                </a:solidFill>
+                <a:latin typeface="Menlo" panose="020B0609030804020204" pitchFamily="49" charset="0"/>
+              </a:rPr>
+              <a:t> docker run --name m1 -p 4360:3306 --net </a:t>
+            </a:r>
+            <a:r>
+              <a:rPr lang="en-US" dirty="0" err="1">
+                <a:solidFill>
+                  <a:srgbClr val="000000"/>
+                </a:solidFill>
+                <a:latin typeface="Menlo" panose="020B0609030804020204" pitchFamily="49" charset="0"/>
+              </a:rPr>
+              <a:t>mynet</a:t>
+            </a:r>
+            <a:r>
+              <a:rPr lang="en-US" dirty="0">
+                <a:solidFill>
+                  <a:srgbClr val="000000"/>
+                </a:solidFill>
+                <a:latin typeface="Menlo" panose="020B0609030804020204" pitchFamily="49" charset="0"/>
+              </a:rPr>
+              <a:t> --</a:t>
+            </a:r>
+            <a:r>
+              <a:rPr lang="en-US" dirty="0" err="1">
+                <a:solidFill>
+                  <a:srgbClr val="000000"/>
+                </a:solidFill>
+                <a:latin typeface="Menlo" panose="020B0609030804020204" pitchFamily="49" charset="0"/>
+              </a:rPr>
+              <a:t>ip</a:t>
+            </a:r>
+            <a:r>
+              <a:rPr lang="en-US" dirty="0">
+                <a:solidFill>
+                  <a:srgbClr val="000000"/>
+                </a:solidFill>
+                <a:latin typeface="Menlo" panose="020B0609030804020204" pitchFamily="49" charset="0"/>
+              </a:rPr>
+              <a:t> 172.18.0.3 -e MYSQL_ROOT_PASSWORD=</a:t>
+            </a:r>
+            <a:r>
+              <a:rPr lang="en-US" dirty="0" err="1">
+                <a:solidFill>
+                  <a:srgbClr val="000000"/>
+                </a:solidFill>
+                <a:latin typeface="Menlo" panose="020B0609030804020204" pitchFamily="49" charset="0"/>
+              </a:rPr>
+              <a:t>FRANKWUfrankwu</a:t>
+            </a:r>
+            <a:r>
+              <a:rPr lang="en-US" dirty="0">
+                <a:solidFill>
+                  <a:srgbClr val="000000"/>
+                </a:solidFill>
+                <a:latin typeface="Menlo" panose="020B0609030804020204" pitchFamily="49" charset="0"/>
+              </a:rPr>
+              <a:t> -d mysql:8.4.0</a:t>
+            </a:r>
+          </a:p>
+        </p:txBody>
+      </p:sp>
+      <p:pic>
+        <p:nvPicPr>
+          <p:cNvPr id="4" name="Picture 3">
+            <a:extLst>
+              <a:ext uri="{FF2B5EF4-FFF2-40B4-BE49-F238E27FC236}">
+                <a16:creationId xmlns:a16="http://schemas.microsoft.com/office/drawing/2014/main" id="{78236081-39CB-8044-677A-13C82B828CC3}"/>
+              </a:ext>
+            </a:extLst>
+          </p:cNvPr>
+          <p:cNvPicPr>
+            <a:picLocks noChangeAspect="1"/>
+          </p:cNvPicPr>
+          <p:nvPr/>
+        </p:nvPicPr>
+        <p:blipFill>
+          <a:blip r:embed="rId2"/>
+          <a:stretch>
+            <a:fillRect/>
+          </a:stretch>
+        </p:blipFill>
+        <p:spPr>
+          <a:xfrm>
+            <a:off x="2639114" y="4001294"/>
+            <a:ext cx="5880100" cy="2857500"/>
+          </a:xfrm>
+          <a:prstGeom prst="rect">
+            <a:avLst/>
+          </a:prstGeom>
+        </p:spPr>
+      </p:pic>
+    </p:spTree>
+    <p:extLst>
+      <p:ext uri="{BB962C8B-B14F-4D97-AF65-F5344CB8AC3E}">
+        <p14:creationId xmlns:p14="http://schemas.microsoft.com/office/powerpoint/2010/main" val="1473622458"/>
+      </p:ext>
+    </p:extLst>
+  </p:cSld>
+  <p:clrMapOvr>
+    <a:masterClrMapping/>
+  </p:clrMapOvr>
+</p:sld>
+</file>
+
+<file path=ppt/slides/slide13.xml><?xml version="1.0" encoding="utf-8"?>
+<p:sld xmlns:a="http://schemas.openxmlformats.org/drawingml/2006/main" xmlns:r="http://schemas.openxmlformats.org/officeDocument/2006/relationships" xmlns:p="http://schemas.openxmlformats.org/presentationml/2006/main">
+  <p:cSld>
+    <p:spTree>
+      <p:nvGrpSpPr>
+        <p:cNvPr id="1" name=""/>
+        <p:cNvGrpSpPr/>
+        <p:nvPr/>
+      </p:nvGrpSpPr>
+      <p:grpSpPr>
+        <a:xfrm>
+          <a:off x="0" y="0"/>
+          <a:ext cx="0" cy="0"/>
+          <a:chOff x="0" y="0"/>
+          <a:chExt cx="0" cy="0"/>
+        </a:xfrm>
+      </p:grpSpPr>
+      <p:sp>
+        <p:nvSpPr>
+          <p:cNvPr id="2" name="Title 1">
+            <a:extLst>
+              <a:ext uri="{FF2B5EF4-FFF2-40B4-BE49-F238E27FC236}">
+                <a16:creationId xmlns:a16="http://schemas.microsoft.com/office/drawing/2014/main" id="{8270683C-C47A-3E68-765D-80FFF1E1CD76}"/>
+              </a:ext>
+            </a:extLst>
+          </p:cNvPr>
+          <p:cNvSpPr>
+            <a:spLocks noGrp="1"/>
+          </p:cNvSpPr>
+          <p:nvPr>
+            <p:ph type="title"/>
+          </p:nvPr>
+        </p:nvSpPr>
+        <p:spPr/>
+        <p:txBody>
+          <a:bodyPr/>
+          <a:lstStyle/>
+          <a:p>
+            <a:r>
+              <a:rPr lang="en-US" dirty="0" err="1"/>
+              <a:t>Dbeavor</a:t>
+            </a:r>
+            <a:r>
+              <a:rPr lang="en-US" dirty="0"/>
+              <a:t> 24.1.0管理數據庫</a:t>
+            </a:r>
+          </a:p>
+        </p:txBody>
+      </p:sp>
+      <p:sp>
+        <p:nvSpPr>
+          <p:cNvPr id="3" name="Content Placeholder 2">
+            <a:extLst>
+              <a:ext uri="{FF2B5EF4-FFF2-40B4-BE49-F238E27FC236}">
+                <a16:creationId xmlns:a16="http://schemas.microsoft.com/office/drawing/2014/main" id="{EB749669-5776-01A6-AC9F-83F11B7F6AAE}"/>
+              </a:ext>
+            </a:extLst>
+          </p:cNvPr>
+          <p:cNvSpPr>
+            <a:spLocks noGrp="1"/>
+          </p:cNvSpPr>
+          <p:nvPr>
+            <p:ph idx="1"/>
+          </p:nvPr>
+        </p:nvSpPr>
+        <p:spPr/>
+        <p:txBody>
+          <a:bodyPr>
+            <a:normAutofit/>
+          </a:bodyPr>
+          <a:lstStyle/>
+          <a:p>
+            <a:r>
+              <a:rPr lang="en-US" dirty="0"/>
+              <a:t>https://</a:t>
+            </a:r>
+            <a:r>
+              <a:rPr lang="en-US" dirty="0" err="1"/>
+              <a:t>www.cnblogs.com</a:t>
+            </a:r>
+            <a:r>
+              <a:rPr lang="en-US" dirty="0"/>
+              <a:t>/nigx128/p/Jf4QN.html參考</a:t>
+            </a:r>
+          </a:p>
+        </p:txBody>
+      </p:sp>
+      <p:pic>
+        <p:nvPicPr>
+          <p:cNvPr id="4" name="Picture 3">
+            <a:extLst>
+              <a:ext uri="{FF2B5EF4-FFF2-40B4-BE49-F238E27FC236}">
+                <a16:creationId xmlns:a16="http://schemas.microsoft.com/office/drawing/2014/main" id="{019EEA7E-DC6E-9B49-8953-4B3FDDB03A0C}"/>
+              </a:ext>
+            </a:extLst>
+          </p:cNvPr>
+          <p:cNvPicPr>
+            <a:picLocks noChangeAspect="1"/>
+          </p:cNvPicPr>
+          <p:nvPr/>
+        </p:nvPicPr>
+        <p:blipFill>
+          <a:blip r:embed="rId2"/>
+          <a:stretch>
+            <a:fillRect/>
+          </a:stretch>
+        </p:blipFill>
+        <p:spPr>
+          <a:xfrm>
+            <a:off x="4062097" y="2386334"/>
+            <a:ext cx="6769100" cy="4292600"/>
+          </a:xfrm>
+          <a:prstGeom prst="rect">
+            <a:avLst/>
+          </a:prstGeom>
+        </p:spPr>
+      </p:pic>
+    </p:spTree>
+    <p:extLst>
+      <p:ext uri="{BB962C8B-B14F-4D97-AF65-F5344CB8AC3E}">
+        <p14:creationId xmlns:p14="http://schemas.microsoft.com/office/powerpoint/2010/main" val="1973680045"/>
+      </p:ext>
+    </p:extLst>
+  </p:cSld>
+  <p:clrMapOvr>
+    <a:masterClrMapping/>
+  </p:clrMapOvr>
+</p:sld>
+</file>
+
+<file path=ppt/slides/slide14.xml><?xml version="1.0" encoding="utf-8"?>
+<p:sld xmlns:a="http://schemas.openxmlformats.org/drawingml/2006/main" xmlns:r="http://schemas.openxmlformats.org/officeDocument/2006/relationships" xmlns:p="http://schemas.openxmlformats.org/presentationml/2006/main">
+  <p:cSld>
+    <p:spTree>
+      <p:nvGrpSpPr>
+        <p:cNvPr id="1" name=""/>
+        <p:cNvGrpSpPr/>
+        <p:nvPr/>
+      </p:nvGrpSpPr>
+      <p:grpSpPr>
+        <a:xfrm>
+          <a:off x="0" y="0"/>
+          <a:ext cx="0" cy="0"/>
+          <a:chOff x="0" y="0"/>
+          <a:chExt cx="0" cy="0"/>
+        </a:xfrm>
+      </p:grpSpPr>
+      <p:sp>
+        <p:nvSpPr>
+          <p:cNvPr id="2" name="Title 1">
+            <a:extLst>
+              <a:ext uri="{FF2B5EF4-FFF2-40B4-BE49-F238E27FC236}">
+                <a16:creationId xmlns:a16="http://schemas.microsoft.com/office/drawing/2014/main" id="{8270683C-C47A-3E68-765D-80FFF1E1CD76}"/>
+              </a:ext>
+            </a:extLst>
+          </p:cNvPr>
+          <p:cNvSpPr>
+            <a:spLocks noGrp="1"/>
+          </p:cNvSpPr>
+          <p:nvPr>
+            <p:ph type="title"/>
+          </p:nvPr>
+        </p:nvSpPr>
+        <p:spPr/>
+        <p:txBody>
+          <a:bodyPr/>
+          <a:lstStyle/>
+          <a:p>
+            <a:r>
+              <a:rPr lang="en-US" dirty="0" err="1"/>
+              <a:t>Dbeaver</a:t>
+            </a:r>
+            <a:r>
+              <a:rPr lang="en-US" dirty="0"/>
+              <a:t> errors</a:t>
+            </a:r>
+          </a:p>
+        </p:txBody>
+      </p:sp>
+      <p:sp>
+        <p:nvSpPr>
+          <p:cNvPr id="3" name="Content Placeholder 2">
+            <a:extLst>
+              <a:ext uri="{FF2B5EF4-FFF2-40B4-BE49-F238E27FC236}">
+                <a16:creationId xmlns:a16="http://schemas.microsoft.com/office/drawing/2014/main" id="{EB749669-5776-01A6-AC9F-83F11B7F6AAE}"/>
+              </a:ext>
+            </a:extLst>
+          </p:cNvPr>
+          <p:cNvSpPr>
+            <a:spLocks noGrp="1"/>
+          </p:cNvSpPr>
+          <p:nvPr>
+            <p:ph idx="1"/>
+          </p:nvPr>
+        </p:nvSpPr>
+        <p:spPr/>
+        <p:txBody>
+          <a:bodyPr>
+            <a:normAutofit/>
+          </a:bodyPr>
+          <a:lstStyle/>
+          <a:p>
+            <a:r>
+              <a:rPr lang="en-US" dirty="0"/>
+              <a:t>Public Key Retrieval is not allowed</a:t>
+            </a:r>
+            <a:endParaRPr lang="en-US" dirty="0">
+              <a:hlinkClick r:id="rId2"/>
+            </a:endParaRPr>
+          </a:p>
+          <a:p>
+            <a:r>
+              <a:rPr lang="en-US" dirty="0">
+                <a:hlinkClick r:id="rId2"/>
+              </a:rPr>
+              <a:t>https://sinyilin.github.io/SQL/20230425/4002286829/#google_vignette</a:t>
+            </a:r>
+            <a:endParaRPr lang="en-US" dirty="0"/>
+          </a:p>
+          <a:p>
+            <a:r>
+              <a:rPr lang="en-US" dirty="0"/>
+              <a:t>Public Key Retrieval is not allowed</a:t>
+            </a:r>
+          </a:p>
+          <a:p>
+            <a:r>
+              <a:rPr lang="en-US" dirty="0"/>
+              <a:t>https://</a:t>
+            </a:r>
+            <a:r>
+              <a:rPr lang="en-US" dirty="0" err="1"/>
+              <a:t>blog.csdn.net</a:t>
+            </a:r>
+            <a:r>
+              <a:rPr lang="en-US" dirty="0"/>
+              <a:t>/ngl272/article/details/70217499</a:t>
+            </a:r>
+          </a:p>
+        </p:txBody>
+      </p:sp>
+    </p:spTree>
+    <p:extLst>
+      <p:ext uri="{BB962C8B-B14F-4D97-AF65-F5344CB8AC3E}">
+        <p14:creationId xmlns:p14="http://schemas.microsoft.com/office/powerpoint/2010/main" val="3898179271"/>
+      </p:ext>
+    </p:extLst>
+  </p:cSld>
+  <p:clrMapOvr>
+    <a:masterClrMapping/>
+  </p:clrMapOvr>
+</p:sld>
+</file>
+
+<file path=ppt/slides/slide15.xml><?xml version="1.0" encoding="utf-8"?>
+<p:sld xmlns:a="http://schemas.openxmlformats.org/drawingml/2006/main" xmlns:r="http://schemas.openxmlformats.org/officeDocument/2006/relationships" xmlns:p="http://schemas.openxmlformats.org/presentationml/2006/main">
+  <p:cSld>
+    <p:spTree>
+      <p:nvGrpSpPr>
+        <p:cNvPr id="1" name=""/>
+        <p:cNvGrpSpPr/>
+        <p:nvPr/>
+      </p:nvGrpSpPr>
+      <p:grpSpPr>
+        <a:xfrm>
+          <a:off x="0" y="0"/>
+          <a:ext cx="0" cy="0"/>
+          <a:chOff x="0" y="0"/>
+          <a:chExt cx="0" cy="0"/>
+        </a:xfrm>
+      </p:grpSpPr>
+      <p:sp>
+        <p:nvSpPr>
+          <p:cNvPr id="2" name="Title 1">
+            <a:extLst>
+              <a:ext uri="{FF2B5EF4-FFF2-40B4-BE49-F238E27FC236}">
+                <a16:creationId xmlns:a16="http://schemas.microsoft.com/office/drawing/2014/main" id="{8270683C-C47A-3E68-765D-80FFF1E1CD76}"/>
+              </a:ext>
+            </a:extLst>
+          </p:cNvPr>
+          <p:cNvSpPr>
+            <a:spLocks noGrp="1"/>
+          </p:cNvSpPr>
+          <p:nvPr>
+            <p:ph type="title"/>
+          </p:nvPr>
+        </p:nvSpPr>
+        <p:spPr/>
+        <p:txBody>
+          <a:bodyPr/>
+          <a:lstStyle/>
+          <a:p>
+            <a:r>
+              <a:rPr lang="en-US" dirty="0"/>
+              <a:t>SQL Alchemy</a:t>
+            </a:r>
+          </a:p>
+        </p:txBody>
+      </p:sp>
+      <p:sp>
+        <p:nvSpPr>
+          <p:cNvPr id="3" name="Content Placeholder 2">
+            <a:extLst>
+              <a:ext uri="{FF2B5EF4-FFF2-40B4-BE49-F238E27FC236}">
+                <a16:creationId xmlns:a16="http://schemas.microsoft.com/office/drawing/2014/main" id="{EB749669-5776-01A6-AC9F-83F11B7F6AAE}"/>
+              </a:ext>
+            </a:extLst>
+          </p:cNvPr>
+          <p:cNvSpPr>
+            <a:spLocks noGrp="1"/>
+          </p:cNvSpPr>
+          <p:nvPr>
+            <p:ph idx="1"/>
+          </p:nvPr>
+        </p:nvSpPr>
+        <p:spPr/>
+        <p:txBody>
+          <a:bodyPr>
+            <a:normAutofit/>
+          </a:bodyPr>
+          <a:lstStyle/>
+          <a:p>
+            <a:r>
+              <a:rPr lang="en-US" b="1" i="0" dirty="0" err="1">
+                <a:solidFill>
+                  <a:srgbClr val="202122"/>
+                </a:solidFill>
+                <a:effectLst/>
+                <a:highlight>
+                  <a:srgbClr val="FFFFFF"/>
+                </a:highlight>
+                <a:latin typeface="Arial" panose="020B0604020202020204" pitchFamily="34" charset="0"/>
+              </a:rPr>
+              <a:t>SQLAlchemy</a:t>
+            </a:r>
+            <a:r>
+              <a:rPr lang="zh-TW" altLang="en-US" b="0" i="0" dirty="0">
+                <a:solidFill>
+                  <a:srgbClr val="202122"/>
+                </a:solidFill>
+                <a:effectLst/>
+                <a:highlight>
+                  <a:srgbClr val="FFFFFF"/>
+                </a:highlight>
+                <a:latin typeface="Arial" panose="020B0604020202020204" pitchFamily="34" charset="0"/>
+              </a:rPr>
+              <a:t>是為</a:t>
+            </a:r>
+            <a:r>
+              <a:rPr lang="en-US" b="0" i="0" u="none" strike="noStrike" dirty="0">
+                <a:effectLst/>
+                <a:highlight>
+                  <a:srgbClr val="FFFFFF"/>
+                </a:highlight>
+                <a:latin typeface="Arial" panose="020B0604020202020204" pitchFamily="34" charset="0"/>
+                <a:hlinkClick r:id="rId2" tooltip="Python"/>
+              </a:rPr>
+              <a:t>Python</a:t>
+            </a:r>
+            <a:r>
+              <a:rPr lang="zh-TW" altLang="en-US" b="0" i="0" u="none" strike="noStrike" dirty="0">
+                <a:effectLst/>
+                <a:highlight>
+                  <a:srgbClr val="FFFFFF"/>
+                </a:highlight>
+                <a:latin typeface="Arial" panose="020B0604020202020204" pitchFamily="34" charset="0"/>
+                <a:hlinkClick r:id="rId3" tooltip="程式語言"/>
+              </a:rPr>
+              <a:t>程式語言</a:t>
+            </a:r>
+            <a:r>
+              <a:rPr lang="zh-TW" altLang="en-US" b="0" i="0" dirty="0">
+                <a:solidFill>
+                  <a:srgbClr val="202122"/>
+                </a:solidFill>
+                <a:effectLst/>
+                <a:highlight>
+                  <a:srgbClr val="FFFFFF"/>
+                </a:highlight>
+                <a:latin typeface="Arial" panose="020B0604020202020204" pitchFamily="34" charset="0"/>
+              </a:rPr>
+              <a:t>提供的</a:t>
+            </a:r>
+            <a:r>
+              <a:rPr lang="zh-TW" altLang="en-US" b="0" i="0" u="none" strike="noStrike" dirty="0">
+                <a:effectLst/>
+                <a:highlight>
+                  <a:srgbClr val="FFFFFF"/>
+                </a:highlight>
+                <a:latin typeface="Arial" panose="020B0604020202020204" pitchFamily="34" charset="0"/>
+                <a:hlinkClick r:id="rId4" tooltip="開放原始碼"/>
+              </a:rPr>
+              <a:t>開源</a:t>
+            </a:r>
+            <a:r>
+              <a:rPr lang="en-US" b="0" i="0" u="none" strike="noStrike" dirty="0">
+                <a:effectLst/>
+                <a:highlight>
+                  <a:srgbClr val="FFFFFF"/>
+                </a:highlight>
+                <a:latin typeface="Arial" panose="020B0604020202020204" pitchFamily="34" charset="0"/>
+                <a:hlinkClick r:id="rId5" tooltip="SQL"/>
+              </a:rPr>
+              <a:t>SQL</a:t>
+            </a:r>
+            <a:r>
+              <a:rPr lang="zh-TW" altLang="en-US" b="0" i="0" dirty="0">
+                <a:solidFill>
+                  <a:srgbClr val="202122"/>
+                </a:solidFill>
+                <a:effectLst/>
+                <a:highlight>
+                  <a:srgbClr val="FFFFFF"/>
+                </a:highlight>
+                <a:latin typeface="Arial" panose="020B0604020202020204" pitchFamily="34" charset="0"/>
+              </a:rPr>
+              <a:t>工具包及</a:t>
+            </a:r>
+            <a:r>
+              <a:rPr lang="zh-TW" altLang="en-US" b="0" i="0" u="none" strike="noStrike" dirty="0">
+                <a:effectLst/>
+                <a:highlight>
+                  <a:srgbClr val="FFFFFF"/>
+                </a:highlight>
+                <a:latin typeface="Arial" panose="020B0604020202020204" pitchFamily="34" charset="0"/>
+                <a:hlinkClick r:id="rId6" tooltip="對象關係對映器"/>
+              </a:rPr>
+              <a:t>對象關係對映器</a:t>
+            </a:r>
+            <a:r>
+              <a:rPr lang="zh-TW" altLang="en-US" b="0" i="0" dirty="0">
+                <a:solidFill>
+                  <a:srgbClr val="202122"/>
+                </a:solidFill>
+                <a:effectLst/>
+                <a:highlight>
+                  <a:srgbClr val="FFFFFF"/>
+                </a:highlight>
+                <a:latin typeface="Arial" panose="020B0604020202020204" pitchFamily="34" charset="0"/>
+              </a:rPr>
+              <a:t>（</a:t>
+            </a:r>
+            <a:r>
+              <a:rPr lang="en-US" b="0" i="0" dirty="0">
+                <a:solidFill>
+                  <a:srgbClr val="202122"/>
+                </a:solidFill>
+                <a:effectLst/>
+                <a:highlight>
+                  <a:srgbClr val="FFFFFF"/>
+                </a:highlight>
+                <a:latin typeface="Arial" panose="020B0604020202020204" pitchFamily="34" charset="0"/>
+              </a:rPr>
+              <a:t>ORM），</a:t>
+            </a:r>
+            <a:r>
+              <a:rPr lang="zh-TW" altLang="en-US" b="0" i="0" dirty="0">
+                <a:solidFill>
+                  <a:srgbClr val="202122"/>
+                </a:solidFill>
+                <a:effectLst/>
+                <a:highlight>
+                  <a:srgbClr val="FFFFFF"/>
+                </a:highlight>
+                <a:latin typeface="Arial" panose="020B0604020202020204" pitchFamily="34" charset="0"/>
+              </a:rPr>
+              <a:t>是在</a:t>
+            </a:r>
+            <a:r>
+              <a:rPr lang="en-US" b="0" i="0" u="none" strike="noStrike" dirty="0">
+                <a:effectLst/>
+                <a:highlight>
+                  <a:srgbClr val="FFFFFF"/>
+                </a:highlight>
+                <a:latin typeface="Arial" panose="020B0604020202020204" pitchFamily="34" charset="0"/>
+                <a:hlinkClick r:id="rId7" tooltip="MIT許可證"/>
+              </a:rPr>
+              <a:t>MIT</a:t>
+            </a:r>
+            <a:r>
+              <a:rPr lang="zh-TW" altLang="en-US" b="0" i="0" u="none" strike="noStrike" dirty="0">
+                <a:effectLst/>
+                <a:highlight>
+                  <a:srgbClr val="FFFFFF"/>
+                </a:highlight>
+                <a:latin typeface="Arial" panose="020B0604020202020204" pitchFamily="34" charset="0"/>
+                <a:hlinkClick r:id="rId7" tooltip="MIT許可證"/>
+              </a:rPr>
+              <a:t>許可證</a:t>
+            </a:r>
+            <a:r>
+              <a:rPr lang="zh-TW" altLang="en-US" b="0" i="0" dirty="0">
+                <a:solidFill>
+                  <a:srgbClr val="202122"/>
+                </a:solidFill>
+                <a:effectLst/>
+                <a:highlight>
+                  <a:srgbClr val="FFFFFF"/>
+                </a:highlight>
+                <a:latin typeface="Arial" panose="020B0604020202020204" pitchFamily="34" charset="0"/>
+              </a:rPr>
+              <a:t>下發行的軟體。</a:t>
+            </a:r>
+            <a:endParaRPr lang="en-US" altLang="zh-TW" b="0" i="0" dirty="0">
+              <a:solidFill>
+                <a:srgbClr val="202122"/>
+              </a:solidFill>
+              <a:effectLst/>
+              <a:highlight>
+                <a:srgbClr val="FFFFFF"/>
+              </a:highlight>
+              <a:latin typeface="Arial" panose="020B0604020202020204" pitchFamily="34" charset="0"/>
+            </a:endParaRPr>
+          </a:p>
+          <a:p>
+            <a:r>
+              <a:rPr lang="en-US" dirty="0">
+                <a:solidFill>
+                  <a:srgbClr val="202122"/>
+                </a:solidFill>
+                <a:highlight>
+                  <a:srgbClr val="FFFFFF"/>
+                </a:highlight>
+                <a:latin typeface="Arial" panose="020B0604020202020204" pitchFamily="34" charset="0"/>
+                <a:hlinkClick r:id="rId8"/>
+              </a:rPr>
+              <a:t>https://zh.wikipedia.org/zh-tw/SQLAlchemy</a:t>
+            </a:r>
+            <a:endParaRPr lang="en-US" dirty="0">
+              <a:solidFill>
+                <a:srgbClr val="202122"/>
+              </a:solidFill>
+              <a:highlight>
+                <a:srgbClr val="FFFFFF"/>
+              </a:highlight>
+              <a:latin typeface="Arial" panose="020B0604020202020204" pitchFamily="34" charset="0"/>
+            </a:endParaRPr>
+          </a:p>
+          <a:p>
+            <a:endParaRPr lang="en-US" dirty="0">
+              <a:solidFill>
+                <a:srgbClr val="202122"/>
+              </a:solidFill>
+              <a:highlight>
+                <a:srgbClr val="FFFFFF"/>
+              </a:highlight>
+              <a:latin typeface="Arial" panose="020B0604020202020204" pitchFamily="34" charset="0"/>
+            </a:endParaRPr>
+          </a:p>
+          <a:p>
+            <a:endParaRPr lang="en-US" dirty="0"/>
+          </a:p>
+        </p:txBody>
+      </p:sp>
+    </p:spTree>
+    <p:extLst>
+      <p:ext uri="{BB962C8B-B14F-4D97-AF65-F5344CB8AC3E}">
+        <p14:creationId xmlns:p14="http://schemas.microsoft.com/office/powerpoint/2010/main" val="3579279132"/>
+      </p:ext>
+    </p:extLst>
+  </p:cSld>
+  <p:clrMapOvr>
+    <a:masterClrMapping/>
+  </p:clrMapOvr>
+</p:sld>
+</file>
+
+<file path=ppt/slides/slide16.xml><?xml version="1.0" encoding="utf-8"?>
+<p:sld xmlns:a="http://schemas.openxmlformats.org/drawingml/2006/main" xmlns:r="http://schemas.openxmlformats.org/officeDocument/2006/relationships" xmlns:p="http://schemas.openxmlformats.org/presentationml/2006/main">
+  <p:cSld>
+    <p:spTree>
+      <p:nvGrpSpPr>
+        <p:cNvPr id="1" name=""/>
+        <p:cNvGrpSpPr/>
+        <p:nvPr/>
+      </p:nvGrpSpPr>
+      <p:grpSpPr>
+        <a:xfrm>
+          <a:off x="0" y="0"/>
+          <a:ext cx="0" cy="0"/>
+          <a:chOff x="0" y="0"/>
+          <a:chExt cx="0" cy="0"/>
+        </a:xfrm>
+      </p:grpSpPr>
+      <p:sp>
+        <p:nvSpPr>
+          <p:cNvPr id="2" name="Title 1">
+            <a:extLst>
+              <a:ext uri="{FF2B5EF4-FFF2-40B4-BE49-F238E27FC236}">
+                <a16:creationId xmlns:a16="http://schemas.microsoft.com/office/drawing/2014/main" id="{8270683C-C47A-3E68-765D-80FFF1E1CD76}"/>
+              </a:ext>
+            </a:extLst>
+          </p:cNvPr>
+          <p:cNvSpPr>
+            <a:spLocks noGrp="1"/>
+          </p:cNvSpPr>
+          <p:nvPr>
+            <p:ph type="title"/>
+          </p:nvPr>
+        </p:nvSpPr>
+        <p:spPr/>
+        <p:txBody>
+          <a:bodyPr/>
+          <a:lstStyle/>
+          <a:p>
+            <a:r>
+              <a:rPr lang="en-US" dirty="0"/>
+              <a:t>d</a:t>
+            </a:r>
+          </a:p>
+        </p:txBody>
+      </p:sp>
+      <p:sp>
+        <p:nvSpPr>
+          <p:cNvPr id="3" name="Content Placeholder 2">
+            <a:extLst>
+              <a:ext uri="{FF2B5EF4-FFF2-40B4-BE49-F238E27FC236}">
+                <a16:creationId xmlns:a16="http://schemas.microsoft.com/office/drawing/2014/main" id="{EB749669-5776-01A6-AC9F-83F11B7F6AAE}"/>
+              </a:ext>
+            </a:extLst>
+          </p:cNvPr>
+          <p:cNvSpPr>
+            <a:spLocks noGrp="1"/>
+          </p:cNvSpPr>
+          <p:nvPr>
+            <p:ph idx="1"/>
+          </p:nvPr>
+        </p:nvSpPr>
+        <p:spPr/>
+        <p:txBody>
+          <a:bodyPr>
+            <a:normAutofit/>
+          </a:bodyPr>
+          <a:lstStyle/>
+          <a:p>
+            <a:r>
+              <a:rPr lang="en-US" dirty="0"/>
+              <a:t>https://</a:t>
+            </a:r>
+            <a:r>
+              <a:rPr lang="en-US" dirty="0" err="1"/>
+              <a:t>sinyilin.github.io</a:t>
+            </a:r>
+            <a:r>
+              <a:rPr lang="en-US" dirty="0"/>
+              <a:t>/SQL/20230425/4002286829/#</a:t>
+            </a:r>
+            <a:r>
+              <a:rPr lang="en-US"/>
+              <a:t>google_vignette</a:t>
+            </a:r>
+            <a:endParaRPr lang="en-US" dirty="0"/>
+          </a:p>
+        </p:txBody>
+      </p:sp>
+    </p:spTree>
+    <p:extLst>
+      <p:ext uri="{BB962C8B-B14F-4D97-AF65-F5344CB8AC3E}">
+        <p14:creationId xmlns:p14="http://schemas.microsoft.com/office/powerpoint/2010/main" val="2522183658"/>
+      </p:ext>
+    </p:extLst>
+  </p:cSld>
+  <p:clrMapOvr>
+    <a:masterClrMapping/>
+  </p:clrMapOvr>
+</p:sld>
+</file>
+
+<file path=ppt/slides/slide17.xml><?xml version="1.0" encoding="utf-8"?>
+<p:sld xmlns:a="http://schemas.openxmlformats.org/drawingml/2006/main" xmlns:r="http://schemas.openxmlformats.org/officeDocument/2006/relationships" xmlns:p="http://schemas.openxmlformats.org/presentationml/2006/main">
+  <p:cSld>
+    <p:spTree>
+      <p:nvGrpSpPr>
+        <p:cNvPr id="1" name=""/>
+        <p:cNvGrpSpPr/>
+        <p:nvPr/>
+      </p:nvGrpSpPr>
+      <p:grpSpPr>
+        <a:xfrm>
+          <a:off x="0" y="0"/>
+          <a:ext cx="0" cy="0"/>
+          <a:chOff x="0" y="0"/>
+          <a:chExt cx="0" cy="0"/>
+        </a:xfrm>
+      </p:grpSpPr>
+      <p:sp>
+        <p:nvSpPr>
+          <p:cNvPr id="2" name="Title 1">
+            <a:extLst>
+              <a:ext uri="{FF2B5EF4-FFF2-40B4-BE49-F238E27FC236}">
+                <a16:creationId xmlns:a16="http://schemas.microsoft.com/office/drawing/2014/main" id="{8270683C-C47A-3E68-765D-80FFF1E1CD76}"/>
+              </a:ext>
+            </a:extLst>
+          </p:cNvPr>
+          <p:cNvSpPr>
+            <a:spLocks noGrp="1"/>
+          </p:cNvSpPr>
+          <p:nvPr>
+            <p:ph type="title"/>
+          </p:nvPr>
+        </p:nvSpPr>
+        <p:spPr/>
+        <p:txBody>
+          <a:bodyPr/>
+          <a:lstStyle/>
+          <a:p>
+            <a:r>
+              <a:rPr lang="en-US" dirty="0"/>
+              <a:t>d</a:t>
+            </a:r>
+          </a:p>
+        </p:txBody>
+      </p:sp>
+      <p:sp>
+        <p:nvSpPr>
+          <p:cNvPr id="3" name="Content Placeholder 2">
+            <a:extLst>
+              <a:ext uri="{FF2B5EF4-FFF2-40B4-BE49-F238E27FC236}">
+                <a16:creationId xmlns:a16="http://schemas.microsoft.com/office/drawing/2014/main" id="{EB749669-5776-01A6-AC9F-83F11B7F6AAE}"/>
+              </a:ext>
+            </a:extLst>
+          </p:cNvPr>
+          <p:cNvSpPr>
+            <a:spLocks noGrp="1"/>
+          </p:cNvSpPr>
+          <p:nvPr>
+            <p:ph idx="1"/>
+          </p:nvPr>
+        </p:nvSpPr>
+        <p:spPr/>
+        <p:txBody>
+          <a:bodyPr>
+            <a:normAutofit/>
+          </a:bodyPr>
+          <a:lstStyle/>
+          <a:p>
+            <a:r>
+              <a:rPr lang="en-US" dirty="0"/>
+              <a:t>https://</a:t>
+            </a:r>
+            <a:r>
+              <a:rPr lang="en-US" dirty="0" err="1"/>
+              <a:t>sinyilin.github.io</a:t>
+            </a:r>
+            <a:r>
+              <a:rPr lang="en-US" dirty="0"/>
+              <a:t>/SQL/20230425/4002286829/#</a:t>
+            </a:r>
+            <a:r>
+              <a:rPr lang="en-US"/>
+              <a:t>google_vignette</a:t>
+            </a:r>
+            <a:endParaRPr lang="en-US" dirty="0"/>
+          </a:p>
+        </p:txBody>
+      </p:sp>
+    </p:spTree>
+    <p:extLst>
+      <p:ext uri="{BB962C8B-B14F-4D97-AF65-F5344CB8AC3E}">
+        <p14:creationId xmlns:p14="http://schemas.microsoft.com/office/powerpoint/2010/main" val="4086514996"/>
+      </p:ext>
+    </p:extLst>
+  </p:cSld>
+  <p:clrMapOvr>
+    <a:masterClrMapping/>
+  </p:clrMapOvr>
+</p:sld>
+</file>
+
+<file path=ppt/slides/slide18.xml><?xml version="1.0" encoding="utf-8"?>
+<p:sld xmlns:a="http://schemas.openxmlformats.org/drawingml/2006/main" xmlns:r="http://schemas.openxmlformats.org/officeDocument/2006/relationships" xmlns:p="http://schemas.openxmlformats.org/presentationml/2006/main">
+  <p:cSld>
+    <p:spTree>
+      <p:nvGrpSpPr>
+        <p:cNvPr id="1" name=""/>
+        <p:cNvGrpSpPr/>
+        <p:nvPr/>
+      </p:nvGrpSpPr>
+      <p:grpSpPr>
+        <a:xfrm>
+          <a:off x="0" y="0"/>
+          <a:ext cx="0" cy="0"/>
+          <a:chOff x="0" y="0"/>
+          <a:chExt cx="0" cy="0"/>
+        </a:xfrm>
+      </p:grpSpPr>
+      <p:sp>
+        <p:nvSpPr>
+          <p:cNvPr id="2" name="Title 1">
+            <a:extLst>
+              <a:ext uri="{FF2B5EF4-FFF2-40B4-BE49-F238E27FC236}">
+                <a16:creationId xmlns:a16="http://schemas.microsoft.com/office/drawing/2014/main" id="{8270683C-C47A-3E68-765D-80FFF1E1CD76}"/>
+              </a:ext>
+            </a:extLst>
+          </p:cNvPr>
+          <p:cNvSpPr>
+            <a:spLocks noGrp="1"/>
+          </p:cNvSpPr>
+          <p:nvPr>
+            <p:ph type="title"/>
+          </p:nvPr>
+        </p:nvSpPr>
+        <p:spPr/>
+        <p:txBody>
+          <a:bodyPr/>
+          <a:lstStyle/>
+          <a:p>
+            <a:r>
+              <a:rPr lang="en-US" dirty="0"/>
+              <a:t>d</a:t>
+            </a:r>
+          </a:p>
+        </p:txBody>
+      </p:sp>
+      <p:sp>
+        <p:nvSpPr>
+          <p:cNvPr id="3" name="Content Placeholder 2">
+            <a:extLst>
+              <a:ext uri="{FF2B5EF4-FFF2-40B4-BE49-F238E27FC236}">
+                <a16:creationId xmlns:a16="http://schemas.microsoft.com/office/drawing/2014/main" id="{EB749669-5776-01A6-AC9F-83F11B7F6AAE}"/>
+              </a:ext>
+            </a:extLst>
+          </p:cNvPr>
+          <p:cNvSpPr>
+            <a:spLocks noGrp="1"/>
+          </p:cNvSpPr>
+          <p:nvPr>
+            <p:ph idx="1"/>
+          </p:nvPr>
+        </p:nvSpPr>
+        <p:spPr/>
+        <p:txBody>
+          <a:bodyPr>
+            <a:normAutofit/>
+          </a:bodyPr>
+          <a:lstStyle/>
+          <a:p>
+            <a:r>
+              <a:rPr lang="en-US" dirty="0"/>
+              <a:t>https://</a:t>
+            </a:r>
+            <a:r>
+              <a:rPr lang="en-US" dirty="0" err="1"/>
+              <a:t>sinyilin.github.io</a:t>
+            </a:r>
+            <a:r>
+              <a:rPr lang="en-US" dirty="0"/>
+              <a:t>/SQL/20230425/4002286829/#</a:t>
+            </a:r>
+            <a:r>
+              <a:rPr lang="en-US"/>
+              <a:t>google_vignette</a:t>
+            </a:r>
+            <a:endParaRPr lang="en-US" dirty="0"/>
+          </a:p>
+        </p:txBody>
+      </p:sp>
+    </p:spTree>
+    <p:extLst>
+      <p:ext uri="{BB962C8B-B14F-4D97-AF65-F5344CB8AC3E}">
+        <p14:creationId xmlns:p14="http://schemas.microsoft.com/office/powerpoint/2010/main" val="1055511209"/>
+      </p:ext>
+    </p:extLst>
+  </p:cSld>
+  <p:clrMapOvr>
+    <a:masterClrMapping/>
+  </p:clrMapOvr>
+</p:sld>
+</file>
+
 <file path=ppt/slides/slide2.xml><?xml version="1.0" encoding="utf-8"?>
 <p:sld xmlns:a="http://schemas.openxmlformats.org/drawingml/2006/main" xmlns:r="http://schemas.openxmlformats.org/officeDocument/2006/relationships" xmlns:p="http://schemas.openxmlformats.org/presentationml/2006/main">
   <p:cSld>
@@ -3449,7 +4901,9 @@
         </p:nvSpPr>
         <p:spPr/>
         <p:txBody>
-          <a:bodyPr/>
+          <a:bodyPr>
+            <a:normAutofit fontScale="92500" lnSpcReduction="10000"/>
+          </a:bodyPr>
           <a:lstStyle/>
           <a:p>
             <a:r>
@@ -3490,6 +4944,46 @@
             <a:r>
               <a:rPr lang="en-US" altLang="zh-TW" dirty="0"/>
               <a:t>ubuntu-desktop</a:t>
+            </a:r>
+          </a:p>
+          <a:p>
+            <a:r>
+              <a:rPr lang="en-US" altLang="zh-TW" dirty="0" err="1"/>
+              <a:t>Multipass</a:t>
+            </a:r>
+            <a:r>
+              <a:rPr lang="zh-TW" altLang="en-US" dirty="0"/>
+              <a:t>常用指令：</a:t>
+            </a:r>
+            <a:r>
+              <a:rPr lang="en-US" altLang="zh-TW" dirty="0">
+                <a:hlinkClick r:id="rId3"/>
+              </a:rPr>
+              <a:t>https://xenby.com/b/333-%E6%8E%A8%E8%96%A6-%E6%8C%87%E4%BB%A4%E5%BC%8F-ubuntu-%E8%99%9B%E6%93%AC%E6%A9%9F%E5%99%A8%E7%AE%A1%E7%90%86%E5%B7%A5%E5%85%B7-multipass</a:t>
+            </a:r>
+            <a:endParaRPr lang="en-US" altLang="zh-TW" dirty="0"/>
+          </a:p>
+          <a:p>
+            <a:pPr marL="0" indent="0">
+              <a:buNone/>
+            </a:pPr>
+            <a:endParaRPr lang="en-US" dirty="0"/>
+          </a:p>
+          <a:p>
+            <a:r>
+              <a:rPr lang="en-US" dirty="0"/>
+              <a:t>Gig3 in stall </a:t>
+            </a:r>
+            <a:r>
+              <a:rPr lang="en-US" dirty="0" err="1"/>
+              <a:t>neofetch</a:t>
+            </a:r>
+            <a:endParaRPr lang="en-US" dirty="0"/>
+          </a:p>
+          <a:p>
+            <a:r>
+              <a:rPr lang="en-US" dirty="0" err="1"/>
+              <a:t>Neofetch可以看系統overview</a:t>
             </a:r>
             <a:endParaRPr lang="en-US" dirty="0"/>
           </a:p>
@@ -3609,8 +5103,29 @@
               <a:t>sudo</a:t>
             </a:r>
             <a:r>
+              <a:rPr lang="en-US" dirty="0"/>
+              <a:t> apt install python3-pip</a:t>
+            </a:r>
+          </a:p>
+          <a:p>
+            <a:r>
+              <a:rPr lang="en-US" dirty="0"/>
+              <a:t>Pip3 install </a:t>
+            </a:r>
+            <a:r>
+              <a:rPr lang="en-US" dirty="0" err="1"/>
+              <a:t>Falsk</a:t>
+            </a:r>
+            <a:endParaRPr lang="en-US" dirty="0"/>
+          </a:p>
+          <a:p>
+            <a:r>
+              <a:rPr lang="en-US" dirty="0"/>
+              <a:t>Pip3 install </a:t>
+            </a:r>
+            <a:r>
               <a:rPr lang="en-US"/>
-              <a:t> apt install python3-pip</a:t>
+              <a:t>flask_admin</a:t>
             </a:r>
           </a:p>
           <a:p>
@@ -3622,6 +5137,1836 @@
     <p:extLst>
       <p:ext uri="{BB962C8B-B14F-4D97-AF65-F5344CB8AC3E}">
         <p14:creationId xmlns:p14="http://schemas.microsoft.com/office/powerpoint/2010/main" val="2449845130"/>
+      </p:ext>
+    </p:extLst>
+  </p:cSld>
+  <p:clrMapOvr>
+    <a:masterClrMapping/>
+  </p:clrMapOvr>
+</p:sld>
+</file>
+
+<file path=ppt/slides/slide4.xml><?xml version="1.0" encoding="utf-8"?>
+<p:sld xmlns:a="http://schemas.openxmlformats.org/drawingml/2006/main" xmlns:r="http://schemas.openxmlformats.org/officeDocument/2006/relationships" xmlns:p="http://schemas.openxmlformats.org/presentationml/2006/main">
+  <p:cSld>
+    <p:spTree>
+      <p:nvGrpSpPr>
+        <p:cNvPr id="1" name=""/>
+        <p:cNvGrpSpPr/>
+        <p:nvPr/>
+      </p:nvGrpSpPr>
+      <p:grpSpPr>
+        <a:xfrm>
+          <a:off x="0" y="0"/>
+          <a:ext cx="0" cy="0"/>
+          <a:chOff x="0" y="0"/>
+          <a:chExt cx="0" cy="0"/>
+        </a:xfrm>
+      </p:grpSpPr>
+      <p:sp>
+        <p:nvSpPr>
+          <p:cNvPr id="2" name="Title 1">
+            <a:extLst>
+              <a:ext uri="{FF2B5EF4-FFF2-40B4-BE49-F238E27FC236}">
+                <a16:creationId xmlns:a16="http://schemas.microsoft.com/office/drawing/2014/main" id="{8270683C-C47A-3E68-765D-80FFF1E1CD76}"/>
+              </a:ext>
+            </a:extLst>
+          </p:cNvPr>
+          <p:cNvSpPr>
+            <a:spLocks noGrp="1"/>
+          </p:cNvSpPr>
+          <p:nvPr>
+            <p:ph type="title"/>
+          </p:nvPr>
+        </p:nvSpPr>
+        <p:spPr/>
+        <p:txBody>
+          <a:bodyPr/>
+          <a:lstStyle/>
+          <a:p>
+            <a:r>
+              <a:rPr lang="en-US" dirty="0"/>
+              <a:t>Docker installation</a:t>
+            </a:r>
+          </a:p>
+        </p:txBody>
+      </p:sp>
+      <p:sp>
+        <p:nvSpPr>
+          <p:cNvPr id="3" name="Content Placeholder 2">
+            <a:extLst>
+              <a:ext uri="{FF2B5EF4-FFF2-40B4-BE49-F238E27FC236}">
+                <a16:creationId xmlns:a16="http://schemas.microsoft.com/office/drawing/2014/main" id="{EB749669-5776-01A6-AC9F-83F11B7F6AAE}"/>
+              </a:ext>
+            </a:extLst>
+          </p:cNvPr>
+          <p:cNvSpPr>
+            <a:spLocks noGrp="1"/>
+          </p:cNvSpPr>
+          <p:nvPr>
+            <p:ph idx="1"/>
+          </p:nvPr>
+        </p:nvSpPr>
+        <p:spPr/>
+        <p:txBody>
+          <a:bodyPr>
+            <a:normAutofit lnSpcReduction="10000"/>
+          </a:bodyPr>
+          <a:lstStyle/>
+          <a:p>
+            <a:r>
+              <a:rPr lang="en-US" dirty="0"/>
+              <a:t>https://</a:t>
+            </a:r>
+            <a:r>
+              <a:rPr lang="en-US" dirty="0" err="1"/>
+              <a:t>www.youtube.com</a:t>
+            </a:r>
+            <a:r>
+              <a:rPr lang="en-US" dirty="0"/>
+              <a:t>/</a:t>
+            </a:r>
+            <a:r>
+              <a:rPr lang="en-US" dirty="0" err="1"/>
+              <a:t>watch?v</a:t>
+            </a:r>
+            <a:r>
+              <a:rPr lang="en-US" dirty="0"/>
+              <a:t>=</a:t>
+            </a:r>
+            <a:r>
+              <a:rPr lang="en-US" dirty="0" err="1"/>
+              <a:t>cqbh-RneBlk</a:t>
+            </a:r>
+            <a:endParaRPr lang="en-US" dirty="0"/>
+          </a:p>
+          <a:p>
+            <a:r>
+              <a:rPr lang="en-US" dirty="0" err="1"/>
+              <a:t>Sudo</a:t>
+            </a:r>
+            <a:r>
+              <a:rPr lang="en-US" dirty="0"/>
+              <a:t> apt install </a:t>
+            </a:r>
+            <a:r>
+              <a:rPr lang="en-US" dirty="0" err="1"/>
+              <a:t>docker.io</a:t>
+            </a:r>
+            <a:endParaRPr lang="en-US" dirty="0"/>
+          </a:p>
+          <a:p>
+            <a:r>
+              <a:rPr lang="en-US" dirty="0" err="1"/>
+              <a:t>Sudo</a:t>
+            </a:r>
+            <a:r>
+              <a:rPr lang="en-US" dirty="0"/>
+              <a:t> </a:t>
+            </a:r>
+            <a:r>
+              <a:rPr lang="en-US" dirty="0" err="1"/>
+              <a:t>systemctl</a:t>
+            </a:r>
+            <a:r>
+              <a:rPr lang="en-US" dirty="0"/>
+              <a:t> enable docker(</a:t>
+            </a:r>
+            <a:r>
+              <a:rPr lang="en-US" dirty="0" err="1"/>
+              <a:t>使開機都會啟動docker</a:t>
+            </a:r>
+            <a:r>
+              <a:rPr lang="en-US" dirty="0"/>
+              <a:t>)</a:t>
+            </a:r>
+          </a:p>
+          <a:p>
+            <a:r>
+              <a:rPr lang="en-US" dirty="0" err="1"/>
+              <a:t>Sudo</a:t>
+            </a:r>
+            <a:r>
+              <a:rPr lang="en-US" dirty="0"/>
+              <a:t> </a:t>
+            </a:r>
+            <a:r>
+              <a:rPr lang="en-US" dirty="0" err="1"/>
+              <a:t>systemctl</a:t>
+            </a:r>
+            <a:r>
+              <a:rPr lang="en-US" dirty="0"/>
+              <a:t> status docker(</a:t>
+            </a:r>
+            <a:r>
+              <a:rPr lang="en-US" dirty="0" err="1"/>
+              <a:t>看docker狀態</a:t>
+            </a:r>
+            <a:r>
+              <a:rPr lang="en-US" dirty="0"/>
+              <a:t>)</a:t>
+            </a:r>
+          </a:p>
+          <a:p>
+            <a:r>
+              <a:rPr lang="en-US" dirty="0" err="1"/>
+              <a:t>Sudo</a:t>
+            </a:r>
+            <a:r>
+              <a:rPr lang="en-US" dirty="0"/>
+              <a:t> </a:t>
+            </a:r>
+            <a:r>
+              <a:rPr lang="en-US" dirty="0" err="1"/>
+              <a:t>systemctl</a:t>
+            </a:r>
+            <a:r>
+              <a:rPr lang="en-US" dirty="0"/>
+              <a:t> start docker(run the service)</a:t>
+            </a:r>
+          </a:p>
+          <a:p>
+            <a:r>
+              <a:rPr lang="en-US" dirty="0" err="1"/>
+              <a:t>Docker加速器</a:t>
+            </a:r>
+            <a:r>
+              <a:rPr lang="en-US" dirty="0"/>
+              <a:t>：</a:t>
+            </a:r>
+          </a:p>
+          <a:p>
+            <a:r>
+              <a:rPr lang="en-US" b="0" i="0" dirty="0">
+                <a:solidFill>
+                  <a:srgbClr val="18191C"/>
+                </a:solidFill>
+                <a:effectLst/>
+                <a:highlight>
+                  <a:srgbClr val="FFFFFF"/>
+                </a:highlight>
+                <a:latin typeface="PingFang SC" panose="020B0400000000000000" pitchFamily="34" charset="-122"/>
+                <a:ea typeface="PingFang SC" panose="020B0400000000000000" pitchFamily="34" charset="-122"/>
+              </a:rPr>
+              <a:t>curl -</a:t>
+            </a:r>
+            <a:r>
+              <a:rPr lang="en-US" b="0" i="0" dirty="0" err="1">
+                <a:solidFill>
+                  <a:srgbClr val="18191C"/>
+                </a:solidFill>
+                <a:effectLst/>
+                <a:highlight>
+                  <a:srgbClr val="FFFFFF"/>
+                </a:highlight>
+                <a:latin typeface="PingFang SC" panose="020B0400000000000000" pitchFamily="34" charset="-122"/>
+                <a:ea typeface="PingFang SC" panose="020B0400000000000000" pitchFamily="34" charset="-122"/>
+              </a:rPr>
+              <a:t>sSL</a:t>
+            </a:r>
+            <a:r>
+              <a:rPr lang="en-US" b="0" i="0" dirty="0">
+                <a:solidFill>
+                  <a:srgbClr val="18191C"/>
+                </a:solidFill>
+                <a:effectLst/>
+                <a:highlight>
+                  <a:srgbClr val="FFFFFF"/>
+                </a:highlight>
+                <a:latin typeface="PingFang SC" panose="020B0400000000000000" pitchFamily="34" charset="-122"/>
+                <a:ea typeface="PingFang SC" panose="020B0400000000000000" pitchFamily="34" charset="-122"/>
+              </a:rPr>
+              <a:t> https://</a:t>
+            </a:r>
+            <a:r>
+              <a:rPr lang="en-US" b="0" i="0" dirty="0" err="1">
+                <a:solidFill>
+                  <a:srgbClr val="18191C"/>
+                </a:solidFill>
+                <a:effectLst/>
+                <a:highlight>
+                  <a:srgbClr val="FFFFFF"/>
+                </a:highlight>
+                <a:latin typeface="PingFang SC" panose="020B0400000000000000" pitchFamily="34" charset="-122"/>
+                <a:ea typeface="PingFang SC" panose="020B0400000000000000" pitchFamily="34" charset="-122"/>
+              </a:rPr>
+              <a:t>get.daocloud.io</a:t>
+            </a:r>
+            <a:r>
+              <a:rPr lang="en-US" b="0" i="0" dirty="0">
+                <a:solidFill>
+                  <a:srgbClr val="18191C"/>
+                </a:solidFill>
+                <a:effectLst/>
+                <a:highlight>
+                  <a:srgbClr val="FFFFFF"/>
+                </a:highlight>
+                <a:latin typeface="PingFang SC" panose="020B0400000000000000" pitchFamily="34" charset="-122"/>
+                <a:ea typeface="PingFang SC" panose="020B0400000000000000" pitchFamily="34" charset="-122"/>
+              </a:rPr>
+              <a:t>/</a:t>
+            </a:r>
+            <a:r>
+              <a:rPr lang="en-US" b="0" i="0" dirty="0" err="1">
+                <a:solidFill>
+                  <a:srgbClr val="18191C"/>
+                </a:solidFill>
+                <a:effectLst/>
+                <a:highlight>
+                  <a:srgbClr val="FFFFFF"/>
+                </a:highlight>
+                <a:latin typeface="PingFang SC" panose="020B0400000000000000" pitchFamily="34" charset="-122"/>
+                <a:ea typeface="PingFang SC" panose="020B0400000000000000" pitchFamily="34" charset="-122"/>
+              </a:rPr>
+              <a:t>daotools</a:t>
+            </a:r>
+            <a:r>
+              <a:rPr lang="en-US" b="0" i="0" dirty="0">
+                <a:solidFill>
+                  <a:srgbClr val="18191C"/>
+                </a:solidFill>
+                <a:effectLst/>
+                <a:highlight>
+                  <a:srgbClr val="FFFFFF"/>
+                </a:highlight>
+                <a:latin typeface="PingFang SC" panose="020B0400000000000000" pitchFamily="34" charset="-122"/>
+                <a:ea typeface="PingFang SC" panose="020B0400000000000000" pitchFamily="34" charset="-122"/>
+              </a:rPr>
+              <a:t>/</a:t>
+            </a:r>
+            <a:r>
+              <a:rPr lang="en-US" b="0" i="0" dirty="0" err="1">
+                <a:solidFill>
+                  <a:srgbClr val="18191C"/>
+                </a:solidFill>
+                <a:effectLst/>
+                <a:highlight>
+                  <a:srgbClr val="FFFFFF"/>
+                </a:highlight>
+                <a:latin typeface="PingFang SC" panose="020B0400000000000000" pitchFamily="34" charset="-122"/>
+                <a:ea typeface="PingFang SC" panose="020B0400000000000000" pitchFamily="34" charset="-122"/>
+              </a:rPr>
+              <a:t>set_mirror.sh</a:t>
+            </a:r>
+            <a:r>
+              <a:rPr lang="en-US" b="0" i="0" dirty="0">
+                <a:solidFill>
+                  <a:srgbClr val="18191C"/>
+                </a:solidFill>
+                <a:effectLst/>
+                <a:highlight>
+                  <a:srgbClr val="FFFFFF"/>
+                </a:highlight>
+                <a:latin typeface="PingFang SC" panose="020B0400000000000000" pitchFamily="34" charset="-122"/>
+                <a:ea typeface="PingFang SC" panose="020B0400000000000000" pitchFamily="34" charset="-122"/>
+              </a:rPr>
+              <a:t> | </a:t>
+            </a:r>
+            <a:r>
+              <a:rPr lang="en-US" b="0" i="0" dirty="0" err="1">
+                <a:solidFill>
+                  <a:srgbClr val="18191C"/>
+                </a:solidFill>
+                <a:effectLst/>
+                <a:highlight>
+                  <a:srgbClr val="FFFFFF"/>
+                </a:highlight>
+                <a:latin typeface="PingFang SC" panose="020B0400000000000000" pitchFamily="34" charset="-122"/>
+                <a:ea typeface="PingFang SC" panose="020B0400000000000000" pitchFamily="34" charset="-122"/>
+              </a:rPr>
+              <a:t>sh</a:t>
+            </a:r>
+            <a:r>
+              <a:rPr lang="en-US" b="0" i="0" dirty="0">
+                <a:solidFill>
+                  <a:srgbClr val="18191C"/>
+                </a:solidFill>
+                <a:effectLst/>
+                <a:highlight>
+                  <a:srgbClr val="FFFFFF"/>
+                </a:highlight>
+                <a:latin typeface="PingFang SC" panose="020B0400000000000000" pitchFamily="34" charset="-122"/>
+                <a:ea typeface="PingFang SC" panose="020B0400000000000000" pitchFamily="34" charset="-122"/>
+              </a:rPr>
+              <a:t> -s </a:t>
+            </a:r>
+            <a:r>
+              <a:rPr lang="en-US" b="0" i="0" dirty="0">
+                <a:solidFill>
+                  <a:srgbClr val="18191C"/>
+                </a:solidFill>
+                <a:effectLst/>
+                <a:highlight>
+                  <a:srgbClr val="FFFFFF"/>
+                </a:highlight>
+                <a:latin typeface="PingFang SC" panose="020B0400000000000000" pitchFamily="34" charset="-122"/>
+                <a:ea typeface="PingFang SC" panose="020B0400000000000000" pitchFamily="34" charset="-122"/>
+                <a:hlinkClick r:id="rId2"/>
+              </a:rPr>
+              <a:t>http://f1361db2.m.daocloud.io</a:t>
+            </a:r>
+            <a:endParaRPr lang="en-US" b="0" i="0" dirty="0">
+              <a:solidFill>
+                <a:srgbClr val="18191C"/>
+              </a:solidFill>
+              <a:effectLst/>
+              <a:highlight>
+                <a:srgbClr val="FFFFFF"/>
+              </a:highlight>
+              <a:latin typeface="PingFang SC" panose="020B0400000000000000" pitchFamily="34" charset="-122"/>
+              <a:ea typeface="PingFang SC" panose="020B0400000000000000" pitchFamily="34" charset="-122"/>
+            </a:endParaRPr>
+          </a:p>
+          <a:p>
+            <a:r>
+              <a:rPr lang="en-US" dirty="0">
+                <a:solidFill>
+                  <a:srgbClr val="18191C"/>
+                </a:solidFill>
+                <a:highlight>
+                  <a:srgbClr val="FFFFFF"/>
+                </a:highlight>
+                <a:latin typeface="PingFang SC" panose="020B0400000000000000" pitchFamily="34" charset="-122"/>
+                <a:ea typeface="PingFang SC" panose="020B0400000000000000" pitchFamily="34" charset="-122"/>
+              </a:rPr>
+              <a:t>Ip </a:t>
+            </a:r>
+            <a:r>
+              <a:rPr lang="en-US" dirty="0" err="1">
+                <a:solidFill>
+                  <a:srgbClr val="18191C"/>
+                </a:solidFill>
+                <a:highlight>
+                  <a:srgbClr val="FFFFFF"/>
+                </a:highlight>
+                <a:latin typeface="PingFang SC" panose="020B0400000000000000" pitchFamily="34" charset="-122"/>
+                <a:ea typeface="PingFang SC" panose="020B0400000000000000" pitchFamily="34" charset="-122"/>
+              </a:rPr>
+              <a:t>addr</a:t>
+            </a:r>
+            <a:r>
+              <a:rPr lang="en-US" dirty="0">
+                <a:solidFill>
+                  <a:srgbClr val="18191C"/>
+                </a:solidFill>
+                <a:highlight>
+                  <a:srgbClr val="FFFFFF"/>
+                </a:highlight>
+                <a:latin typeface="PingFang SC" panose="020B0400000000000000" pitchFamily="34" charset="-122"/>
+                <a:ea typeface="PingFang SC" panose="020B0400000000000000" pitchFamily="34" charset="-122"/>
+              </a:rPr>
+              <a:t> </a:t>
+            </a:r>
+            <a:r>
+              <a:rPr lang="en-US" dirty="0" err="1">
+                <a:solidFill>
+                  <a:srgbClr val="18191C"/>
+                </a:solidFill>
+                <a:highlight>
+                  <a:srgbClr val="FFFFFF"/>
+                </a:highlight>
+                <a:latin typeface="PingFang SC" panose="020B0400000000000000" pitchFamily="34" charset="-122"/>
+                <a:ea typeface="PingFang SC" panose="020B0400000000000000" pitchFamily="34" charset="-122"/>
+              </a:rPr>
+              <a:t>看ip位置</a:t>
+            </a:r>
+            <a:endParaRPr lang="en-US" dirty="0">
+              <a:solidFill>
+                <a:srgbClr val="18191C"/>
+              </a:solidFill>
+              <a:highlight>
+                <a:srgbClr val="FFFFFF"/>
+              </a:highlight>
+              <a:latin typeface="PingFang SC" panose="020B0400000000000000" pitchFamily="34" charset="-122"/>
+              <a:ea typeface="PingFang SC" panose="020B0400000000000000" pitchFamily="34" charset="-122"/>
+            </a:endParaRPr>
+          </a:p>
+        </p:txBody>
+      </p:sp>
+    </p:spTree>
+    <p:extLst>
+      <p:ext uri="{BB962C8B-B14F-4D97-AF65-F5344CB8AC3E}">
+        <p14:creationId xmlns:p14="http://schemas.microsoft.com/office/powerpoint/2010/main" val="2053893541"/>
+      </p:ext>
+    </p:extLst>
+  </p:cSld>
+  <p:clrMapOvr>
+    <a:masterClrMapping/>
+  </p:clrMapOvr>
+</p:sld>
+</file>
+
+<file path=ppt/slides/slide5.xml><?xml version="1.0" encoding="utf-8"?>
+<p:sld xmlns:a="http://schemas.openxmlformats.org/drawingml/2006/main" xmlns:r="http://schemas.openxmlformats.org/officeDocument/2006/relationships" xmlns:p="http://schemas.openxmlformats.org/presentationml/2006/main">
+  <p:cSld>
+    <p:spTree>
+      <p:nvGrpSpPr>
+        <p:cNvPr id="1" name=""/>
+        <p:cNvGrpSpPr/>
+        <p:nvPr/>
+      </p:nvGrpSpPr>
+      <p:grpSpPr>
+        <a:xfrm>
+          <a:off x="0" y="0"/>
+          <a:ext cx="0" cy="0"/>
+          <a:chOff x="0" y="0"/>
+          <a:chExt cx="0" cy="0"/>
+        </a:xfrm>
+      </p:grpSpPr>
+      <p:sp>
+        <p:nvSpPr>
+          <p:cNvPr id="2" name="Title 1">
+            <a:extLst>
+              <a:ext uri="{FF2B5EF4-FFF2-40B4-BE49-F238E27FC236}">
+                <a16:creationId xmlns:a16="http://schemas.microsoft.com/office/drawing/2014/main" id="{8270683C-C47A-3E68-765D-80FFF1E1CD76}"/>
+              </a:ext>
+            </a:extLst>
+          </p:cNvPr>
+          <p:cNvSpPr>
+            <a:spLocks noGrp="1"/>
+          </p:cNvSpPr>
+          <p:nvPr>
+            <p:ph type="title"/>
+          </p:nvPr>
+        </p:nvSpPr>
+        <p:spPr/>
+        <p:txBody>
+          <a:bodyPr/>
+          <a:lstStyle/>
+          <a:p>
+            <a:r>
+              <a:rPr lang="en-US" dirty="0"/>
+              <a:t>Docker installation</a:t>
+            </a:r>
+          </a:p>
+        </p:txBody>
+      </p:sp>
+      <p:sp>
+        <p:nvSpPr>
+          <p:cNvPr id="3" name="Content Placeholder 2">
+            <a:extLst>
+              <a:ext uri="{FF2B5EF4-FFF2-40B4-BE49-F238E27FC236}">
+                <a16:creationId xmlns:a16="http://schemas.microsoft.com/office/drawing/2014/main" id="{EB749669-5776-01A6-AC9F-83F11B7F6AAE}"/>
+              </a:ext>
+            </a:extLst>
+          </p:cNvPr>
+          <p:cNvSpPr>
+            <a:spLocks noGrp="1"/>
+          </p:cNvSpPr>
+          <p:nvPr>
+            <p:ph idx="1"/>
+          </p:nvPr>
+        </p:nvSpPr>
+        <p:spPr/>
+        <p:txBody>
+          <a:bodyPr/>
+          <a:lstStyle/>
+          <a:p>
+            <a:endParaRPr lang="en-US" dirty="0"/>
+          </a:p>
+        </p:txBody>
+      </p:sp>
+      <p:pic>
+        <p:nvPicPr>
+          <p:cNvPr id="4" name="Picture 3">
+            <a:extLst>
+              <a:ext uri="{FF2B5EF4-FFF2-40B4-BE49-F238E27FC236}">
+                <a16:creationId xmlns:a16="http://schemas.microsoft.com/office/drawing/2014/main" id="{3A0D2393-EE2E-FEF8-4352-7ADB5D54AC4E}"/>
+              </a:ext>
+            </a:extLst>
+          </p:cNvPr>
+          <p:cNvPicPr>
+            <a:picLocks noChangeAspect="1"/>
+          </p:cNvPicPr>
+          <p:nvPr/>
+        </p:nvPicPr>
+        <p:blipFill>
+          <a:blip r:embed="rId2"/>
+          <a:stretch>
+            <a:fillRect/>
+          </a:stretch>
+        </p:blipFill>
+        <p:spPr>
+          <a:xfrm>
+            <a:off x="2209800" y="1274079"/>
+            <a:ext cx="7772400" cy="4309841"/>
+          </a:xfrm>
+          <a:prstGeom prst="rect">
+            <a:avLst/>
+          </a:prstGeom>
+        </p:spPr>
+      </p:pic>
+    </p:spTree>
+    <p:extLst>
+      <p:ext uri="{BB962C8B-B14F-4D97-AF65-F5344CB8AC3E}">
+        <p14:creationId xmlns:p14="http://schemas.microsoft.com/office/powerpoint/2010/main" val="1010745535"/>
+      </p:ext>
+    </p:extLst>
+  </p:cSld>
+  <p:clrMapOvr>
+    <a:masterClrMapping/>
+  </p:clrMapOvr>
+</p:sld>
+</file>
+
+<file path=ppt/slides/slide6.xml><?xml version="1.0" encoding="utf-8"?>
+<p:sld xmlns:a="http://schemas.openxmlformats.org/drawingml/2006/main" xmlns:r="http://schemas.openxmlformats.org/officeDocument/2006/relationships" xmlns:p="http://schemas.openxmlformats.org/presentationml/2006/main">
+  <p:cSld>
+    <p:spTree>
+      <p:nvGrpSpPr>
+        <p:cNvPr id="1" name=""/>
+        <p:cNvGrpSpPr/>
+        <p:nvPr/>
+      </p:nvGrpSpPr>
+      <p:grpSpPr>
+        <a:xfrm>
+          <a:off x="0" y="0"/>
+          <a:ext cx="0" cy="0"/>
+          <a:chOff x="0" y="0"/>
+          <a:chExt cx="0" cy="0"/>
+        </a:xfrm>
+      </p:grpSpPr>
+      <p:sp>
+        <p:nvSpPr>
+          <p:cNvPr id="2" name="Title 1">
+            <a:extLst>
+              <a:ext uri="{FF2B5EF4-FFF2-40B4-BE49-F238E27FC236}">
+                <a16:creationId xmlns:a16="http://schemas.microsoft.com/office/drawing/2014/main" id="{8270683C-C47A-3E68-765D-80FFF1E1CD76}"/>
+              </a:ext>
+            </a:extLst>
+          </p:cNvPr>
+          <p:cNvSpPr>
+            <a:spLocks noGrp="1"/>
+          </p:cNvSpPr>
+          <p:nvPr>
+            <p:ph type="title"/>
+          </p:nvPr>
+        </p:nvSpPr>
+        <p:spPr/>
+        <p:txBody>
+          <a:bodyPr/>
+          <a:lstStyle/>
+          <a:p>
+            <a:r>
+              <a:rPr lang="en-US" dirty="0"/>
+              <a:t>Docker installation</a:t>
+            </a:r>
+          </a:p>
+        </p:txBody>
+      </p:sp>
+      <p:sp>
+        <p:nvSpPr>
+          <p:cNvPr id="3" name="Content Placeholder 2">
+            <a:extLst>
+              <a:ext uri="{FF2B5EF4-FFF2-40B4-BE49-F238E27FC236}">
+                <a16:creationId xmlns:a16="http://schemas.microsoft.com/office/drawing/2014/main" id="{EB749669-5776-01A6-AC9F-83F11B7F6AAE}"/>
+              </a:ext>
+            </a:extLst>
+          </p:cNvPr>
+          <p:cNvSpPr>
+            <a:spLocks noGrp="1"/>
+          </p:cNvSpPr>
+          <p:nvPr>
+            <p:ph idx="1"/>
+          </p:nvPr>
+        </p:nvSpPr>
+        <p:spPr/>
+        <p:txBody>
+          <a:bodyPr>
+            <a:normAutofit fontScale="92500" lnSpcReduction="10000"/>
+          </a:bodyPr>
+          <a:lstStyle/>
+          <a:p>
+            <a:r>
+              <a:rPr lang="en-US" dirty="0" err="1"/>
+              <a:t>Sudo</a:t>
+            </a:r>
+            <a:r>
+              <a:rPr lang="en-US" dirty="0"/>
+              <a:t> docker pull python:3.10</a:t>
+            </a:r>
+          </a:p>
+          <a:p>
+            <a:r>
+              <a:rPr lang="en-US" dirty="0" err="1"/>
+              <a:t>Sudo</a:t>
+            </a:r>
+            <a:r>
+              <a:rPr lang="en-US" dirty="0"/>
+              <a:t> docker images (</a:t>
+            </a:r>
+            <a:r>
+              <a:rPr lang="en-US" dirty="0" err="1"/>
+              <a:t>可以看有的images</a:t>
+            </a:r>
+            <a:r>
+              <a:rPr lang="en-US" dirty="0"/>
+              <a:t>)</a:t>
+            </a:r>
+          </a:p>
+          <a:p>
+            <a:r>
+              <a:rPr lang="en-US" dirty="0" err="1">
+                <a:solidFill>
+                  <a:srgbClr val="000000"/>
+                </a:solidFill>
+                <a:effectLst/>
+                <a:latin typeface="Menlo" panose="020B0609030804020204" pitchFamily="49" charset="0"/>
+              </a:rPr>
+              <a:t>sudo</a:t>
+            </a:r>
+            <a:r>
+              <a:rPr lang="en-US" dirty="0">
+                <a:solidFill>
+                  <a:srgbClr val="000000"/>
+                </a:solidFill>
+                <a:effectLst/>
+                <a:latin typeface="Menlo" panose="020B0609030804020204" pitchFamily="49" charset="0"/>
+              </a:rPr>
+              <a:t> docker inspect python:3.10(</a:t>
+            </a:r>
+            <a:r>
+              <a:rPr lang="en-US" dirty="0" err="1">
+                <a:solidFill>
+                  <a:srgbClr val="000000"/>
+                </a:solidFill>
+                <a:effectLst/>
+                <a:latin typeface="Menlo" panose="020B0609030804020204" pitchFamily="49" charset="0"/>
+              </a:rPr>
+              <a:t>可以看pytho版本和pip版本</a:t>
+            </a:r>
+            <a:r>
+              <a:rPr lang="en-US" dirty="0">
+                <a:solidFill>
+                  <a:srgbClr val="000000"/>
+                </a:solidFill>
+                <a:effectLst/>
+                <a:latin typeface="Menlo" panose="020B0609030804020204" pitchFamily="49" charset="0"/>
+              </a:rPr>
+              <a:t>)</a:t>
+            </a:r>
+          </a:p>
+          <a:p>
+            <a:r>
+              <a:rPr lang="en-US" dirty="0" err="1">
+                <a:solidFill>
+                  <a:srgbClr val="000000"/>
+                </a:solidFill>
+                <a:effectLst/>
+                <a:latin typeface="Menlo" panose="020B0609030804020204" pitchFamily="49" charset="0"/>
+              </a:rPr>
+              <a:t>sudo</a:t>
+            </a:r>
+            <a:r>
+              <a:rPr lang="en-US" dirty="0">
+                <a:solidFill>
+                  <a:srgbClr val="000000"/>
+                </a:solidFill>
+                <a:effectLst/>
+                <a:latin typeface="Menlo" panose="020B0609030804020204" pitchFamily="49" charset="0"/>
+              </a:rPr>
+              <a:t> docker save python:3.10 &gt; /home/ubuntu/Desktop/</a:t>
+            </a:r>
+            <a:r>
+              <a:rPr lang="en-US" dirty="0" err="1">
+                <a:solidFill>
+                  <a:srgbClr val="000000"/>
+                </a:solidFill>
+                <a:effectLst/>
+                <a:latin typeface="Menlo" panose="020B0609030804020204" pitchFamily="49" charset="0"/>
+              </a:rPr>
+              <a:t>python_image_test.tar</a:t>
+            </a:r>
+            <a:r>
+              <a:rPr lang="en-US" dirty="0">
+                <a:solidFill>
+                  <a:srgbClr val="000000"/>
+                </a:solidFill>
+                <a:effectLst/>
+                <a:latin typeface="Menlo" panose="020B0609030804020204" pitchFamily="49" charset="0"/>
+              </a:rPr>
+              <a:t>(</a:t>
+            </a:r>
+            <a:r>
+              <a:rPr lang="en-US" dirty="0" err="1">
+                <a:solidFill>
+                  <a:srgbClr val="000000"/>
+                </a:solidFill>
+                <a:effectLst/>
+                <a:latin typeface="Menlo" panose="020B0609030804020204" pitchFamily="49" charset="0"/>
+              </a:rPr>
+              <a:t>將鏡像存成.tar</a:t>
+            </a:r>
+            <a:r>
+              <a:rPr lang="en-US" dirty="0">
+                <a:solidFill>
+                  <a:srgbClr val="000000"/>
+                </a:solidFill>
+                <a:effectLst/>
+                <a:latin typeface="Menlo" panose="020B0609030804020204" pitchFamily="49" charset="0"/>
+              </a:rPr>
+              <a:t>)</a:t>
+            </a:r>
+          </a:p>
+          <a:p>
+            <a:r>
+              <a:rPr lang="en-US" dirty="0" err="1">
+                <a:solidFill>
+                  <a:srgbClr val="000000"/>
+                </a:solidFill>
+                <a:effectLst/>
+                <a:latin typeface="Menlo" panose="020B0609030804020204" pitchFamily="49" charset="0"/>
+              </a:rPr>
+              <a:t>sudo</a:t>
+            </a:r>
+            <a:r>
+              <a:rPr lang="en-US" dirty="0">
+                <a:solidFill>
+                  <a:srgbClr val="000000"/>
+                </a:solidFill>
+                <a:effectLst/>
+                <a:latin typeface="Menlo" panose="020B0609030804020204" pitchFamily="49" charset="0"/>
+              </a:rPr>
+              <a:t> docker </a:t>
+            </a:r>
+            <a:r>
+              <a:rPr lang="en-US" dirty="0" err="1">
+                <a:solidFill>
+                  <a:srgbClr val="000000"/>
+                </a:solidFill>
+                <a:effectLst/>
+                <a:latin typeface="Menlo" panose="020B0609030804020204" pitchFamily="49" charset="0"/>
+              </a:rPr>
+              <a:t>rmi</a:t>
+            </a:r>
+            <a:r>
+              <a:rPr lang="en-US" dirty="0">
+                <a:solidFill>
+                  <a:srgbClr val="000000"/>
+                </a:solidFill>
+                <a:effectLst/>
+                <a:latin typeface="Menlo" panose="020B0609030804020204" pitchFamily="49" charset="0"/>
+              </a:rPr>
+              <a:t> python:3.10(</a:t>
+            </a:r>
+            <a:r>
+              <a:rPr lang="en-US" dirty="0" err="1">
+                <a:solidFill>
+                  <a:srgbClr val="000000"/>
+                </a:solidFill>
+                <a:effectLst/>
+                <a:latin typeface="Menlo" panose="020B0609030804020204" pitchFamily="49" charset="0"/>
+              </a:rPr>
+              <a:t>刪除鏡像</a:t>
+            </a:r>
+            <a:r>
+              <a:rPr lang="en-US" dirty="0">
+                <a:solidFill>
+                  <a:srgbClr val="000000"/>
+                </a:solidFill>
+                <a:effectLst/>
+                <a:latin typeface="Menlo" panose="020B0609030804020204" pitchFamily="49" charset="0"/>
+              </a:rPr>
+              <a:t>)</a:t>
+            </a:r>
+          </a:p>
+          <a:p>
+            <a:r>
+              <a:rPr lang="en-US" dirty="0" err="1">
+                <a:solidFill>
+                  <a:srgbClr val="000000"/>
+                </a:solidFill>
+                <a:effectLst/>
+                <a:latin typeface="Menlo" panose="020B0609030804020204" pitchFamily="49" charset="0"/>
+              </a:rPr>
+              <a:t>sudo</a:t>
+            </a:r>
+            <a:r>
+              <a:rPr lang="en-US" dirty="0">
+                <a:solidFill>
+                  <a:srgbClr val="000000"/>
+                </a:solidFill>
+                <a:effectLst/>
+                <a:latin typeface="Menlo" panose="020B0609030804020204" pitchFamily="49" charset="0"/>
+              </a:rPr>
+              <a:t> docker load &lt; /home/ubuntu/Desktop/</a:t>
+            </a:r>
+            <a:r>
+              <a:rPr lang="en-US" dirty="0" err="1">
+                <a:solidFill>
+                  <a:srgbClr val="000000"/>
+                </a:solidFill>
+                <a:effectLst/>
+                <a:latin typeface="Menlo" panose="020B0609030804020204" pitchFamily="49" charset="0"/>
+              </a:rPr>
+              <a:t>python_image_test.tar</a:t>
+            </a:r>
+            <a:r>
+              <a:rPr lang="en-US" dirty="0">
+                <a:solidFill>
+                  <a:srgbClr val="000000"/>
+                </a:solidFill>
+                <a:effectLst/>
+                <a:latin typeface="Menlo" panose="020B0609030804020204" pitchFamily="49" charset="0"/>
+              </a:rPr>
+              <a:t>(</a:t>
+            </a:r>
+            <a:r>
+              <a:rPr lang="en-US" dirty="0" err="1">
+                <a:solidFill>
+                  <a:srgbClr val="000000"/>
+                </a:solidFill>
+                <a:effectLst/>
+                <a:latin typeface="Menlo" panose="020B0609030804020204" pitchFamily="49" charset="0"/>
+              </a:rPr>
+              <a:t>讀取.tar鏡像</a:t>
+            </a:r>
+            <a:r>
+              <a:rPr lang="en-US" dirty="0">
+                <a:solidFill>
+                  <a:srgbClr val="000000"/>
+                </a:solidFill>
+                <a:effectLst/>
+                <a:latin typeface="Menlo" panose="020B0609030804020204" pitchFamily="49" charset="0"/>
+              </a:rPr>
+              <a:t>)</a:t>
+            </a:r>
+          </a:p>
+          <a:p>
+            <a:endParaRPr lang="en-US" dirty="0">
+              <a:solidFill>
+                <a:srgbClr val="000000"/>
+              </a:solidFill>
+              <a:effectLst/>
+              <a:latin typeface="Menlo" panose="020B0609030804020204" pitchFamily="49" charset="0"/>
+            </a:endParaRPr>
+          </a:p>
+          <a:p>
+            <a:endParaRPr lang="en-US" dirty="0">
+              <a:solidFill>
+                <a:srgbClr val="000000"/>
+              </a:solidFill>
+              <a:effectLst/>
+              <a:latin typeface="Menlo" panose="020B0609030804020204" pitchFamily="49" charset="0"/>
+            </a:endParaRPr>
+          </a:p>
+          <a:p>
+            <a:endParaRPr lang="en-US" dirty="0">
+              <a:solidFill>
+                <a:srgbClr val="000000"/>
+              </a:solidFill>
+              <a:effectLst/>
+              <a:latin typeface="Menlo" panose="020B0609030804020204" pitchFamily="49" charset="0"/>
+            </a:endParaRPr>
+          </a:p>
+          <a:p>
+            <a:endParaRPr lang="en-US" dirty="0"/>
+          </a:p>
+        </p:txBody>
+      </p:sp>
+    </p:spTree>
+    <p:extLst>
+      <p:ext uri="{BB962C8B-B14F-4D97-AF65-F5344CB8AC3E}">
+        <p14:creationId xmlns:p14="http://schemas.microsoft.com/office/powerpoint/2010/main" val="1181168877"/>
+      </p:ext>
+    </p:extLst>
+  </p:cSld>
+  <p:clrMapOvr>
+    <a:masterClrMapping/>
+  </p:clrMapOvr>
+</p:sld>
+</file>
+
+<file path=ppt/slides/slide7.xml><?xml version="1.0" encoding="utf-8"?>
+<p:sld xmlns:a="http://schemas.openxmlformats.org/drawingml/2006/main" xmlns:r="http://schemas.openxmlformats.org/officeDocument/2006/relationships" xmlns:p="http://schemas.openxmlformats.org/presentationml/2006/main">
+  <p:cSld>
+    <p:spTree>
+      <p:nvGrpSpPr>
+        <p:cNvPr id="1" name=""/>
+        <p:cNvGrpSpPr/>
+        <p:nvPr/>
+      </p:nvGrpSpPr>
+      <p:grpSpPr>
+        <a:xfrm>
+          <a:off x="0" y="0"/>
+          <a:ext cx="0" cy="0"/>
+          <a:chOff x="0" y="0"/>
+          <a:chExt cx="0" cy="0"/>
+        </a:xfrm>
+      </p:grpSpPr>
+      <p:sp>
+        <p:nvSpPr>
+          <p:cNvPr id="2" name="Title 1">
+            <a:extLst>
+              <a:ext uri="{FF2B5EF4-FFF2-40B4-BE49-F238E27FC236}">
+                <a16:creationId xmlns:a16="http://schemas.microsoft.com/office/drawing/2014/main" id="{8270683C-C47A-3E68-765D-80FFF1E1CD76}"/>
+              </a:ext>
+            </a:extLst>
+          </p:cNvPr>
+          <p:cNvSpPr>
+            <a:spLocks noGrp="1"/>
+          </p:cNvSpPr>
+          <p:nvPr>
+            <p:ph type="title"/>
+          </p:nvPr>
+        </p:nvSpPr>
+        <p:spPr/>
+        <p:txBody>
+          <a:bodyPr/>
+          <a:lstStyle/>
+          <a:p>
+            <a:r>
+              <a:rPr lang="en-US" dirty="0"/>
+              <a:t>container</a:t>
+            </a:r>
+          </a:p>
+        </p:txBody>
+      </p:sp>
+      <p:sp>
+        <p:nvSpPr>
+          <p:cNvPr id="3" name="Content Placeholder 2">
+            <a:extLst>
+              <a:ext uri="{FF2B5EF4-FFF2-40B4-BE49-F238E27FC236}">
+                <a16:creationId xmlns:a16="http://schemas.microsoft.com/office/drawing/2014/main" id="{EB749669-5776-01A6-AC9F-83F11B7F6AAE}"/>
+              </a:ext>
+            </a:extLst>
+          </p:cNvPr>
+          <p:cNvSpPr>
+            <a:spLocks noGrp="1"/>
+          </p:cNvSpPr>
+          <p:nvPr>
+            <p:ph idx="1"/>
+          </p:nvPr>
+        </p:nvSpPr>
+        <p:spPr/>
+        <p:txBody>
+          <a:bodyPr>
+            <a:normAutofit fontScale="92500" lnSpcReduction="10000"/>
+          </a:bodyPr>
+          <a:lstStyle/>
+          <a:p>
+            <a:r>
+              <a:rPr lang="en-US" dirty="0" err="1">
+                <a:solidFill>
+                  <a:srgbClr val="000000"/>
+                </a:solidFill>
+                <a:effectLst/>
+                <a:latin typeface="Menlo" panose="020B0609030804020204" pitchFamily="49" charset="0"/>
+              </a:rPr>
+              <a:t>sudo</a:t>
+            </a:r>
+            <a:r>
+              <a:rPr lang="en-US" dirty="0">
+                <a:solidFill>
+                  <a:srgbClr val="000000"/>
+                </a:solidFill>
+                <a:effectLst/>
+                <a:latin typeface="Menlo" panose="020B0609030804020204" pitchFamily="49" charset="0"/>
+              </a:rPr>
+              <a:t> docker run -it --name=c1 python:3.10 bash(創建名為c1的容器，使用python:3.10鏡像)</a:t>
+            </a:r>
+          </a:p>
+          <a:p>
+            <a:r>
+              <a:rPr lang="en-US" dirty="0" err="1">
+                <a:solidFill>
+                  <a:srgbClr val="000000"/>
+                </a:solidFill>
+                <a:effectLst/>
+                <a:latin typeface="Menlo" panose="020B0609030804020204" pitchFamily="49" charset="0"/>
+              </a:rPr>
+              <a:t>sudo</a:t>
+            </a:r>
+            <a:r>
+              <a:rPr lang="en-US" dirty="0">
+                <a:solidFill>
+                  <a:srgbClr val="000000"/>
+                </a:solidFill>
+                <a:effectLst/>
+                <a:latin typeface="Menlo" panose="020B0609030804020204" pitchFamily="49" charset="0"/>
+              </a:rPr>
+              <a:t> docker </a:t>
+            </a:r>
+            <a:r>
+              <a:rPr lang="en-US" dirty="0" err="1">
+                <a:solidFill>
+                  <a:srgbClr val="000000"/>
+                </a:solidFill>
+                <a:effectLst/>
+                <a:latin typeface="Menlo" panose="020B0609030804020204" pitchFamily="49" charset="0"/>
+              </a:rPr>
+              <a:t>ps</a:t>
+            </a:r>
+            <a:r>
+              <a:rPr lang="en-US" dirty="0">
+                <a:solidFill>
+                  <a:srgbClr val="000000"/>
+                </a:solidFill>
+                <a:effectLst/>
+                <a:latin typeface="Menlo" panose="020B0609030804020204" pitchFamily="49" charset="0"/>
+              </a:rPr>
+              <a:t> –a(</a:t>
+            </a:r>
+            <a:r>
+              <a:rPr lang="en-US" dirty="0" err="1">
+                <a:solidFill>
+                  <a:srgbClr val="000000"/>
+                </a:solidFill>
+                <a:effectLst/>
+                <a:latin typeface="Menlo" panose="020B0609030804020204" pitchFamily="49" charset="0"/>
+              </a:rPr>
+              <a:t>查看容器狀態</a:t>
+            </a:r>
+            <a:r>
+              <a:rPr lang="en-US" dirty="0">
+                <a:solidFill>
+                  <a:srgbClr val="000000"/>
+                </a:solidFill>
+                <a:effectLst/>
+                <a:latin typeface="Menlo" panose="020B0609030804020204" pitchFamily="49" charset="0"/>
+              </a:rPr>
+              <a:t>)</a:t>
+            </a:r>
+          </a:p>
+          <a:p>
+            <a:r>
+              <a:rPr lang="en-US" dirty="0" err="1">
+                <a:solidFill>
+                  <a:srgbClr val="000000"/>
+                </a:solidFill>
+                <a:effectLst/>
+                <a:latin typeface="Menlo" panose="020B0609030804020204" pitchFamily="49" charset="0"/>
+              </a:rPr>
+              <a:t>sudo</a:t>
+            </a:r>
+            <a:r>
+              <a:rPr lang="en-US" dirty="0">
+                <a:solidFill>
+                  <a:srgbClr val="000000"/>
+                </a:solidFill>
+                <a:effectLst/>
+                <a:latin typeface="Menlo" panose="020B0609030804020204" pitchFamily="49" charset="0"/>
+              </a:rPr>
+              <a:t> docker start c1(</a:t>
+            </a:r>
+            <a:r>
+              <a:rPr lang="en-US" dirty="0" err="1">
+                <a:solidFill>
+                  <a:srgbClr val="000000"/>
+                </a:solidFill>
+                <a:effectLst/>
+                <a:latin typeface="Menlo" panose="020B0609030804020204" pitchFamily="49" charset="0"/>
+              </a:rPr>
+              <a:t>啟動容器</a:t>
+            </a:r>
+            <a:r>
+              <a:rPr lang="en-US" dirty="0">
+                <a:solidFill>
+                  <a:srgbClr val="000000"/>
+                </a:solidFill>
+                <a:effectLst/>
+                <a:latin typeface="Menlo" panose="020B0609030804020204" pitchFamily="49" charset="0"/>
+              </a:rPr>
+              <a:t>)</a:t>
+            </a:r>
+          </a:p>
+          <a:p>
+            <a:r>
+              <a:rPr lang="en-US" dirty="0" err="1">
+                <a:solidFill>
+                  <a:srgbClr val="000000"/>
+                </a:solidFill>
+                <a:latin typeface="Menlo" panose="020B0609030804020204" pitchFamily="49" charset="0"/>
+              </a:rPr>
+              <a:t>Sudo</a:t>
+            </a:r>
+            <a:r>
+              <a:rPr lang="en-US" dirty="0">
+                <a:solidFill>
+                  <a:srgbClr val="000000"/>
+                </a:solidFill>
+                <a:latin typeface="Menlo" panose="020B0609030804020204" pitchFamily="49" charset="0"/>
+              </a:rPr>
+              <a:t> docker pause c1(</a:t>
+            </a:r>
+            <a:r>
+              <a:rPr lang="en-US" dirty="0" err="1">
+                <a:solidFill>
+                  <a:srgbClr val="000000"/>
+                </a:solidFill>
+                <a:latin typeface="Menlo" panose="020B0609030804020204" pitchFamily="49" charset="0"/>
+              </a:rPr>
+              <a:t>暫停容器</a:t>
+            </a:r>
+            <a:r>
+              <a:rPr lang="en-US" dirty="0">
+                <a:solidFill>
+                  <a:srgbClr val="000000"/>
+                </a:solidFill>
+                <a:latin typeface="Menlo" panose="020B0609030804020204" pitchFamily="49" charset="0"/>
+              </a:rPr>
+              <a:t>)</a:t>
+            </a:r>
+          </a:p>
+          <a:p>
+            <a:r>
+              <a:rPr lang="en-US" dirty="0" err="1">
+                <a:solidFill>
+                  <a:srgbClr val="000000"/>
+                </a:solidFill>
+                <a:effectLst/>
+                <a:latin typeface="Menlo" panose="020B0609030804020204" pitchFamily="49" charset="0"/>
+              </a:rPr>
+              <a:t>Sudo</a:t>
+            </a:r>
+            <a:r>
+              <a:rPr lang="en-US" dirty="0">
+                <a:solidFill>
+                  <a:srgbClr val="000000"/>
+                </a:solidFill>
+                <a:effectLst/>
+                <a:latin typeface="Menlo" panose="020B0609030804020204" pitchFamily="49" charset="0"/>
+              </a:rPr>
+              <a:t> docker </a:t>
+            </a:r>
+            <a:r>
+              <a:rPr lang="en-US" dirty="0" err="1">
+                <a:solidFill>
+                  <a:srgbClr val="000000"/>
+                </a:solidFill>
+                <a:effectLst/>
+                <a:latin typeface="Menlo" panose="020B0609030804020204" pitchFamily="49" charset="0"/>
+              </a:rPr>
+              <a:t>unpa</a:t>
+            </a:r>
+            <a:r>
+              <a:rPr lang="en-US" dirty="0" err="1">
+                <a:solidFill>
+                  <a:srgbClr val="000000"/>
+                </a:solidFill>
+                <a:latin typeface="Menlo" panose="020B0609030804020204" pitchFamily="49" charset="0"/>
+              </a:rPr>
+              <a:t>use</a:t>
+            </a:r>
+            <a:r>
+              <a:rPr lang="en-US" dirty="0">
+                <a:solidFill>
+                  <a:srgbClr val="000000"/>
+                </a:solidFill>
+                <a:latin typeface="Menlo" panose="020B0609030804020204" pitchFamily="49" charset="0"/>
+              </a:rPr>
+              <a:t> c1</a:t>
+            </a:r>
+          </a:p>
+          <a:p>
+            <a:r>
+              <a:rPr lang="en-US" dirty="0" err="1">
+                <a:solidFill>
+                  <a:srgbClr val="000000"/>
+                </a:solidFill>
+                <a:effectLst/>
+                <a:latin typeface="Menlo" panose="020B0609030804020204" pitchFamily="49" charset="0"/>
+              </a:rPr>
+              <a:t>Sudo</a:t>
+            </a:r>
+            <a:r>
+              <a:rPr lang="en-US" dirty="0">
+                <a:solidFill>
+                  <a:srgbClr val="000000"/>
+                </a:solidFill>
+                <a:effectLst/>
+                <a:latin typeface="Menlo" panose="020B0609030804020204" pitchFamily="49" charset="0"/>
+              </a:rPr>
+              <a:t> </a:t>
+            </a:r>
+            <a:r>
+              <a:rPr lang="en-US" dirty="0">
+                <a:solidFill>
+                  <a:srgbClr val="000000"/>
+                </a:solidFill>
+                <a:latin typeface="Menlo" panose="020B0609030804020204" pitchFamily="49" charset="0"/>
+              </a:rPr>
+              <a:t>docker stop c1</a:t>
+            </a:r>
+          </a:p>
+          <a:p>
+            <a:r>
+              <a:rPr lang="en-US" dirty="0" err="1">
+                <a:solidFill>
+                  <a:srgbClr val="000000"/>
+                </a:solidFill>
+                <a:effectLst/>
+                <a:latin typeface="Menlo" panose="020B0609030804020204" pitchFamily="49" charset="0"/>
+              </a:rPr>
+              <a:t>Sudo</a:t>
+            </a:r>
+            <a:r>
+              <a:rPr lang="en-US" dirty="0">
+                <a:solidFill>
+                  <a:srgbClr val="000000"/>
+                </a:solidFill>
+                <a:effectLst/>
+                <a:latin typeface="Menlo" panose="020B0609030804020204" pitchFamily="49" charset="0"/>
+              </a:rPr>
+              <a:t> docker exec –it c1 bash (</a:t>
+            </a:r>
+            <a:r>
+              <a:rPr lang="en-US" dirty="0" err="1">
+                <a:solidFill>
+                  <a:srgbClr val="000000"/>
+                </a:solidFill>
+                <a:effectLst/>
+                <a:latin typeface="Menlo" panose="020B0609030804020204" pitchFamily="49" charset="0"/>
+              </a:rPr>
+              <a:t>進入到容器</a:t>
+            </a:r>
+            <a:r>
+              <a:rPr lang="en-US" dirty="0">
+                <a:solidFill>
+                  <a:srgbClr val="000000"/>
+                </a:solidFill>
+                <a:effectLst/>
+                <a:latin typeface="Menlo" panose="020B0609030804020204" pitchFamily="49" charset="0"/>
+              </a:rPr>
+              <a:t>)</a:t>
+            </a:r>
+          </a:p>
+          <a:p>
+            <a:r>
+              <a:rPr lang="en-US" dirty="0" err="1">
+                <a:solidFill>
+                  <a:srgbClr val="000000"/>
+                </a:solidFill>
+                <a:effectLst/>
+                <a:latin typeface="Menlo" panose="020B0609030804020204" pitchFamily="49" charset="0"/>
+              </a:rPr>
+              <a:t>sudo</a:t>
+            </a:r>
+            <a:r>
+              <a:rPr lang="en-US" dirty="0">
+                <a:solidFill>
+                  <a:srgbClr val="000000"/>
+                </a:solidFill>
+                <a:effectLst/>
+                <a:latin typeface="Menlo" panose="020B0609030804020204" pitchFamily="49" charset="0"/>
+              </a:rPr>
+              <a:t> docker inspect c1(</a:t>
+            </a:r>
+            <a:r>
+              <a:rPr lang="en-US" dirty="0" err="1">
+                <a:solidFill>
+                  <a:srgbClr val="000000"/>
+                </a:solidFill>
+                <a:effectLst/>
+                <a:latin typeface="Menlo" panose="020B0609030804020204" pitchFamily="49" charset="0"/>
+              </a:rPr>
+              <a:t>看訊息例如ip</a:t>
+            </a:r>
+            <a:r>
+              <a:rPr lang="en-US" dirty="0">
+                <a:solidFill>
+                  <a:srgbClr val="000000"/>
+                </a:solidFill>
+                <a:effectLst/>
+                <a:latin typeface="Menlo" panose="020B0609030804020204" pitchFamily="49" charset="0"/>
+              </a:rPr>
+              <a:t>)</a:t>
+            </a:r>
+          </a:p>
+          <a:p>
+            <a:r>
+              <a:rPr lang="en-US" dirty="0" err="1">
+                <a:solidFill>
+                  <a:srgbClr val="000000"/>
+                </a:solidFill>
+                <a:effectLst/>
+                <a:latin typeface="Menlo" panose="020B0609030804020204" pitchFamily="49" charset="0"/>
+              </a:rPr>
+              <a:t>sudo</a:t>
+            </a:r>
+            <a:r>
+              <a:rPr lang="en-US" dirty="0">
+                <a:solidFill>
+                  <a:srgbClr val="000000"/>
+                </a:solidFill>
+                <a:effectLst/>
+                <a:latin typeface="Menlo" panose="020B0609030804020204" pitchFamily="49" charset="0"/>
+              </a:rPr>
+              <a:t> docker rm c1(</a:t>
+            </a:r>
+            <a:r>
+              <a:rPr lang="en-US" dirty="0" err="1">
+                <a:solidFill>
+                  <a:srgbClr val="000000"/>
+                </a:solidFill>
+                <a:effectLst/>
+                <a:latin typeface="Menlo" panose="020B0609030804020204" pitchFamily="49" charset="0"/>
+              </a:rPr>
+              <a:t>要先stop後才可以刪除</a:t>
+            </a:r>
+            <a:r>
+              <a:rPr lang="en-US" dirty="0">
+                <a:solidFill>
+                  <a:srgbClr val="000000"/>
+                </a:solidFill>
+                <a:effectLst/>
+                <a:latin typeface="Menlo" panose="020B0609030804020204" pitchFamily="49" charset="0"/>
+              </a:rPr>
+              <a:t>)</a:t>
+            </a:r>
+          </a:p>
+          <a:p>
+            <a:endParaRPr lang="en-US" dirty="0">
+              <a:solidFill>
+                <a:srgbClr val="000000"/>
+              </a:solidFill>
+              <a:effectLst/>
+              <a:latin typeface="Menlo" panose="020B0609030804020204" pitchFamily="49" charset="0"/>
+            </a:endParaRPr>
+          </a:p>
+          <a:p>
+            <a:endParaRPr lang="en-US" dirty="0">
+              <a:solidFill>
+                <a:srgbClr val="000000"/>
+              </a:solidFill>
+              <a:effectLst/>
+              <a:latin typeface="Menlo" panose="020B0609030804020204" pitchFamily="49" charset="0"/>
+            </a:endParaRPr>
+          </a:p>
+          <a:p>
+            <a:endParaRPr lang="en-US" dirty="0">
+              <a:solidFill>
+                <a:srgbClr val="000000"/>
+              </a:solidFill>
+              <a:effectLst/>
+              <a:latin typeface="Menlo" panose="020B0609030804020204" pitchFamily="49" charset="0"/>
+            </a:endParaRPr>
+          </a:p>
+          <a:p>
+            <a:endParaRPr lang="en-US" dirty="0">
+              <a:solidFill>
+                <a:srgbClr val="000000"/>
+              </a:solidFill>
+              <a:effectLst/>
+              <a:latin typeface="Menlo" panose="020B0609030804020204" pitchFamily="49" charset="0"/>
+            </a:endParaRPr>
+          </a:p>
+          <a:p>
+            <a:endParaRPr lang="en-US" dirty="0"/>
+          </a:p>
+        </p:txBody>
+      </p:sp>
+    </p:spTree>
+    <p:extLst>
+      <p:ext uri="{BB962C8B-B14F-4D97-AF65-F5344CB8AC3E}">
+        <p14:creationId xmlns:p14="http://schemas.microsoft.com/office/powerpoint/2010/main" val="1231132080"/>
+      </p:ext>
+    </p:extLst>
+  </p:cSld>
+  <p:clrMapOvr>
+    <a:masterClrMapping/>
+  </p:clrMapOvr>
+</p:sld>
+</file>
+
+<file path=ppt/slides/slide8.xml><?xml version="1.0" encoding="utf-8"?>
+<p:sld xmlns:a="http://schemas.openxmlformats.org/drawingml/2006/main" xmlns:r="http://schemas.openxmlformats.org/officeDocument/2006/relationships" xmlns:p="http://schemas.openxmlformats.org/presentationml/2006/main">
+  <p:cSld>
+    <p:spTree>
+      <p:nvGrpSpPr>
+        <p:cNvPr id="1" name=""/>
+        <p:cNvGrpSpPr/>
+        <p:nvPr/>
+      </p:nvGrpSpPr>
+      <p:grpSpPr>
+        <a:xfrm>
+          <a:off x="0" y="0"/>
+          <a:ext cx="0" cy="0"/>
+          <a:chOff x="0" y="0"/>
+          <a:chExt cx="0" cy="0"/>
+        </a:xfrm>
+      </p:grpSpPr>
+      <p:sp>
+        <p:nvSpPr>
+          <p:cNvPr id="2" name="Title 1">
+            <a:extLst>
+              <a:ext uri="{FF2B5EF4-FFF2-40B4-BE49-F238E27FC236}">
+                <a16:creationId xmlns:a16="http://schemas.microsoft.com/office/drawing/2014/main" id="{8270683C-C47A-3E68-765D-80FFF1E1CD76}"/>
+              </a:ext>
+            </a:extLst>
+          </p:cNvPr>
+          <p:cNvSpPr>
+            <a:spLocks noGrp="1"/>
+          </p:cNvSpPr>
+          <p:nvPr>
+            <p:ph type="title"/>
+          </p:nvPr>
+        </p:nvSpPr>
+        <p:spPr/>
+        <p:txBody>
+          <a:bodyPr/>
+          <a:lstStyle/>
+          <a:p>
+            <a:r>
+              <a:rPr lang="en-US" dirty="0"/>
+              <a:t>Create network</a:t>
+            </a:r>
+          </a:p>
+        </p:txBody>
+      </p:sp>
+      <p:sp>
+        <p:nvSpPr>
+          <p:cNvPr id="3" name="Content Placeholder 2">
+            <a:extLst>
+              <a:ext uri="{FF2B5EF4-FFF2-40B4-BE49-F238E27FC236}">
+                <a16:creationId xmlns:a16="http://schemas.microsoft.com/office/drawing/2014/main" id="{EB749669-5776-01A6-AC9F-83F11B7F6AAE}"/>
+              </a:ext>
+            </a:extLst>
+          </p:cNvPr>
+          <p:cNvSpPr>
+            <a:spLocks noGrp="1"/>
+          </p:cNvSpPr>
+          <p:nvPr>
+            <p:ph idx="1"/>
+          </p:nvPr>
+        </p:nvSpPr>
+        <p:spPr/>
+        <p:txBody>
+          <a:bodyPr>
+            <a:normAutofit fontScale="92500" lnSpcReduction="10000"/>
+          </a:bodyPr>
+          <a:lstStyle/>
+          <a:p>
+            <a:r>
+              <a:rPr lang="en-US" dirty="0" err="1"/>
+              <a:t>Sudo</a:t>
+            </a:r>
+            <a:r>
+              <a:rPr lang="en-US" dirty="0"/>
+              <a:t> docker network create –-subnet=172.18.0.0/16 </a:t>
+            </a:r>
+            <a:r>
+              <a:rPr lang="en-US" dirty="0" err="1"/>
+              <a:t>mynet</a:t>
+            </a:r>
+            <a:r>
+              <a:rPr lang="en-US" dirty="0"/>
+              <a:t>(</a:t>
+            </a:r>
+            <a:r>
+              <a:rPr lang="en-US" dirty="0" err="1"/>
+              <a:t>定義docker的網段和名稱</a:t>
+            </a:r>
+            <a:r>
+              <a:rPr lang="en-US" dirty="0"/>
+              <a:t>)</a:t>
+            </a:r>
+          </a:p>
+          <a:p>
+            <a:r>
+              <a:rPr lang="en-US" dirty="0" err="1"/>
+              <a:t>Sudo</a:t>
+            </a:r>
+            <a:r>
+              <a:rPr lang="en-US" dirty="0"/>
+              <a:t> docker network ls(</a:t>
+            </a:r>
+            <a:r>
+              <a:rPr lang="en-US" dirty="0" err="1"/>
+              <a:t>看網段</a:t>
+            </a:r>
+            <a:r>
+              <a:rPr lang="en-US" dirty="0"/>
+              <a:t>)</a:t>
+            </a:r>
+          </a:p>
+          <a:p>
+            <a:r>
+              <a:rPr lang="en-US" dirty="0" err="1"/>
+              <a:t>Sudo</a:t>
+            </a:r>
+            <a:r>
+              <a:rPr lang="en-US" dirty="0"/>
+              <a:t> docker network rm </a:t>
+            </a:r>
+            <a:r>
+              <a:rPr lang="en-US" dirty="0" err="1"/>
+              <a:t>mynet</a:t>
+            </a:r>
+            <a:r>
+              <a:rPr lang="en-US" dirty="0"/>
+              <a:t>(</a:t>
+            </a:r>
+            <a:r>
+              <a:rPr lang="en-US" dirty="0" err="1"/>
+              <a:t>刪除網段</a:t>
+            </a:r>
+            <a:r>
+              <a:rPr lang="en-US" dirty="0"/>
+              <a:t>)</a:t>
+            </a:r>
+          </a:p>
+          <a:p>
+            <a:r>
+              <a:rPr lang="en-US" dirty="0" err="1"/>
+              <a:t>sudo</a:t>
+            </a:r>
+            <a:r>
+              <a:rPr lang="en-US" dirty="0"/>
+              <a:t> docker run -it --name=c1 --net </a:t>
+            </a:r>
+            <a:r>
+              <a:rPr lang="en-US" dirty="0" err="1"/>
+              <a:t>mynet</a:t>
+            </a:r>
+            <a:r>
+              <a:rPr lang="en-US" dirty="0"/>
+              <a:t> --</a:t>
+            </a:r>
+            <a:r>
+              <a:rPr lang="en-US" dirty="0" err="1"/>
+              <a:t>ip</a:t>
+            </a:r>
+            <a:r>
+              <a:rPr lang="en-US" dirty="0"/>
+              <a:t> 172.18.0.2 python:3.10 bash(</a:t>
+            </a:r>
+            <a:r>
+              <a:rPr lang="en-US" dirty="0" err="1"/>
+              <a:t>分配固定地址</a:t>
+            </a:r>
+            <a:r>
+              <a:rPr lang="en-US" dirty="0"/>
+              <a:t>)</a:t>
+            </a:r>
+          </a:p>
+          <a:p>
+            <a:r>
+              <a:rPr lang="en-US" dirty="0"/>
+              <a:t>Ip </a:t>
+            </a:r>
+            <a:r>
+              <a:rPr lang="en-US" dirty="0" err="1"/>
+              <a:t>addr</a:t>
+            </a:r>
+            <a:r>
+              <a:rPr lang="en-US" dirty="0"/>
+              <a:t>(</a:t>
+            </a:r>
+            <a:r>
+              <a:rPr lang="en-US" dirty="0" err="1"/>
+              <a:t>創建後看ip</a:t>
+            </a:r>
+            <a:r>
+              <a:rPr lang="en-US" dirty="0"/>
+              <a:t>)</a:t>
+            </a:r>
+          </a:p>
+          <a:p>
+            <a:r>
+              <a:rPr lang="en-US" dirty="0" err="1"/>
+              <a:t>sudo</a:t>
+            </a:r>
+            <a:r>
+              <a:rPr lang="en-US" dirty="0"/>
+              <a:t> docker network connect --</a:t>
+            </a:r>
+            <a:r>
+              <a:rPr lang="en-US" dirty="0" err="1"/>
+              <a:t>ip</a:t>
+            </a:r>
+            <a:r>
+              <a:rPr lang="en-US" dirty="0"/>
+              <a:t> 172.18.0.2 </a:t>
+            </a:r>
+            <a:r>
+              <a:rPr lang="en-US" dirty="0" err="1"/>
+              <a:t>mynet</a:t>
+            </a:r>
+            <a:r>
+              <a:rPr lang="en-US" dirty="0"/>
+              <a:t> c1(</a:t>
+            </a:r>
+            <a:r>
+              <a:rPr lang="en-US" dirty="0" err="1"/>
+              <a:t>連結原本創建的containe和network</a:t>
+            </a:r>
+            <a:r>
+              <a:rPr lang="en-US" dirty="0"/>
+              <a:t>)</a:t>
+            </a:r>
+          </a:p>
+          <a:p>
+            <a:r>
+              <a:rPr lang="en-US" dirty="0" err="1"/>
+              <a:t>sudo</a:t>
+            </a:r>
+            <a:r>
+              <a:rPr lang="en-US" dirty="0"/>
+              <a:t> docker run -it -p 9500:5000 -p 9501:3306 --name=p1 python:3.10 bash(</a:t>
+            </a:r>
+            <a:r>
+              <a:rPr lang="en-US" dirty="0" err="1"/>
+              <a:t>將容器內部端口映射到主機端口</a:t>
+            </a:r>
+            <a:r>
+              <a:rPr lang="en-US" dirty="0"/>
+              <a:t>)</a:t>
+            </a:r>
+          </a:p>
+          <a:p>
+            <a:endParaRPr lang="en-US" dirty="0"/>
+          </a:p>
+        </p:txBody>
+      </p:sp>
+    </p:spTree>
+    <p:extLst>
+      <p:ext uri="{BB962C8B-B14F-4D97-AF65-F5344CB8AC3E}">
+        <p14:creationId xmlns:p14="http://schemas.microsoft.com/office/powerpoint/2010/main" val="2526660497"/>
+      </p:ext>
+    </p:extLst>
+  </p:cSld>
+  <p:clrMapOvr>
+    <a:masterClrMapping/>
+  </p:clrMapOvr>
+</p:sld>
+</file>
+
+<file path=ppt/slides/slide9.xml><?xml version="1.0" encoding="utf-8"?>
+<p:sld xmlns:a="http://schemas.openxmlformats.org/drawingml/2006/main" xmlns:r="http://schemas.openxmlformats.org/officeDocument/2006/relationships" xmlns:p="http://schemas.openxmlformats.org/presentationml/2006/main">
+  <p:cSld>
+    <p:spTree>
+      <p:nvGrpSpPr>
+        <p:cNvPr id="1" name=""/>
+        <p:cNvGrpSpPr/>
+        <p:nvPr/>
+      </p:nvGrpSpPr>
+      <p:grpSpPr>
+        <a:xfrm>
+          <a:off x="0" y="0"/>
+          <a:ext cx="0" cy="0"/>
+          <a:chOff x="0" y="0"/>
+          <a:chExt cx="0" cy="0"/>
+        </a:xfrm>
+      </p:grpSpPr>
+      <p:sp>
+        <p:nvSpPr>
+          <p:cNvPr id="2" name="Title 1">
+            <a:extLst>
+              <a:ext uri="{FF2B5EF4-FFF2-40B4-BE49-F238E27FC236}">
+                <a16:creationId xmlns:a16="http://schemas.microsoft.com/office/drawing/2014/main" id="{8270683C-C47A-3E68-765D-80FFF1E1CD76}"/>
+              </a:ext>
+            </a:extLst>
+          </p:cNvPr>
+          <p:cNvSpPr>
+            <a:spLocks noGrp="1"/>
+          </p:cNvSpPr>
+          <p:nvPr>
+            <p:ph type="title"/>
+          </p:nvPr>
+        </p:nvSpPr>
+        <p:spPr/>
+        <p:txBody>
+          <a:bodyPr/>
+          <a:lstStyle/>
+          <a:p>
+            <a:r>
+              <a:rPr lang="en-US" err="1"/>
+              <a:t>掛載目錄</a:t>
+            </a:r>
+            <a:r>
+              <a:rPr lang="en-US"/>
+              <a:t>（目錄映射）（</a:t>
+            </a:r>
+            <a:r>
+              <a:rPr lang="en-US" dirty="0" err="1"/>
+              <a:t>可以使文件同步在主機與容器，雙向的</a:t>
+            </a:r>
+            <a:r>
+              <a:rPr lang="en-US" dirty="0"/>
+              <a:t>）</a:t>
+            </a:r>
+          </a:p>
+        </p:txBody>
+      </p:sp>
+      <p:sp>
+        <p:nvSpPr>
+          <p:cNvPr id="3" name="Content Placeholder 2">
+            <a:extLst>
+              <a:ext uri="{FF2B5EF4-FFF2-40B4-BE49-F238E27FC236}">
+                <a16:creationId xmlns:a16="http://schemas.microsoft.com/office/drawing/2014/main" id="{EB749669-5776-01A6-AC9F-83F11B7F6AAE}"/>
+              </a:ext>
+            </a:extLst>
+          </p:cNvPr>
+          <p:cNvSpPr>
+            <a:spLocks noGrp="1"/>
+          </p:cNvSpPr>
+          <p:nvPr>
+            <p:ph idx="1"/>
+          </p:nvPr>
+        </p:nvSpPr>
+        <p:spPr/>
+        <p:txBody>
+          <a:bodyPr>
+            <a:normAutofit/>
+          </a:bodyPr>
+          <a:lstStyle/>
+          <a:p>
+            <a:r>
+              <a:rPr lang="en-US" dirty="0" err="1"/>
+              <a:t>sudo</a:t>
+            </a:r>
+            <a:r>
+              <a:rPr lang="en-US" dirty="0"/>
+              <a:t> docker run --name m1 -p 4360:3306 --net </a:t>
+            </a:r>
+            <a:r>
+              <a:rPr lang="en-US" dirty="0" err="1"/>
+              <a:t>mynet</a:t>
+            </a:r>
+            <a:r>
+              <a:rPr lang="en-US" dirty="0"/>
+              <a:t> --</a:t>
+            </a:r>
+            <a:r>
+              <a:rPr lang="en-US" dirty="0" err="1"/>
+              <a:t>ip</a:t>
+            </a:r>
+            <a:r>
+              <a:rPr lang="en-US" dirty="0"/>
+              <a:t> 172.18.0.3 -e MYSQL_ROOT_PASSWORD=</a:t>
+            </a:r>
+            <a:r>
+              <a:rPr lang="en-US" dirty="0" err="1"/>
+              <a:t>FRANKWUfrankwu</a:t>
+            </a:r>
+            <a:r>
+              <a:rPr lang="en-US" dirty="0"/>
+              <a:t> -v /root/</a:t>
+            </a:r>
+            <a:r>
+              <a:rPr lang="en-US" dirty="0" err="1"/>
+              <a:t>mysql</a:t>
+            </a:r>
+            <a:r>
+              <a:rPr lang="en-US" dirty="0"/>
+              <a:t>:/var/lib/</a:t>
+            </a:r>
+            <a:r>
+              <a:rPr lang="en-US" dirty="0" err="1"/>
+              <a:t>mysql</a:t>
+            </a:r>
+            <a:r>
+              <a:rPr lang="en-US" dirty="0"/>
+              <a:t> -d mysql:8.4.0</a:t>
+            </a:r>
+          </a:p>
+        </p:txBody>
+      </p:sp>
+    </p:spTree>
+    <p:extLst>
+      <p:ext uri="{BB962C8B-B14F-4D97-AF65-F5344CB8AC3E}">
+        <p14:creationId xmlns:p14="http://schemas.microsoft.com/office/powerpoint/2010/main" val="103441110"/>
       </p:ext>
     </p:extLst>
   </p:cSld>

--- a/multipass_ubuntu_installation/ubuntu_installation.pptx
+++ b/multipass_ubuntu_installation/ubuntu_installation.pptx
@@ -4,6 +4,9 @@
   <p:sldMasterIdLst>
     <p:sldMasterId id="2147483648" r:id="rId1"/>
   </p:sldMasterIdLst>
+  <p:notesMasterIdLst>
+    <p:notesMasterId r:id="rId20"/>
+  </p:notesMasterIdLst>
   <p:sldIdLst>
     <p:sldId id="256" r:id="rId2"/>
     <p:sldId id="257" r:id="rId3"/>
@@ -127,6 +130,439 @@
     </p:ext>
   </p:extLst>
 </p:presentation>
+</file>
+
+<file path=ppt/notesMasters/notesMaster1.xml><?xml version="1.0" encoding="utf-8"?>
+<p:notesMaster xmlns:a="http://schemas.openxmlformats.org/drawingml/2006/main" xmlns:r="http://schemas.openxmlformats.org/officeDocument/2006/relationships" xmlns:p="http://schemas.openxmlformats.org/presentationml/2006/main">
+  <p:cSld>
+    <p:bg>
+      <p:bgRef idx="1001">
+        <a:schemeClr val="bg1"/>
+      </p:bgRef>
+    </p:bg>
+    <p:spTree>
+      <p:nvGrpSpPr>
+        <p:cNvPr id="1" name=""/>
+        <p:cNvGrpSpPr/>
+        <p:nvPr/>
+      </p:nvGrpSpPr>
+      <p:grpSpPr>
+        <a:xfrm>
+          <a:off x="0" y="0"/>
+          <a:ext cx="0" cy="0"/>
+          <a:chOff x="0" y="0"/>
+          <a:chExt cx="0" cy="0"/>
+        </a:xfrm>
+      </p:grpSpPr>
+      <p:sp>
+        <p:nvSpPr>
+          <p:cNvPr id="2" name="Header Placeholder 1"/>
+          <p:cNvSpPr>
+            <a:spLocks noGrp="1"/>
+          </p:cNvSpPr>
+          <p:nvPr>
+            <p:ph type="hdr" sz="quarter"/>
+          </p:nvPr>
+        </p:nvSpPr>
+        <p:spPr>
+          <a:xfrm>
+            <a:off x="0" y="0"/>
+            <a:ext cx="2971800" cy="458788"/>
+          </a:xfrm>
+          <a:prstGeom prst="rect">
+            <a:avLst/>
+          </a:prstGeom>
+        </p:spPr>
+        <p:txBody>
+          <a:bodyPr vert="horz" lIns="91440" tIns="45720" rIns="91440" bIns="45720" rtlCol="0"/>
+          <a:lstStyle>
+            <a:lvl1pPr algn="l">
+              <a:defRPr sz="1200"/>
+            </a:lvl1pPr>
+          </a:lstStyle>
+          <a:p>
+            <a:endParaRPr lang="en-US"/>
+          </a:p>
+        </p:txBody>
+      </p:sp>
+      <p:sp>
+        <p:nvSpPr>
+          <p:cNvPr id="3" name="Date Placeholder 2"/>
+          <p:cNvSpPr>
+            <a:spLocks noGrp="1"/>
+          </p:cNvSpPr>
+          <p:nvPr>
+            <p:ph type="dt" idx="1"/>
+          </p:nvPr>
+        </p:nvSpPr>
+        <p:spPr>
+          <a:xfrm>
+            <a:off x="3884613" y="0"/>
+            <a:ext cx="2971800" cy="458788"/>
+          </a:xfrm>
+          <a:prstGeom prst="rect">
+            <a:avLst/>
+          </a:prstGeom>
+        </p:spPr>
+        <p:txBody>
+          <a:bodyPr vert="horz" lIns="91440" tIns="45720" rIns="91440" bIns="45720" rtlCol="0"/>
+          <a:lstStyle>
+            <a:lvl1pPr algn="r">
+              <a:defRPr sz="1200"/>
+            </a:lvl1pPr>
+          </a:lstStyle>
+          <a:p>
+            <a:fld id="{CF2D859C-CECB-8648-A934-6D72FBAFBB78}" type="datetimeFigureOut">
+              <a:rPr lang="en-US" smtClean="0"/>
+              <a:t>6/20/24</a:t>
+            </a:fld>
+            <a:endParaRPr lang="en-US"/>
+          </a:p>
+        </p:txBody>
+      </p:sp>
+      <p:sp>
+        <p:nvSpPr>
+          <p:cNvPr id="4" name="Slide Image Placeholder 3"/>
+          <p:cNvSpPr>
+            <a:spLocks noGrp="1" noRot="1" noChangeAspect="1"/>
+          </p:cNvSpPr>
+          <p:nvPr>
+            <p:ph type="sldImg" idx="2"/>
+          </p:nvPr>
+        </p:nvSpPr>
+        <p:spPr>
+          <a:xfrm>
+            <a:off x="685800" y="1143000"/>
+            <a:ext cx="5486400" cy="3086100"/>
+          </a:xfrm>
+          <a:prstGeom prst="rect">
+            <a:avLst/>
+          </a:prstGeom>
+          <a:noFill/>
+          <a:ln w="12700">
+            <a:solidFill>
+              <a:prstClr val="black"/>
+            </a:solidFill>
+          </a:ln>
+        </p:spPr>
+        <p:txBody>
+          <a:bodyPr vert="horz" lIns="91440" tIns="45720" rIns="91440" bIns="45720" rtlCol="0" anchor="ctr"/>
+          <a:lstStyle/>
+          <a:p>
+            <a:endParaRPr lang="en-US"/>
+          </a:p>
+        </p:txBody>
+      </p:sp>
+      <p:sp>
+        <p:nvSpPr>
+          <p:cNvPr id="5" name="Notes Placeholder 4"/>
+          <p:cNvSpPr>
+            <a:spLocks noGrp="1"/>
+          </p:cNvSpPr>
+          <p:nvPr>
+            <p:ph type="body" sz="quarter" idx="3"/>
+          </p:nvPr>
+        </p:nvSpPr>
+        <p:spPr>
+          <a:xfrm>
+            <a:off x="685800" y="4400550"/>
+            <a:ext cx="5486400" cy="3600450"/>
+          </a:xfrm>
+          <a:prstGeom prst="rect">
+            <a:avLst/>
+          </a:prstGeom>
+        </p:spPr>
+        <p:txBody>
+          <a:bodyPr vert="horz" lIns="91440" tIns="45720" rIns="91440" bIns="45720" rtlCol="0"/>
+          <a:lstStyle/>
+          <a:p>
+            <a:pPr lvl="0"/>
+            <a:r>
+              <a:rPr lang="en-US"/>
+              <a:t>Click to edit Master text styles</a:t>
+            </a:r>
+          </a:p>
+          <a:p>
+            <a:pPr lvl="1"/>
+            <a:r>
+              <a:rPr lang="en-US"/>
+              <a:t>Second level</a:t>
+            </a:r>
+          </a:p>
+          <a:p>
+            <a:pPr lvl="2"/>
+            <a:r>
+              <a:rPr lang="en-US"/>
+              <a:t>Third level</a:t>
+            </a:r>
+          </a:p>
+          <a:p>
+            <a:pPr lvl="3"/>
+            <a:r>
+              <a:rPr lang="en-US"/>
+              <a:t>Fourth level</a:t>
+            </a:r>
+          </a:p>
+          <a:p>
+            <a:pPr lvl="4"/>
+            <a:r>
+              <a:rPr lang="en-US"/>
+              <a:t>Fifth level</a:t>
+            </a:r>
+          </a:p>
+        </p:txBody>
+      </p:sp>
+      <p:sp>
+        <p:nvSpPr>
+          <p:cNvPr id="6" name="Footer Placeholder 5"/>
+          <p:cNvSpPr>
+            <a:spLocks noGrp="1"/>
+          </p:cNvSpPr>
+          <p:nvPr>
+            <p:ph type="ftr" sz="quarter" idx="4"/>
+          </p:nvPr>
+        </p:nvSpPr>
+        <p:spPr>
+          <a:xfrm>
+            <a:off x="0" y="8685213"/>
+            <a:ext cx="2971800" cy="458787"/>
+          </a:xfrm>
+          <a:prstGeom prst="rect">
+            <a:avLst/>
+          </a:prstGeom>
+        </p:spPr>
+        <p:txBody>
+          <a:bodyPr vert="horz" lIns="91440" tIns="45720" rIns="91440" bIns="45720" rtlCol="0" anchor="b"/>
+          <a:lstStyle>
+            <a:lvl1pPr algn="l">
+              <a:defRPr sz="1200"/>
+            </a:lvl1pPr>
+          </a:lstStyle>
+          <a:p>
+            <a:endParaRPr lang="en-US"/>
+          </a:p>
+        </p:txBody>
+      </p:sp>
+      <p:sp>
+        <p:nvSpPr>
+          <p:cNvPr id="7" name="Slide Number Placeholder 6"/>
+          <p:cNvSpPr>
+            <a:spLocks noGrp="1"/>
+          </p:cNvSpPr>
+          <p:nvPr>
+            <p:ph type="sldNum" sz="quarter" idx="5"/>
+          </p:nvPr>
+        </p:nvSpPr>
+        <p:spPr>
+          <a:xfrm>
+            <a:off x="3884613" y="8685213"/>
+            <a:ext cx="2971800" cy="458787"/>
+          </a:xfrm>
+          <a:prstGeom prst="rect">
+            <a:avLst/>
+          </a:prstGeom>
+        </p:spPr>
+        <p:txBody>
+          <a:bodyPr vert="horz" lIns="91440" tIns="45720" rIns="91440" bIns="45720" rtlCol="0" anchor="b"/>
+          <a:lstStyle>
+            <a:lvl1pPr algn="r">
+              <a:defRPr sz="1200"/>
+            </a:lvl1pPr>
+          </a:lstStyle>
+          <a:p>
+            <a:fld id="{A4D36186-9790-B341-AB46-405648E00B84}" type="slidenum">
+              <a:rPr lang="en-US" smtClean="0"/>
+              <a:t>‹#›</a:t>
+            </a:fld>
+            <a:endParaRPr lang="en-US"/>
+          </a:p>
+        </p:txBody>
+      </p:sp>
+    </p:spTree>
+    <p:extLst>
+      <p:ext uri="{BB962C8B-B14F-4D97-AF65-F5344CB8AC3E}">
+        <p14:creationId xmlns:p14="http://schemas.microsoft.com/office/powerpoint/2010/main" val="3414098008"/>
+      </p:ext>
+    </p:extLst>
+  </p:cSld>
+  <p:clrMap bg1="lt1" tx1="dk1" bg2="lt2" tx2="dk2" accent1="accent1" accent2="accent2" accent3="accent3" accent4="accent4" accent5="accent5" accent6="accent6" hlink="hlink" folHlink="folHlink"/>
+  <p:notesStyle>
+    <a:lvl1pPr marL="0" algn="l" defTabSz="914400" rtl="0" eaLnBrk="1" latinLnBrk="0" hangingPunct="1">
+      <a:defRPr sz="1200" kern="1200">
+        <a:solidFill>
+          <a:schemeClr val="tx1"/>
+        </a:solidFill>
+        <a:latin typeface="+mn-lt"/>
+        <a:ea typeface="+mn-ea"/>
+        <a:cs typeface="+mn-cs"/>
+      </a:defRPr>
+    </a:lvl1pPr>
+    <a:lvl2pPr marL="457200" algn="l" defTabSz="914400" rtl="0" eaLnBrk="1" latinLnBrk="0" hangingPunct="1">
+      <a:defRPr sz="1200" kern="1200">
+        <a:solidFill>
+          <a:schemeClr val="tx1"/>
+        </a:solidFill>
+        <a:latin typeface="+mn-lt"/>
+        <a:ea typeface="+mn-ea"/>
+        <a:cs typeface="+mn-cs"/>
+      </a:defRPr>
+    </a:lvl2pPr>
+    <a:lvl3pPr marL="914400" algn="l" defTabSz="914400" rtl="0" eaLnBrk="1" latinLnBrk="0" hangingPunct="1">
+      <a:defRPr sz="1200" kern="1200">
+        <a:solidFill>
+          <a:schemeClr val="tx1"/>
+        </a:solidFill>
+        <a:latin typeface="+mn-lt"/>
+        <a:ea typeface="+mn-ea"/>
+        <a:cs typeface="+mn-cs"/>
+      </a:defRPr>
+    </a:lvl3pPr>
+    <a:lvl4pPr marL="1371600" algn="l" defTabSz="914400" rtl="0" eaLnBrk="1" latinLnBrk="0" hangingPunct="1">
+      <a:defRPr sz="1200" kern="1200">
+        <a:solidFill>
+          <a:schemeClr val="tx1"/>
+        </a:solidFill>
+        <a:latin typeface="+mn-lt"/>
+        <a:ea typeface="+mn-ea"/>
+        <a:cs typeface="+mn-cs"/>
+      </a:defRPr>
+    </a:lvl4pPr>
+    <a:lvl5pPr marL="1828800" algn="l" defTabSz="914400" rtl="0" eaLnBrk="1" latinLnBrk="0" hangingPunct="1">
+      <a:defRPr sz="1200" kern="1200">
+        <a:solidFill>
+          <a:schemeClr val="tx1"/>
+        </a:solidFill>
+        <a:latin typeface="+mn-lt"/>
+        <a:ea typeface="+mn-ea"/>
+        <a:cs typeface="+mn-cs"/>
+      </a:defRPr>
+    </a:lvl5pPr>
+    <a:lvl6pPr marL="2286000" algn="l" defTabSz="914400" rtl="0" eaLnBrk="1" latinLnBrk="0" hangingPunct="1">
+      <a:defRPr sz="1200" kern="1200">
+        <a:solidFill>
+          <a:schemeClr val="tx1"/>
+        </a:solidFill>
+        <a:latin typeface="+mn-lt"/>
+        <a:ea typeface="+mn-ea"/>
+        <a:cs typeface="+mn-cs"/>
+      </a:defRPr>
+    </a:lvl6pPr>
+    <a:lvl7pPr marL="2743200" algn="l" defTabSz="914400" rtl="0" eaLnBrk="1" latinLnBrk="0" hangingPunct="1">
+      <a:defRPr sz="1200" kern="1200">
+        <a:solidFill>
+          <a:schemeClr val="tx1"/>
+        </a:solidFill>
+        <a:latin typeface="+mn-lt"/>
+        <a:ea typeface="+mn-ea"/>
+        <a:cs typeface="+mn-cs"/>
+      </a:defRPr>
+    </a:lvl7pPr>
+    <a:lvl8pPr marL="3200400" algn="l" defTabSz="914400" rtl="0" eaLnBrk="1" latinLnBrk="0" hangingPunct="1">
+      <a:defRPr sz="1200" kern="1200">
+        <a:solidFill>
+          <a:schemeClr val="tx1"/>
+        </a:solidFill>
+        <a:latin typeface="+mn-lt"/>
+        <a:ea typeface="+mn-ea"/>
+        <a:cs typeface="+mn-cs"/>
+      </a:defRPr>
+    </a:lvl8pPr>
+    <a:lvl9pPr marL="3657600" algn="l" defTabSz="914400" rtl="0" eaLnBrk="1" latinLnBrk="0" hangingPunct="1">
+      <a:defRPr sz="1200" kern="1200">
+        <a:solidFill>
+          <a:schemeClr val="tx1"/>
+        </a:solidFill>
+        <a:latin typeface="+mn-lt"/>
+        <a:ea typeface="+mn-ea"/>
+        <a:cs typeface="+mn-cs"/>
+      </a:defRPr>
+    </a:lvl9pPr>
+  </p:notesStyle>
+</p:notesMaster>
+</file>
+
+<file path=ppt/notesSlides/notesSlide1.xml><?xml version="1.0" encoding="utf-8"?>
+<p:notes xmlns:a="http://schemas.openxmlformats.org/drawingml/2006/main" xmlns:r="http://schemas.openxmlformats.org/officeDocument/2006/relationships" xmlns:p="http://schemas.openxmlformats.org/presentationml/2006/main">
+  <p:cSld>
+    <p:spTree>
+      <p:nvGrpSpPr>
+        <p:cNvPr id="1" name=""/>
+        <p:cNvGrpSpPr/>
+        <p:nvPr/>
+      </p:nvGrpSpPr>
+      <p:grpSpPr>
+        <a:xfrm>
+          <a:off x="0" y="0"/>
+          <a:ext cx="0" cy="0"/>
+          <a:chOff x="0" y="0"/>
+          <a:chExt cx="0" cy="0"/>
+        </a:xfrm>
+      </p:grpSpPr>
+      <p:sp>
+        <p:nvSpPr>
+          <p:cNvPr id="2" name="Slide Image Placeholder 1"/>
+          <p:cNvSpPr>
+            <a:spLocks noGrp="1" noRot="1" noChangeAspect="1"/>
+          </p:cNvSpPr>
+          <p:nvPr>
+            <p:ph type="sldImg"/>
+          </p:nvPr>
+        </p:nvSpPr>
+        <p:spPr/>
+      </p:sp>
+      <p:sp>
+        <p:nvSpPr>
+          <p:cNvPr id="3" name="Notes Placeholder 2"/>
+          <p:cNvSpPr>
+            <a:spLocks noGrp="1"/>
+          </p:cNvSpPr>
+          <p:nvPr>
+            <p:ph type="body" idx="1"/>
+          </p:nvPr>
+        </p:nvSpPr>
+        <p:spPr/>
+        <p:txBody>
+          <a:bodyPr/>
+          <a:lstStyle/>
+          <a:p>
+            <a:endParaRPr lang="en-US" dirty="0"/>
+          </a:p>
+        </p:txBody>
+      </p:sp>
+      <p:sp>
+        <p:nvSpPr>
+          <p:cNvPr id="4" name="Slide Number Placeholder 3"/>
+          <p:cNvSpPr>
+            <a:spLocks noGrp="1"/>
+          </p:cNvSpPr>
+          <p:nvPr>
+            <p:ph type="sldNum" sz="quarter" idx="5"/>
+          </p:nvPr>
+        </p:nvSpPr>
+        <p:spPr/>
+        <p:txBody>
+          <a:bodyPr/>
+          <a:lstStyle/>
+          <a:p>
+            <a:fld id="{A4D36186-9790-B341-AB46-405648E00B84}" type="slidenum">
+              <a:rPr lang="en-US" smtClean="0"/>
+              <a:t>8</a:t>
+            </a:fld>
+            <a:endParaRPr lang="en-US"/>
+          </a:p>
+        </p:txBody>
+      </p:sp>
+    </p:spTree>
+    <p:extLst>
+      <p:ext uri="{BB962C8B-B14F-4D97-AF65-F5344CB8AC3E}">
+        <p14:creationId xmlns:p14="http://schemas.microsoft.com/office/powerpoint/2010/main" val="2500077096"/>
+      </p:ext>
+    </p:extLst>
+  </p:cSld>
+  <p:clrMapOvr>
+    <a:masterClrMapping/>
+  </p:clrMapOvr>
+</p:notes>
 </file>
 
 <file path=ppt/slideLayouts/slideLayout1.xml><?xml version="1.0" encoding="utf-8"?>
@@ -3950,8 +4386,8 @@
         </p:blipFill>
         <p:spPr>
           <a:xfrm>
-            <a:off x="2639114" y="4001294"/>
-            <a:ext cx="5880100" cy="2857500"/>
+            <a:off x="2745547" y="4053016"/>
+            <a:ext cx="5773667" cy="2805778"/>
           </a:xfrm>
           <a:prstGeom prst="rect">
             <a:avLst/>
@@ -5124,9 +5560,10 @@
               <a:t>Pip3 install </a:t>
             </a:r>
             <a:r>
-              <a:rPr lang="en-US"/>
+              <a:rPr lang="en-US" dirty="0" err="1"/>
               <a:t>flask_admin</a:t>
             </a:r>
+            <a:endParaRPr lang="en-US" dirty="0"/>
           </a:p>
           <a:p>
             <a:endParaRPr lang="en-US" dirty="0"/>
@@ -6633,7 +7070,7 @@
         <p:spPr/>
         <p:txBody>
           <a:bodyPr>
-            <a:normAutofit fontScale="92500" lnSpcReduction="10000"/>
+            <a:normAutofit fontScale="77500" lnSpcReduction="20000"/>
           </a:bodyPr>
           <a:lstStyle/>
           <a:p>
@@ -6813,6 +7250,106 @@
               <a:rPr lang="en-US" dirty="0"/>
               <a:t>)</a:t>
             </a:r>
+          </a:p>
+          <a:p>
+            <a:r>
+              <a:rPr lang="en-US" dirty="0" err="1"/>
+              <a:t>Sudo</a:t>
+            </a:r>
+            <a:r>
+              <a:rPr lang="en-US" dirty="0"/>
+              <a:t> docker network ls (</a:t>
+            </a:r>
+            <a:r>
+              <a:rPr lang="en-US" dirty="0" err="1"/>
+              <a:t>可看所有network</a:t>
+            </a:r>
+            <a:r>
+              <a:rPr lang="en-US" dirty="0"/>
+              <a:t>)</a:t>
+            </a:r>
+          </a:p>
+          <a:p>
+            <a:r>
+              <a:rPr lang="en-US" dirty="0" err="1">
+                <a:solidFill>
+                  <a:srgbClr val="000000"/>
+                </a:solidFill>
+                <a:effectLst/>
+                <a:latin typeface="Menlo" panose="020B0609030804020204" pitchFamily="49" charset="0"/>
+              </a:rPr>
+              <a:t>sudo</a:t>
+            </a:r>
+            <a:r>
+              <a:rPr lang="en-US" dirty="0">
+                <a:solidFill>
+                  <a:srgbClr val="000000"/>
+                </a:solidFill>
+                <a:effectLst/>
+                <a:latin typeface="Menlo" panose="020B0609030804020204" pitchFamily="49" charset="0"/>
+              </a:rPr>
+              <a:t> docker network inspect </a:t>
+            </a:r>
+            <a:r>
+              <a:rPr lang="en-US" dirty="0" err="1">
+                <a:solidFill>
+                  <a:srgbClr val="000000"/>
+                </a:solidFill>
+                <a:effectLst/>
+                <a:latin typeface="Menlo" panose="020B0609030804020204" pitchFamily="49" charset="0"/>
+              </a:rPr>
+              <a:t>mynet</a:t>
+            </a:r>
+            <a:r>
+              <a:rPr lang="en-US" dirty="0">
+                <a:solidFill>
+                  <a:srgbClr val="000000"/>
+                </a:solidFill>
+                <a:effectLst/>
+                <a:latin typeface="Menlo" panose="020B0609030804020204" pitchFamily="49" charset="0"/>
+              </a:rPr>
+              <a:t>(</a:t>
+            </a:r>
+            <a:r>
+              <a:rPr lang="en-US" dirty="0" err="1">
+                <a:solidFill>
+                  <a:srgbClr val="000000"/>
+                </a:solidFill>
+                <a:effectLst/>
+                <a:latin typeface="Menlo" panose="020B0609030804020204" pitchFamily="49" charset="0"/>
+              </a:rPr>
+              <a:t>可看IP</a:t>
+            </a:r>
+            <a:r>
+              <a:rPr lang="en-US" dirty="0">
+                <a:solidFill>
+                  <a:srgbClr val="000000"/>
+                </a:solidFill>
+                <a:effectLst/>
+                <a:latin typeface="Menlo" panose="020B0609030804020204" pitchFamily="49" charset="0"/>
+              </a:rPr>
+              <a:t>)</a:t>
+            </a:r>
+          </a:p>
+          <a:p>
+            <a:endParaRPr lang="en-US" dirty="0">
+              <a:solidFill>
+                <a:srgbClr val="000000"/>
+              </a:solidFill>
+              <a:latin typeface="Menlo" panose="020B0609030804020204" pitchFamily="49" charset="0"/>
+            </a:endParaRPr>
+          </a:p>
+          <a:p>
+            <a:endParaRPr lang="en-US" dirty="0">
+              <a:solidFill>
+                <a:srgbClr val="000000"/>
+              </a:solidFill>
+              <a:effectLst/>
+              <a:latin typeface="Menlo" panose="020B0609030804020204" pitchFamily="49" charset="0"/>
+            </a:endParaRPr>
+          </a:p>
+          <a:p>
+            <a:endParaRPr lang="en-US" dirty="0"/>
           </a:p>
           <a:p>
             <a:endParaRPr lang="en-US" dirty="0"/>
@@ -6871,12 +7408,12 @@
           <a:lstStyle/>
           <a:p>
             <a:r>
-              <a:rPr lang="en-US" err="1"/>
-              <a:t>掛載目錄</a:t>
-            </a:r>
-            <a:r>
-              <a:rPr lang="en-US"/>
-              <a:t>（目錄映射）（</a:t>
+              <a:rPr lang="en-US" dirty="0" err="1"/>
+              <a:t>掛載目錄（目錄映射</a:t>
+            </a:r>
+            <a:r>
+              <a:rPr lang="en-US" dirty="0"/>
+              <a:t>）（</a:t>
             </a:r>
             <a:r>
               <a:rPr lang="en-US" dirty="0" err="1"/>
@@ -6908,7 +7445,7 @@
         <p:spPr/>
         <p:txBody>
           <a:bodyPr>
-            <a:normAutofit/>
+            <a:normAutofit fontScale="47500" lnSpcReduction="20000"/>
           </a:bodyPr>
           <a:lstStyle/>
           <a:p>
@@ -6960,6 +7497,211 @@
               <a:rPr lang="en-US" dirty="0"/>
               <a:t> -d mysql:8.4.0</a:t>
             </a:r>
+          </a:p>
+          <a:p>
+            <a:endParaRPr lang="en-US" dirty="0"/>
+          </a:p>
+          <a:p>
+            <a:r>
+              <a:rPr lang="en-US" dirty="0" err="1"/>
+              <a:t>sudo</a:t>
+            </a:r>
+            <a:r>
+              <a:rPr lang="en-US" dirty="0"/>
+              <a:t> docker inspect my-container （</a:t>
+            </a:r>
+            <a:r>
+              <a:rPr lang="en-US" dirty="0" err="1"/>
+              <a:t>可以看到掛載的位置</a:t>
+            </a:r>
+            <a:r>
+              <a:rPr lang="en-US" dirty="0"/>
+              <a:t>）</a:t>
+            </a:r>
+          </a:p>
+          <a:p>
+            <a:r>
+              <a:rPr lang="en-US" dirty="0"/>
+              <a:t>"Mounts": [</a:t>
+            </a:r>
+          </a:p>
+          <a:p>
+            <a:r>
+              <a:rPr lang="en-US" dirty="0"/>
+              <a:t>    {</a:t>
+            </a:r>
+          </a:p>
+          <a:p>
+            <a:r>
+              <a:rPr lang="en-US" dirty="0"/>
+              <a:t>        "Type": "bind",</a:t>
+            </a:r>
+          </a:p>
+          <a:p>
+            <a:r>
+              <a:rPr lang="en-US" dirty="0"/>
+              <a:t>        "Source": "/host/directory",</a:t>
+            </a:r>
+          </a:p>
+          <a:p>
+            <a:r>
+              <a:rPr lang="en-US" dirty="0"/>
+              <a:t>        "Destination": "/container/directory",</a:t>
+            </a:r>
+          </a:p>
+          <a:p>
+            <a:r>
+              <a:rPr lang="en-US" dirty="0"/>
+              <a:t>        "Mode": "</a:t>
+            </a:r>
+            <a:r>
+              <a:rPr lang="en-US" dirty="0" err="1"/>
+              <a:t>rw</a:t>
+            </a:r>
+            <a:r>
+              <a:rPr lang="en-US" dirty="0"/>
+              <a:t>",</a:t>
+            </a:r>
+          </a:p>
+          <a:p>
+            <a:r>
+              <a:rPr lang="en-US" dirty="0"/>
+              <a:t>        "RW": true,</a:t>
+            </a:r>
+          </a:p>
+          <a:p>
+            <a:r>
+              <a:rPr lang="en-US" dirty="0"/>
+              <a:t>        "Propagation": "</a:t>
+            </a:r>
+            <a:r>
+              <a:rPr lang="en-US" dirty="0" err="1"/>
+              <a:t>rprivate</a:t>
+            </a:r>
+            <a:r>
+              <a:rPr lang="en-US" dirty="0"/>
+              <a:t>"</a:t>
+            </a:r>
+          </a:p>
+          <a:p>
+            <a:r>
+              <a:rPr lang="en-US" dirty="0"/>
+              <a:t>    }</a:t>
+            </a:r>
+          </a:p>
+          <a:p>
+            <a:r>
+              <a:rPr lang="en-US" dirty="0"/>
+              <a:t>]</a:t>
+            </a:r>
+          </a:p>
+          <a:p>
+            <a:r>
+              <a:rPr lang="en-US" dirty="0" err="1">
+                <a:solidFill>
+                  <a:srgbClr val="000000"/>
+                </a:solidFill>
+                <a:effectLst/>
+                <a:latin typeface="Menlo" panose="020B0609030804020204" pitchFamily="49" charset="0"/>
+              </a:rPr>
+              <a:t>sudo</a:t>
+            </a:r>
+            <a:r>
+              <a:rPr lang="en-US" dirty="0">
+                <a:solidFill>
+                  <a:srgbClr val="000000"/>
+                </a:solidFill>
+                <a:effectLst/>
+                <a:latin typeface="Menlo" panose="020B0609030804020204" pitchFamily="49" charset="0"/>
+              </a:rPr>
+              <a:t> docker run -it -d --name=p1 -p 9500:5000 -v /home/ubuntu/Desktop/</a:t>
+            </a:r>
+            <a:r>
+              <a:rPr lang="en-US" dirty="0" err="1">
+                <a:solidFill>
+                  <a:srgbClr val="000000"/>
+                </a:solidFill>
+                <a:effectLst/>
+                <a:latin typeface="Menlo" panose="020B0609030804020204" pitchFamily="49" charset="0"/>
+              </a:rPr>
+              <a:t>first_deploy</a:t>
+            </a:r>
+            <a:r>
+              <a:rPr lang="en-US" dirty="0">
+                <a:solidFill>
+                  <a:srgbClr val="000000"/>
+                </a:solidFill>
+                <a:effectLst/>
+                <a:latin typeface="Menlo" panose="020B0609030804020204" pitchFamily="49" charset="0"/>
+              </a:rPr>
+              <a:t>:/root/</a:t>
+            </a:r>
+            <a:r>
+              <a:rPr lang="en-US" dirty="0" err="1">
+                <a:solidFill>
+                  <a:srgbClr val="000000"/>
+                </a:solidFill>
+                <a:effectLst/>
+                <a:latin typeface="Menlo" panose="020B0609030804020204" pitchFamily="49" charset="0"/>
+              </a:rPr>
+              <a:t>first_deploy</a:t>
+            </a:r>
+            <a:r>
+              <a:rPr lang="en-US" dirty="0">
+                <a:solidFill>
+                  <a:srgbClr val="000000"/>
+                </a:solidFill>
+                <a:effectLst/>
+                <a:latin typeface="Menlo" panose="020B0609030804020204" pitchFamily="49" charset="0"/>
+              </a:rPr>
+              <a:t> --net </a:t>
+            </a:r>
+            <a:r>
+              <a:rPr lang="en-US" dirty="0" err="1">
+                <a:solidFill>
+                  <a:srgbClr val="000000"/>
+                </a:solidFill>
+                <a:effectLst/>
+                <a:latin typeface="Menlo" panose="020B0609030804020204" pitchFamily="49" charset="0"/>
+              </a:rPr>
+              <a:t>mynet</a:t>
+            </a:r>
+            <a:r>
+              <a:rPr lang="en-US" dirty="0">
+                <a:solidFill>
+                  <a:srgbClr val="000000"/>
+                </a:solidFill>
+                <a:effectLst/>
+                <a:latin typeface="Menlo" panose="020B0609030804020204" pitchFamily="49" charset="0"/>
+              </a:rPr>
+              <a:t> --</a:t>
+            </a:r>
+            <a:r>
+              <a:rPr lang="en-US" dirty="0" err="1">
+                <a:solidFill>
+                  <a:srgbClr val="000000"/>
+                </a:solidFill>
+                <a:effectLst/>
+                <a:latin typeface="Menlo" panose="020B0609030804020204" pitchFamily="49" charset="0"/>
+              </a:rPr>
+              <a:t>ip</a:t>
+            </a:r>
+            <a:r>
+              <a:rPr lang="en-US" dirty="0">
+                <a:solidFill>
+                  <a:srgbClr val="000000"/>
+                </a:solidFill>
+                <a:effectLst/>
+                <a:latin typeface="Menlo" panose="020B0609030804020204" pitchFamily="49" charset="0"/>
+              </a:rPr>
+              <a:t> 172.18.0.2 python:3.10 bash (掛載到p1)</a:t>
+            </a:r>
+          </a:p>
+          <a:p>
+            <a:endParaRPr lang="en-US" dirty="0"/>
+          </a:p>
+          <a:p>
+            <a:endParaRPr lang="en-US" dirty="0"/>
           </a:p>
         </p:txBody>
       </p:sp>
@@ -7289,4 +8031,319 @@
     </a:ext>
   </a:extLst>
 </a:theme>
+</file>
+
+<file path=ppt/theme/theme2.xml><?xml version="1.0" encoding="utf-8"?>
+<a:theme xmlns:a="http://schemas.openxmlformats.org/drawingml/2006/main" name="Office Theme">
+  <a:themeElements>
+    <a:clrScheme name="Office">
+      <a:dk1>
+        <a:sysClr val="windowText" lastClr="000000"/>
+      </a:dk1>
+      <a:lt1>
+        <a:sysClr val="window" lastClr="FFFFFF"/>
+      </a:lt1>
+      <a:dk2>
+        <a:srgbClr val="0E2841"/>
+      </a:dk2>
+      <a:lt2>
+        <a:srgbClr val="E8E8E8"/>
+      </a:lt2>
+      <a:accent1>
+        <a:srgbClr val="156082"/>
+      </a:accent1>
+      <a:accent2>
+        <a:srgbClr val="E97132"/>
+      </a:accent2>
+      <a:accent3>
+        <a:srgbClr val="196B24"/>
+      </a:accent3>
+      <a:accent4>
+        <a:srgbClr val="0F9ED5"/>
+      </a:accent4>
+      <a:accent5>
+        <a:srgbClr val="A02B93"/>
+      </a:accent5>
+      <a:accent6>
+        <a:srgbClr val="4EA72E"/>
+      </a:accent6>
+      <a:hlink>
+        <a:srgbClr val="467886"/>
+      </a:hlink>
+      <a:folHlink>
+        <a:srgbClr val="96607D"/>
+      </a:folHlink>
+    </a:clrScheme>
+    <a:fontScheme name="Office">
+      <a:majorFont>
+        <a:latin typeface="Aptos Display" panose="02110004020202020204"/>
+        <a:ea typeface=""/>
+        <a:cs typeface=""/>
+        <a:font script="Jpan" typeface="游ゴシック Light"/>
+        <a:font script="Hang" typeface="맑은 고딕"/>
+        <a:font script="Hans" typeface="等线 Light"/>
+        <a:font script="Hant" typeface="新細明體"/>
+        <a:font script="Arab" typeface="Times New Roman"/>
+        <a:font script="Hebr" typeface="Times New Roman"/>
+        <a:font script="Thai" typeface="Angsana New"/>
+        <a:font script="Ethi" typeface="Nyala"/>
+        <a:font script="Beng" typeface="Vrinda"/>
+        <a:font script="Gujr" typeface="Shruti"/>
+        <a:font script="Khmr" typeface="MoolBoran"/>
+        <a:font script="Knda" typeface="Tunga"/>
+        <a:font script="Guru" typeface="Raavi"/>
+        <a:font script="Cans" typeface="Euphemia"/>
+        <a:font script="Cher" typeface="Plantagenet Cherokee"/>
+        <a:font script="Yiii" typeface="Microsoft Yi Baiti"/>
+        <a:font script="Tibt" typeface="Microsoft Himalaya"/>
+        <a:font script="Thaa" typeface="MV Boli"/>
+        <a:font script="Deva" typeface="Mangal"/>
+        <a:font script="Telu" typeface="Gautami"/>
+        <a:font script="Taml" typeface="Latha"/>
+        <a:font script="Syrc" typeface="Estrangelo Edessa"/>
+        <a:font script="Orya" typeface="Kalinga"/>
+        <a:font script="Mlym" typeface="Kartika"/>
+        <a:font script="Laoo" typeface="DokChampa"/>
+        <a:font script="Sinh" typeface="Iskoola Pota"/>
+        <a:font script="Mong" typeface="Mongolian Baiti"/>
+        <a:font script="Viet" typeface="Times New Roman"/>
+        <a:font script="Uigh" typeface="Microsoft Uighur"/>
+        <a:font script="Geor" typeface="Sylfaen"/>
+        <a:font script="Armn" typeface="Arial"/>
+        <a:font script="Bugi" typeface="Leelawadee UI"/>
+        <a:font script="Bopo" typeface="Microsoft JhengHei"/>
+        <a:font script="Java" typeface="Javanese Text"/>
+        <a:font script="Lisu" typeface="Segoe UI"/>
+        <a:font script="Mymr" typeface="Myanmar Text"/>
+        <a:font script="Nkoo" typeface="Ebrima"/>
+        <a:font script="Olck" typeface="Nirmala UI"/>
+        <a:font script="Osma" typeface="Ebrima"/>
+        <a:font script="Phag" typeface="Phagspa"/>
+        <a:font script="Syrn" typeface="Estrangelo Edessa"/>
+        <a:font script="Syrj" typeface="Estrangelo Edessa"/>
+        <a:font script="Syre" typeface="Estrangelo Edessa"/>
+        <a:font script="Sora" typeface="Nirmala UI"/>
+        <a:font script="Tale" typeface="Microsoft Tai Le"/>
+        <a:font script="Talu" typeface="Microsoft New Tai Lue"/>
+        <a:font script="Tfng" typeface="Ebrima"/>
+      </a:majorFont>
+      <a:minorFont>
+        <a:latin typeface="Aptos" panose="02110004020202020204"/>
+        <a:ea typeface=""/>
+        <a:cs typeface=""/>
+        <a:font script="Jpan" typeface="游ゴシック"/>
+        <a:font script="Hang" typeface="맑은 고딕"/>
+        <a:font script="Hans" typeface="等线"/>
+        <a:font script="Hant" typeface="新細明體"/>
+        <a:font script="Arab" typeface="Arial"/>
+        <a:font script="Hebr" typeface="Arial"/>
+        <a:font script="Thai" typeface="Cordia New"/>
+        <a:font script="Ethi" typeface="Nyala"/>
+        <a:font script="Beng" typeface="Vrinda"/>
+        <a:font script="Gujr" typeface="Shruti"/>
+        <a:font script="Khmr" typeface="DaunPenh"/>
+        <a:font script="Knda" typeface="Tunga"/>
+        <a:font script="Guru" typeface="Raavi"/>
+        <a:font script="Cans" typeface="Euphemia"/>
+        <a:font script="Cher" typeface="Plantagenet Cherokee"/>
+        <a:font script="Yiii" typeface="Microsoft Yi Baiti"/>
+        <a:font script="Tibt" typeface="Microsoft Himalaya"/>
+        <a:font script="Thaa" typeface="MV Boli"/>
+        <a:font script="Deva" typeface="Mangal"/>
+        <a:font script="Telu" typeface="Gautami"/>
+        <a:font script="Taml" typeface="Latha"/>
+        <a:font script="Syrc" typeface="Estrangelo Edessa"/>
+        <a:font script="Orya" typeface="Kalinga"/>
+        <a:font script="Mlym" typeface="Kartika"/>
+        <a:font script="Laoo" typeface="DokChampa"/>
+        <a:font script="Sinh" typeface="Iskoola Pota"/>
+        <a:font script="Mong" typeface="Mongolian Baiti"/>
+        <a:font script="Viet" typeface="Arial"/>
+        <a:font script="Uigh" typeface="Microsoft Uighur"/>
+        <a:font script="Geor" typeface="Sylfaen"/>
+        <a:font script="Armn" typeface="Arial"/>
+        <a:font script="Bugi" typeface="Leelawadee UI"/>
+        <a:font script="Bopo" typeface="Microsoft JhengHei"/>
+        <a:font script="Java" typeface="Javanese Text"/>
+        <a:font script="Lisu" typeface="Segoe UI"/>
+        <a:font script="Mymr" typeface="Myanmar Text"/>
+        <a:font script="Nkoo" typeface="Ebrima"/>
+        <a:font script="Olck" typeface="Nirmala UI"/>
+        <a:font script="Osma" typeface="Ebrima"/>
+        <a:font script="Phag" typeface="Phagspa"/>
+        <a:font script="Syrn" typeface="Estrangelo Edessa"/>
+        <a:font script="Syrj" typeface="Estrangelo Edessa"/>
+        <a:font script="Syre" typeface="Estrangelo Edessa"/>
+        <a:font script="Sora" typeface="Nirmala UI"/>
+        <a:font script="Tale" typeface="Microsoft Tai Le"/>
+        <a:font script="Talu" typeface="Microsoft New Tai Lue"/>
+        <a:font script="Tfng" typeface="Ebrima"/>
+      </a:minorFont>
+    </a:fontScheme>
+    <a:fmtScheme name="Office">
+      <a:fillStyleLst>
+        <a:solidFill>
+          <a:schemeClr val="phClr"/>
+        </a:solidFill>
+        <a:gradFill rotWithShape="1">
+          <a:gsLst>
+            <a:gs pos="0">
+              <a:schemeClr val="phClr">
+                <a:lumMod val="110000"/>
+                <a:satMod val="105000"/>
+                <a:tint val="67000"/>
+              </a:schemeClr>
+            </a:gs>
+            <a:gs pos="50000">
+              <a:schemeClr val="phClr">
+                <a:lumMod val="105000"/>
+                <a:satMod val="103000"/>
+                <a:tint val="73000"/>
+              </a:schemeClr>
+            </a:gs>
+            <a:gs pos="100000">
+              <a:schemeClr val="phClr">
+                <a:lumMod val="105000"/>
+                <a:satMod val="109000"/>
+                <a:tint val="81000"/>
+              </a:schemeClr>
+            </a:gs>
+          </a:gsLst>
+          <a:lin ang="5400000" scaled="0"/>
+        </a:gradFill>
+        <a:gradFill rotWithShape="1">
+          <a:gsLst>
+            <a:gs pos="0">
+              <a:schemeClr val="phClr">
+                <a:satMod val="103000"/>
+                <a:lumMod val="102000"/>
+                <a:tint val="94000"/>
+              </a:schemeClr>
+            </a:gs>
+            <a:gs pos="50000">
+              <a:schemeClr val="phClr">
+                <a:satMod val="110000"/>
+                <a:lumMod val="100000"/>
+                <a:shade val="100000"/>
+              </a:schemeClr>
+            </a:gs>
+            <a:gs pos="100000">
+              <a:schemeClr val="phClr">
+                <a:lumMod val="99000"/>
+                <a:satMod val="120000"/>
+                <a:shade val="78000"/>
+              </a:schemeClr>
+            </a:gs>
+          </a:gsLst>
+          <a:lin ang="5400000" scaled="0"/>
+        </a:gradFill>
+      </a:fillStyleLst>
+      <a:lnStyleLst>
+        <a:ln w="12700" cap="flat" cmpd="sng" algn="ctr">
+          <a:solidFill>
+            <a:schemeClr val="phClr"/>
+          </a:solidFill>
+          <a:prstDash val="solid"/>
+          <a:miter lim="800000"/>
+        </a:ln>
+        <a:ln w="19050" cap="flat" cmpd="sng" algn="ctr">
+          <a:solidFill>
+            <a:schemeClr val="phClr"/>
+          </a:solidFill>
+          <a:prstDash val="solid"/>
+          <a:miter lim="800000"/>
+        </a:ln>
+        <a:ln w="25400" cap="flat" cmpd="sng" algn="ctr">
+          <a:solidFill>
+            <a:schemeClr val="phClr"/>
+          </a:solidFill>
+          <a:prstDash val="solid"/>
+          <a:miter lim="800000"/>
+        </a:ln>
+      </a:lnStyleLst>
+      <a:effectStyleLst>
+        <a:effectStyle>
+          <a:effectLst/>
+        </a:effectStyle>
+        <a:effectStyle>
+          <a:effectLst/>
+        </a:effectStyle>
+        <a:effectStyle>
+          <a:effectLst>
+            <a:outerShdw blurRad="57150" dist="19050" dir="5400000" algn="ctr" rotWithShape="0">
+              <a:srgbClr val="000000">
+                <a:alpha val="63000"/>
+              </a:srgbClr>
+            </a:outerShdw>
+          </a:effectLst>
+        </a:effectStyle>
+      </a:effectStyleLst>
+      <a:bgFillStyleLst>
+        <a:solidFill>
+          <a:schemeClr val="phClr"/>
+        </a:solidFill>
+        <a:solidFill>
+          <a:schemeClr val="phClr">
+            <a:tint val="95000"/>
+            <a:satMod val="170000"/>
+          </a:schemeClr>
+        </a:solidFill>
+        <a:gradFill rotWithShape="1">
+          <a:gsLst>
+            <a:gs pos="0">
+              <a:schemeClr val="phClr">
+                <a:tint val="93000"/>
+                <a:satMod val="150000"/>
+                <a:shade val="98000"/>
+                <a:lumMod val="102000"/>
+              </a:schemeClr>
+            </a:gs>
+            <a:gs pos="50000">
+              <a:schemeClr val="phClr">
+                <a:tint val="98000"/>
+                <a:satMod val="130000"/>
+                <a:shade val="90000"/>
+                <a:lumMod val="103000"/>
+              </a:schemeClr>
+            </a:gs>
+            <a:gs pos="100000">
+              <a:schemeClr val="phClr">
+                <a:shade val="63000"/>
+                <a:satMod val="120000"/>
+              </a:schemeClr>
+            </a:gs>
+          </a:gsLst>
+          <a:lin ang="5400000" scaled="0"/>
+        </a:gradFill>
+      </a:bgFillStyleLst>
+    </a:fmtScheme>
+  </a:themeElements>
+  <a:objectDefaults>
+    <a:lnDef>
+      <a:spPr/>
+      <a:bodyPr/>
+      <a:lstStyle/>
+      <a:style>
+        <a:lnRef idx="2">
+          <a:schemeClr val="accent1"/>
+        </a:lnRef>
+        <a:fillRef idx="0">
+          <a:schemeClr val="accent1"/>
+        </a:fillRef>
+        <a:effectRef idx="1">
+          <a:schemeClr val="accent1"/>
+        </a:effectRef>
+        <a:fontRef idx="minor">
+          <a:schemeClr val="tx1"/>
+        </a:fontRef>
+      </a:style>
+    </a:lnDef>
+  </a:objectDefaults>
+  <a:extraClrSchemeLst/>
+  <a:extLst>
+    <a:ext uri="{05A4C25C-085E-4340-85A3-A5531E510DB2}">
+      <thm15:themeFamily xmlns:thm15="http://schemas.microsoft.com/office/thememl/2012/main" name="Office Theme" id="{2E142A2C-CD16-42D6-873A-C26D2A0506FA}" vid="{1BDDFF52-6CD6-40A5-AB3C-68EB2F1E4D0A}"/>
+    </a:ext>
+  </a:extLst>
+</a:theme>
 </file>
--- a/multipass_ubuntu_installation/ubuntu_installation.pptx
+++ b/multipass_ubuntu_installation/ubuntu_installation.pptx
@@ -5,7 +5,7 @@
     <p:sldMasterId id="2147483648" r:id="rId1"/>
   </p:sldMasterIdLst>
   <p:notesMasterIdLst>
-    <p:notesMasterId r:id="rId20"/>
+    <p:notesMasterId r:id="rId22"/>
   </p:notesMasterIdLst>
   <p:sldIdLst>
     <p:sldId id="256" r:id="rId2"/>
@@ -24,8 +24,10 @@
     <p:sldId id="269" r:id="rId15"/>
     <p:sldId id="270" r:id="rId16"/>
     <p:sldId id="271" r:id="rId17"/>
-    <p:sldId id="272" r:id="rId18"/>
-    <p:sldId id="273" r:id="rId19"/>
+    <p:sldId id="277" r:id="rId18"/>
+    <p:sldId id="278" r:id="rId19"/>
+    <p:sldId id="274" r:id="rId20"/>
+    <p:sldId id="276" r:id="rId21"/>
   </p:sldIdLst>
   <p:sldSz cx="12192000" cy="6858000"/>
   <p:notesSz cx="6858000" cy="9144000"/>
@@ -214,7 +216,7 @@
           <a:p>
             <a:fld id="{CF2D859C-CECB-8648-A934-6D72FBAFBB78}" type="datetimeFigureOut">
               <a:rPr lang="en-US" smtClean="0"/>
-              <a:t>6/20/24</a:t>
+              <a:t>6/21/24</a:t>
             </a:fld>
             <a:endParaRPr lang="en-US"/>
           </a:p>
@@ -712,7 +714,7 @@
           <a:p>
             <a:fld id="{97F9C446-69A2-AE4F-B39C-3BC9C1AA63A1}" type="datetimeFigureOut">
               <a:rPr lang="en-US" smtClean="0"/>
-              <a:t>6/20/24</a:t>
+              <a:t>6/21/24</a:t>
             </a:fld>
             <a:endParaRPr lang="en-US"/>
           </a:p>
@@ -910,7 +912,7 @@
           <a:p>
             <a:fld id="{97F9C446-69A2-AE4F-B39C-3BC9C1AA63A1}" type="datetimeFigureOut">
               <a:rPr lang="en-US" smtClean="0"/>
-              <a:t>6/20/24</a:t>
+              <a:t>6/21/24</a:t>
             </a:fld>
             <a:endParaRPr lang="en-US"/>
           </a:p>
@@ -1118,7 +1120,7 @@
           <a:p>
             <a:fld id="{97F9C446-69A2-AE4F-B39C-3BC9C1AA63A1}" type="datetimeFigureOut">
               <a:rPr lang="en-US" smtClean="0"/>
-              <a:t>6/20/24</a:t>
+              <a:t>6/21/24</a:t>
             </a:fld>
             <a:endParaRPr lang="en-US"/>
           </a:p>
@@ -1316,7 +1318,7 @@
           <a:p>
             <a:fld id="{97F9C446-69A2-AE4F-B39C-3BC9C1AA63A1}" type="datetimeFigureOut">
               <a:rPr lang="en-US" smtClean="0"/>
-              <a:t>6/20/24</a:t>
+              <a:t>6/21/24</a:t>
             </a:fld>
             <a:endParaRPr lang="en-US"/>
           </a:p>
@@ -1591,7 +1593,7 @@
           <a:p>
             <a:fld id="{97F9C446-69A2-AE4F-B39C-3BC9C1AA63A1}" type="datetimeFigureOut">
               <a:rPr lang="en-US" smtClean="0"/>
-              <a:t>6/20/24</a:t>
+              <a:t>6/21/24</a:t>
             </a:fld>
             <a:endParaRPr lang="en-US"/>
           </a:p>
@@ -1856,7 +1858,7 @@
           <a:p>
             <a:fld id="{97F9C446-69A2-AE4F-B39C-3BC9C1AA63A1}" type="datetimeFigureOut">
               <a:rPr lang="en-US" smtClean="0"/>
-              <a:t>6/20/24</a:t>
+              <a:t>6/21/24</a:t>
             </a:fld>
             <a:endParaRPr lang="en-US"/>
           </a:p>
@@ -2268,7 +2270,7 @@
           <a:p>
             <a:fld id="{97F9C446-69A2-AE4F-B39C-3BC9C1AA63A1}" type="datetimeFigureOut">
               <a:rPr lang="en-US" smtClean="0"/>
-              <a:t>6/20/24</a:t>
+              <a:t>6/21/24</a:t>
             </a:fld>
             <a:endParaRPr lang="en-US"/>
           </a:p>
@@ -2409,7 +2411,7 @@
           <a:p>
             <a:fld id="{97F9C446-69A2-AE4F-B39C-3BC9C1AA63A1}" type="datetimeFigureOut">
               <a:rPr lang="en-US" smtClean="0"/>
-              <a:t>6/20/24</a:t>
+              <a:t>6/21/24</a:t>
             </a:fld>
             <a:endParaRPr lang="en-US"/>
           </a:p>
@@ -2522,7 +2524,7 @@
           <a:p>
             <a:fld id="{97F9C446-69A2-AE4F-B39C-3BC9C1AA63A1}" type="datetimeFigureOut">
               <a:rPr lang="en-US" smtClean="0"/>
-              <a:t>6/20/24</a:t>
+              <a:t>6/21/24</a:t>
             </a:fld>
             <a:endParaRPr lang="en-US"/>
           </a:p>
@@ -2833,7 +2835,7 @@
           <a:p>
             <a:fld id="{97F9C446-69A2-AE4F-B39C-3BC9C1AA63A1}" type="datetimeFigureOut">
               <a:rPr lang="en-US" smtClean="0"/>
-              <a:t>6/20/24</a:t>
+              <a:t>6/21/24</a:t>
             </a:fld>
             <a:endParaRPr lang="en-US"/>
           </a:p>
@@ -3121,7 +3123,7 @@
           <a:p>
             <a:fld id="{97F9C446-69A2-AE4F-B39C-3BC9C1AA63A1}" type="datetimeFigureOut">
               <a:rPr lang="en-US" smtClean="0"/>
-              <a:t>6/20/24</a:t>
+              <a:t>6/21/24</a:t>
             </a:fld>
             <a:endParaRPr lang="en-US"/>
           </a:p>
@@ -3362,7 +3364,7 @@
           <a:p>
             <a:fld id="{97F9C446-69A2-AE4F-B39C-3BC9C1AA63A1}" type="datetimeFigureOut">
               <a:rPr lang="en-US" smtClean="0"/>
-              <a:t>6/20/24</a:t>
+              <a:t>6/21/24</a:t>
             </a:fld>
             <a:endParaRPr lang="en-US"/>
           </a:p>
@@ -5013,9 +5015,10 @@
           <a:lstStyle/>
           <a:p>
             <a:r>
-              <a:rPr lang="en-US" dirty="0"/>
-              <a:t>d</a:t>
-            </a:r>
+              <a:rPr lang="en-US" dirty="0" err="1"/>
+              <a:t>容器打開app.py</a:t>
+            </a:r>
+            <a:endParaRPr lang="en-US" dirty="0"/>
           </a:p>
         </p:txBody>
       </p:sp>
@@ -5043,25 +5046,101 @@
           <a:lstStyle/>
           <a:p>
             <a:r>
-              <a:rPr lang="en-US" dirty="0"/>
-              <a:t>https://</a:t>
-            </a:r>
-            <a:r>
               <a:rPr lang="en-US" dirty="0" err="1"/>
-              <a:t>sinyilin.github.io</a:t>
-            </a:r>
-            <a:r>
-              <a:rPr lang="en-US" dirty="0"/>
-              <a:t>/SQL/20230425/4002286829/#</a:t>
-            </a:r>
-            <a:r>
-              <a:rPr lang="en-US"/>
-              <a:t>google_vignette</a:t>
+              <a:t>Mac端打</a:t>
+            </a:r>
+            <a:r>
+              <a:rPr lang="en-US" dirty="0" err="1">
+                <a:hlinkClick r:id="rId2"/>
+              </a:rPr>
+              <a:t>http</a:t>
+            </a:r>
+            <a:r>
+              <a:rPr lang="en-US" dirty="0">
+                <a:hlinkClick r:id="rId2"/>
+              </a:rPr>
+              <a:t>://192.168.64.4:9500/user_detail/search-user_detail-list</a:t>
             </a:r>
             <a:endParaRPr lang="en-US" dirty="0"/>
           </a:p>
-        </p:txBody>
-      </p:sp>
+          <a:p>
+            <a:r>
+              <a:rPr lang="en-US" dirty="0"/>
+              <a:t>由</a:t>
+            </a:r>
+            <a:r>
+              <a:rPr lang="en-US" dirty="0">
+                <a:hlinkClick r:id="rId2"/>
+              </a:rPr>
+              <a:t>192.168.64.4</a:t>
+            </a:r>
+            <a:r>
+              <a:rPr lang="en-US" dirty="0"/>
+              <a:t>的9500端口對印到172.18.0.2:5000</a:t>
+            </a:r>
+          </a:p>
+        </p:txBody>
+      </p:sp>
+      <p:pic>
+        <p:nvPicPr>
+          <p:cNvPr id="4" name="Picture 3">
+            <a:extLst>
+              <a:ext uri="{FF2B5EF4-FFF2-40B4-BE49-F238E27FC236}">
+                <a16:creationId xmlns:a16="http://schemas.microsoft.com/office/drawing/2014/main" id="{07901D7B-BC73-FAD5-3C4F-616E73918545}"/>
+              </a:ext>
+            </a:extLst>
+          </p:cNvPr>
+          <p:cNvPicPr>
+            <a:picLocks noChangeAspect="1"/>
+          </p:cNvPicPr>
+          <p:nvPr/>
+        </p:nvPicPr>
+        <p:blipFill>
+          <a:blip r:embed="rId3"/>
+          <a:stretch>
+            <a:fillRect/>
+          </a:stretch>
+        </p:blipFill>
+        <p:spPr>
+          <a:xfrm>
+            <a:off x="1069676" y="3275736"/>
+            <a:ext cx="9459260" cy="2059677"/>
+          </a:xfrm>
+          <a:prstGeom prst="rect">
+            <a:avLst/>
+          </a:prstGeom>
+        </p:spPr>
+      </p:pic>
+      <p:pic>
+        <p:nvPicPr>
+          <p:cNvPr id="5" name="Picture 4">
+            <a:extLst>
+              <a:ext uri="{FF2B5EF4-FFF2-40B4-BE49-F238E27FC236}">
+                <a16:creationId xmlns:a16="http://schemas.microsoft.com/office/drawing/2014/main" id="{00D6415F-6B72-A398-413B-5A1B001825B7}"/>
+              </a:ext>
+            </a:extLst>
+          </p:cNvPr>
+          <p:cNvPicPr>
+            <a:picLocks noChangeAspect="1"/>
+          </p:cNvPicPr>
+          <p:nvPr/>
+        </p:nvPicPr>
+        <p:blipFill>
+          <a:blip r:embed="rId4"/>
+          <a:stretch>
+            <a:fillRect/>
+          </a:stretch>
+        </p:blipFill>
+        <p:spPr>
+          <a:xfrm>
+            <a:off x="7784883" y="4305574"/>
+            <a:ext cx="4940300" cy="2768600"/>
+          </a:xfrm>
+          <a:prstGeom prst="rect">
+            <a:avLst/>
+          </a:prstGeom>
+        </p:spPr>
+      </p:pic>
     </p:spTree>
     <p:extLst>
       <p:ext uri="{BB962C8B-B14F-4D97-AF65-F5344CB8AC3E}">
@@ -5113,52 +5192,6 @@
           <a:bodyPr/>
           <a:lstStyle/>
           <a:p>
-            <a:r>
-              <a:rPr lang="en-US" dirty="0"/>
-              <a:t>d</a:t>
-            </a:r>
-          </a:p>
-        </p:txBody>
-      </p:sp>
-      <p:sp>
-        <p:nvSpPr>
-          <p:cNvPr id="3" name="Content Placeholder 2">
-            <a:extLst>
-              <a:ext uri="{FF2B5EF4-FFF2-40B4-BE49-F238E27FC236}">
-                <a16:creationId xmlns:a16="http://schemas.microsoft.com/office/drawing/2014/main" id="{EB749669-5776-01A6-AC9F-83F11B7F6AAE}"/>
-              </a:ext>
-            </a:extLst>
-          </p:cNvPr>
-          <p:cNvSpPr>
-            <a:spLocks noGrp="1"/>
-          </p:cNvSpPr>
-          <p:nvPr>
-            <p:ph idx="1"/>
-          </p:nvPr>
-        </p:nvSpPr>
-        <p:spPr/>
-        <p:txBody>
-          <a:bodyPr>
-            <a:normAutofit/>
-          </a:bodyPr>
-          <a:lstStyle/>
-          <a:p>
-            <a:r>
-              <a:rPr lang="en-US" dirty="0"/>
-              <a:t>https://</a:t>
-            </a:r>
-            <a:r>
-              <a:rPr lang="en-US" dirty="0" err="1"/>
-              <a:t>sinyilin.github.io</a:t>
-            </a:r>
-            <a:r>
-              <a:rPr lang="en-US" dirty="0"/>
-              <a:t>/SQL/20230425/4002286829/#</a:t>
-            </a:r>
-            <a:r>
-              <a:rPr lang="en-US"/>
-              <a:t>google_vignette</a:t>
-            </a:r>
             <a:endParaRPr lang="en-US" dirty="0"/>
           </a:p>
         </p:txBody>
@@ -5166,7 +5199,7 @@
     </p:spTree>
     <p:extLst>
       <p:ext uri="{BB962C8B-B14F-4D97-AF65-F5344CB8AC3E}">
-        <p14:creationId xmlns:p14="http://schemas.microsoft.com/office/powerpoint/2010/main" val="4086514996"/>
+        <p14:creationId xmlns:p14="http://schemas.microsoft.com/office/powerpoint/2010/main" val="3774609067"/>
       </p:ext>
     </p:extLst>
   </p:cSld>
@@ -5214,52 +5247,6 @@
           <a:bodyPr/>
           <a:lstStyle/>
           <a:p>
-            <a:r>
-              <a:rPr lang="en-US" dirty="0"/>
-              <a:t>d</a:t>
-            </a:r>
-          </a:p>
-        </p:txBody>
-      </p:sp>
-      <p:sp>
-        <p:nvSpPr>
-          <p:cNvPr id="3" name="Content Placeholder 2">
-            <a:extLst>
-              <a:ext uri="{FF2B5EF4-FFF2-40B4-BE49-F238E27FC236}">
-                <a16:creationId xmlns:a16="http://schemas.microsoft.com/office/drawing/2014/main" id="{EB749669-5776-01A6-AC9F-83F11B7F6AAE}"/>
-              </a:ext>
-            </a:extLst>
-          </p:cNvPr>
-          <p:cNvSpPr>
-            <a:spLocks noGrp="1"/>
-          </p:cNvSpPr>
-          <p:nvPr>
-            <p:ph idx="1"/>
-          </p:nvPr>
-        </p:nvSpPr>
-        <p:spPr/>
-        <p:txBody>
-          <a:bodyPr>
-            <a:normAutofit/>
-          </a:bodyPr>
-          <a:lstStyle/>
-          <a:p>
-            <a:r>
-              <a:rPr lang="en-US" dirty="0"/>
-              <a:t>https://</a:t>
-            </a:r>
-            <a:r>
-              <a:rPr lang="en-US" dirty="0" err="1"/>
-              <a:t>sinyilin.github.io</a:t>
-            </a:r>
-            <a:r>
-              <a:rPr lang="en-US" dirty="0"/>
-              <a:t>/SQL/20230425/4002286829/#</a:t>
-            </a:r>
-            <a:r>
-              <a:rPr lang="en-US"/>
-              <a:t>google_vignette</a:t>
-            </a:r>
             <a:endParaRPr lang="en-US" dirty="0"/>
           </a:p>
         </p:txBody>
@@ -5267,7 +5254,575 @@
     </p:spTree>
     <p:extLst>
       <p:ext uri="{BB962C8B-B14F-4D97-AF65-F5344CB8AC3E}">
-        <p14:creationId xmlns:p14="http://schemas.microsoft.com/office/powerpoint/2010/main" val="1055511209"/>
+        <p14:creationId xmlns:p14="http://schemas.microsoft.com/office/powerpoint/2010/main" val="1256749202"/>
+      </p:ext>
+    </p:extLst>
+  </p:cSld>
+  <p:clrMapOvr>
+    <a:masterClrMapping/>
+  </p:clrMapOvr>
+</p:sld>
+</file>
+
+<file path=ppt/slides/slide19.xml><?xml version="1.0" encoding="utf-8"?>
+<p:sld xmlns:a="http://schemas.openxmlformats.org/drawingml/2006/main" xmlns:r="http://schemas.openxmlformats.org/officeDocument/2006/relationships" xmlns:p="http://schemas.openxmlformats.org/presentationml/2006/main">
+  <p:cSld>
+    <p:spTree>
+      <p:nvGrpSpPr>
+        <p:cNvPr id="1" name=""/>
+        <p:cNvGrpSpPr/>
+        <p:nvPr/>
+      </p:nvGrpSpPr>
+      <p:grpSpPr>
+        <a:xfrm>
+          <a:off x="0" y="0"/>
+          <a:ext cx="0" cy="0"/>
+          <a:chOff x="0" y="0"/>
+          <a:chExt cx="0" cy="0"/>
+        </a:xfrm>
+      </p:grpSpPr>
+      <p:sp>
+        <p:nvSpPr>
+          <p:cNvPr id="2" name="Title 1">
+            <a:extLst>
+              <a:ext uri="{FF2B5EF4-FFF2-40B4-BE49-F238E27FC236}">
+                <a16:creationId xmlns:a16="http://schemas.microsoft.com/office/drawing/2014/main" id="{8270683C-C47A-3E68-765D-80FFF1E1CD76}"/>
+              </a:ext>
+            </a:extLst>
+          </p:cNvPr>
+          <p:cNvSpPr>
+            <a:spLocks noGrp="1"/>
+          </p:cNvSpPr>
+          <p:nvPr>
+            <p:ph type="title"/>
+          </p:nvPr>
+        </p:nvSpPr>
+        <p:spPr/>
+        <p:txBody>
+          <a:bodyPr/>
+          <a:lstStyle/>
+          <a:p>
+            <a:endParaRPr lang="en-US" dirty="0"/>
+          </a:p>
+        </p:txBody>
+      </p:sp>
+      <p:sp>
+        <p:nvSpPr>
+          <p:cNvPr id="13" name="Rounded Rectangle 12">
+            <a:extLst>
+              <a:ext uri="{FF2B5EF4-FFF2-40B4-BE49-F238E27FC236}">
+                <a16:creationId xmlns:a16="http://schemas.microsoft.com/office/drawing/2014/main" id="{F0AFA41E-C41B-9CC2-ECCA-D11FB46BBCCC}"/>
+              </a:ext>
+            </a:extLst>
+          </p:cNvPr>
+          <p:cNvSpPr/>
+          <p:nvPr/>
+        </p:nvSpPr>
+        <p:spPr>
+          <a:xfrm>
+            <a:off x="926756" y="2278601"/>
+            <a:ext cx="2038865" cy="871150"/>
+          </a:xfrm>
+          <a:prstGeom prst="roundRect">
+            <a:avLst/>
+          </a:prstGeom>
+        </p:spPr>
+        <p:style>
+          <a:lnRef idx="2">
+            <a:schemeClr val="accent6"/>
+          </a:lnRef>
+          <a:fillRef idx="1">
+            <a:schemeClr val="lt1"/>
+          </a:fillRef>
+          <a:effectRef idx="0">
+            <a:schemeClr val="accent6"/>
+          </a:effectRef>
+          <a:fontRef idx="minor">
+            <a:schemeClr val="dk1"/>
+          </a:fontRef>
+        </p:style>
+        <p:txBody>
+          <a:bodyPr rtlCol="0" anchor="ctr"/>
+          <a:lstStyle/>
+          <a:p>
+            <a:pPr algn="ctr"/>
+            <a:r>
+              <a:rPr lang="en-US" dirty="0"/>
+              <a:t>MacOS</a:t>
+            </a:r>
+          </a:p>
+          <a:p>
+            <a:pPr algn="ctr"/>
+            <a:r>
+              <a:rPr lang="en-US" dirty="0">
+                <a:solidFill>
+                  <a:srgbClr val="000000"/>
+                </a:solidFill>
+                <a:effectLst/>
+                <a:latin typeface="Menlo" panose="020B0609030804020204" pitchFamily="49" charset="0"/>
+              </a:rPr>
+              <a:t>192.168.64.1</a:t>
+            </a:r>
+          </a:p>
+        </p:txBody>
+      </p:sp>
+      <p:sp>
+        <p:nvSpPr>
+          <p:cNvPr id="14" name="Rounded Rectangle 13">
+            <a:extLst>
+              <a:ext uri="{FF2B5EF4-FFF2-40B4-BE49-F238E27FC236}">
+                <a16:creationId xmlns:a16="http://schemas.microsoft.com/office/drawing/2014/main" id="{8947C5F0-EB11-071A-5E31-29DE39EA966A}"/>
+              </a:ext>
+            </a:extLst>
+          </p:cNvPr>
+          <p:cNvSpPr/>
+          <p:nvPr/>
+        </p:nvSpPr>
+        <p:spPr>
+          <a:xfrm>
+            <a:off x="4057135" y="2270234"/>
+            <a:ext cx="2038865" cy="871150"/>
+          </a:xfrm>
+          <a:prstGeom prst="roundRect">
+            <a:avLst/>
+          </a:prstGeom>
+        </p:spPr>
+        <p:style>
+          <a:lnRef idx="2">
+            <a:schemeClr val="accent6"/>
+          </a:lnRef>
+          <a:fillRef idx="1">
+            <a:schemeClr val="lt1"/>
+          </a:fillRef>
+          <a:effectRef idx="0">
+            <a:schemeClr val="accent6"/>
+          </a:effectRef>
+          <a:fontRef idx="minor">
+            <a:schemeClr val="dk1"/>
+          </a:fontRef>
+        </p:style>
+        <p:txBody>
+          <a:bodyPr rtlCol="0" anchor="ctr"/>
+          <a:lstStyle/>
+          <a:p>
+            <a:pPr algn="ctr"/>
+            <a:r>
+              <a:rPr lang="en-US" dirty="0"/>
+              <a:t>Ubuntu docker</a:t>
+            </a:r>
+          </a:p>
+          <a:p>
+            <a:pPr algn="ctr"/>
+            <a:r>
+              <a:rPr lang="en-US" dirty="0">
+                <a:solidFill>
+                  <a:srgbClr val="000000"/>
+                </a:solidFill>
+                <a:effectLst/>
+                <a:latin typeface="Menlo" panose="020B0609030804020204" pitchFamily="49" charset="0"/>
+              </a:rPr>
+              <a:t>192.168.64.4</a:t>
+            </a:r>
+          </a:p>
+        </p:txBody>
+      </p:sp>
+      <p:cxnSp>
+        <p:nvCxnSpPr>
+          <p:cNvPr id="16" name="Curved Connector 15">
+            <a:extLst>
+              <a:ext uri="{FF2B5EF4-FFF2-40B4-BE49-F238E27FC236}">
+                <a16:creationId xmlns:a16="http://schemas.microsoft.com/office/drawing/2014/main" id="{E973D369-3B40-6ADE-447B-3D73928B265A}"/>
+              </a:ext>
+            </a:extLst>
+          </p:cNvPr>
+          <p:cNvCxnSpPr>
+            <a:stCxn id="13" idx="0"/>
+            <a:endCxn id="14" idx="0"/>
+          </p:cNvCxnSpPr>
+          <p:nvPr/>
+        </p:nvCxnSpPr>
+        <p:spPr>
+          <a:xfrm rot="5400000" flipH="1" flipV="1">
+            <a:off x="3507195" y="709229"/>
+            <a:ext cx="8367" cy="3130379"/>
+          </a:xfrm>
+          <a:prstGeom prst="curvedConnector3">
+            <a:avLst>
+              <a:gd name="adj1" fmla="val 2832162"/>
+            </a:avLst>
+          </a:prstGeom>
+          <a:ln>
+            <a:tailEnd type="triangle"/>
+          </a:ln>
+        </p:spPr>
+        <p:style>
+          <a:lnRef idx="2">
+            <a:schemeClr val="accent1"/>
+          </a:lnRef>
+          <a:fillRef idx="0">
+            <a:schemeClr val="accent1"/>
+          </a:fillRef>
+          <a:effectRef idx="1">
+            <a:schemeClr val="accent1"/>
+          </a:effectRef>
+          <a:fontRef idx="minor">
+            <a:schemeClr val="tx1"/>
+          </a:fontRef>
+        </p:style>
+      </p:cxnSp>
+      <p:sp>
+        <p:nvSpPr>
+          <p:cNvPr id="17" name="TextBox 16">
+            <a:extLst>
+              <a:ext uri="{FF2B5EF4-FFF2-40B4-BE49-F238E27FC236}">
+                <a16:creationId xmlns:a16="http://schemas.microsoft.com/office/drawing/2014/main" id="{6889E2D6-2707-DE02-3523-2553F346A7D3}"/>
+              </a:ext>
+            </a:extLst>
+          </p:cNvPr>
+          <p:cNvSpPr txBox="1"/>
+          <p:nvPr/>
+        </p:nvSpPr>
+        <p:spPr>
+          <a:xfrm>
+            <a:off x="8162257" y="1907253"/>
+            <a:ext cx="678391" cy="369332"/>
+          </a:xfrm>
+          <a:prstGeom prst="rect">
+            <a:avLst/>
+          </a:prstGeom>
+          <a:noFill/>
+        </p:spPr>
+        <p:txBody>
+          <a:bodyPr wrap="none" rtlCol="0">
+            <a:spAutoFit/>
+          </a:bodyPr>
+          <a:lstStyle/>
+          <a:p>
+            <a:r>
+              <a:rPr lang="en-US" dirty="0"/>
+              <a:t>5000</a:t>
+            </a:r>
+          </a:p>
+        </p:txBody>
+      </p:sp>
+      <p:sp>
+        <p:nvSpPr>
+          <p:cNvPr id="18" name="Rounded Rectangle 17">
+            <a:extLst>
+              <a:ext uri="{FF2B5EF4-FFF2-40B4-BE49-F238E27FC236}">
+                <a16:creationId xmlns:a16="http://schemas.microsoft.com/office/drawing/2014/main" id="{36BA60F9-8BAE-07D0-A698-357031ED1E52}"/>
+              </a:ext>
+            </a:extLst>
+          </p:cNvPr>
+          <p:cNvSpPr/>
+          <p:nvPr/>
+        </p:nvSpPr>
+        <p:spPr>
+          <a:xfrm>
+            <a:off x="7187514" y="2270234"/>
+            <a:ext cx="2038865" cy="871150"/>
+          </a:xfrm>
+          <a:prstGeom prst="roundRect">
+            <a:avLst/>
+          </a:prstGeom>
+        </p:spPr>
+        <p:style>
+          <a:lnRef idx="2">
+            <a:schemeClr val="accent6"/>
+          </a:lnRef>
+          <a:fillRef idx="1">
+            <a:schemeClr val="lt1"/>
+          </a:fillRef>
+          <a:effectRef idx="0">
+            <a:schemeClr val="accent6"/>
+          </a:effectRef>
+          <a:fontRef idx="minor">
+            <a:schemeClr val="dk1"/>
+          </a:fontRef>
+        </p:style>
+        <p:txBody>
+          <a:bodyPr rtlCol="0" anchor="ctr"/>
+          <a:lstStyle/>
+          <a:p>
+            <a:pPr algn="ctr"/>
+            <a:r>
+              <a:rPr lang="en-US" dirty="0"/>
+              <a:t>Python container</a:t>
+            </a:r>
+          </a:p>
+          <a:p>
+            <a:pPr algn="ctr"/>
+            <a:r>
+              <a:rPr lang="en-US" dirty="0">
+                <a:solidFill>
+                  <a:srgbClr val="000000"/>
+                </a:solidFill>
+                <a:effectLst/>
+                <a:latin typeface="Menlo" panose="020B0609030804020204" pitchFamily="49" charset="0"/>
+              </a:rPr>
+              <a:t>172.18.0.2</a:t>
+            </a:r>
+          </a:p>
+        </p:txBody>
+      </p:sp>
+      <p:cxnSp>
+        <p:nvCxnSpPr>
+          <p:cNvPr id="20" name="Curved Connector 19">
+            <a:extLst>
+              <a:ext uri="{FF2B5EF4-FFF2-40B4-BE49-F238E27FC236}">
+                <a16:creationId xmlns:a16="http://schemas.microsoft.com/office/drawing/2014/main" id="{FE339731-C25F-3298-9709-6876F8BD624B}"/>
+              </a:ext>
+            </a:extLst>
+          </p:cNvPr>
+          <p:cNvCxnSpPr>
+            <a:stCxn id="14" idx="0"/>
+            <a:endCxn id="18" idx="0"/>
+          </p:cNvCxnSpPr>
+          <p:nvPr/>
+        </p:nvCxnSpPr>
+        <p:spPr>
+          <a:xfrm rot="5400000" flipH="1" flipV="1">
+            <a:off x="6641757" y="705045"/>
+            <a:ext cx="12700" cy="3130379"/>
+          </a:xfrm>
+          <a:prstGeom prst="curvedConnector3">
+            <a:avLst>
+              <a:gd name="adj1" fmla="val 1800000"/>
+            </a:avLst>
+          </a:prstGeom>
+          <a:ln>
+            <a:tailEnd type="triangle"/>
+          </a:ln>
+        </p:spPr>
+        <p:style>
+          <a:lnRef idx="2">
+            <a:schemeClr val="accent1"/>
+          </a:lnRef>
+          <a:fillRef idx="0">
+            <a:schemeClr val="accent1"/>
+          </a:fillRef>
+          <a:effectRef idx="1">
+            <a:schemeClr val="accent1"/>
+          </a:effectRef>
+          <a:fontRef idx="minor">
+            <a:schemeClr val="tx1"/>
+          </a:fontRef>
+        </p:style>
+      </p:cxnSp>
+      <p:sp>
+        <p:nvSpPr>
+          <p:cNvPr id="21" name="TextBox 20">
+            <a:extLst>
+              <a:ext uri="{FF2B5EF4-FFF2-40B4-BE49-F238E27FC236}">
+                <a16:creationId xmlns:a16="http://schemas.microsoft.com/office/drawing/2014/main" id="{8B19EEE5-8552-BAE6-07A3-7DB28903B684}"/>
+              </a:ext>
+            </a:extLst>
+          </p:cNvPr>
+          <p:cNvSpPr txBox="1"/>
+          <p:nvPr/>
+        </p:nvSpPr>
+        <p:spPr>
+          <a:xfrm>
+            <a:off x="4743721" y="1888426"/>
+            <a:ext cx="678391" cy="369332"/>
+          </a:xfrm>
+          <a:prstGeom prst="rect">
+            <a:avLst/>
+          </a:prstGeom>
+          <a:noFill/>
+        </p:spPr>
+        <p:txBody>
+          <a:bodyPr wrap="none" rtlCol="0">
+            <a:spAutoFit/>
+          </a:bodyPr>
+          <a:lstStyle/>
+          <a:p>
+            <a:r>
+              <a:rPr lang="en-US" dirty="0"/>
+              <a:t>9500</a:t>
+            </a:r>
+          </a:p>
+        </p:txBody>
+      </p:sp>
+      <p:sp>
+        <p:nvSpPr>
+          <p:cNvPr id="23" name="Rounded Rectangle 22">
+            <a:extLst>
+              <a:ext uri="{FF2B5EF4-FFF2-40B4-BE49-F238E27FC236}">
+                <a16:creationId xmlns:a16="http://schemas.microsoft.com/office/drawing/2014/main" id="{56487AC9-B2ED-9A08-8521-CB5DCF6E82CA}"/>
+              </a:ext>
+            </a:extLst>
+          </p:cNvPr>
+          <p:cNvSpPr/>
+          <p:nvPr/>
+        </p:nvSpPr>
+        <p:spPr>
+          <a:xfrm>
+            <a:off x="7193864" y="3716617"/>
+            <a:ext cx="2038865" cy="871150"/>
+          </a:xfrm>
+          <a:prstGeom prst="roundRect">
+            <a:avLst/>
+          </a:prstGeom>
+        </p:spPr>
+        <p:style>
+          <a:lnRef idx="2">
+            <a:schemeClr val="accent6"/>
+          </a:lnRef>
+          <a:fillRef idx="1">
+            <a:schemeClr val="lt1"/>
+          </a:fillRef>
+          <a:effectRef idx="0">
+            <a:schemeClr val="accent6"/>
+          </a:effectRef>
+          <a:fontRef idx="minor">
+            <a:schemeClr val="dk1"/>
+          </a:fontRef>
+        </p:style>
+        <p:txBody>
+          <a:bodyPr rtlCol="0" anchor="ctr"/>
+          <a:lstStyle/>
+          <a:p>
+            <a:pPr algn="ctr"/>
+            <a:r>
+              <a:rPr lang="en-US" dirty="0"/>
+              <a:t>MYSQL container</a:t>
+            </a:r>
+          </a:p>
+          <a:p>
+            <a:pPr algn="ctr"/>
+            <a:r>
+              <a:rPr lang="en-US" dirty="0">
+                <a:solidFill>
+                  <a:srgbClr val="000000"/>
+                </a:solidFill>
+                <a:effectLst/>
+                <a:latin typeface="Menlo" panose="020B0609030804020204" pitchFamily="49" charset="0"/>
+              </a:rPr>
+              <a:t>172.18.0.3</a:t>
+            </a:r>
+          </a:p>
+        </p:txBody>
+      </p:sp>
+      <p:cxnSp>
+        <p:nvCxnSpPr>
+          <p:cNvPr id="24" name="Curved Connector 23">
+            <a:extLst>
+              <a:ext uri="{FF2B5EF4-FFF2-40B4-BE49-F238E27FC236}">
+                <a16:creationId xmlns:a16="http://schemas.microsoft.com/office/drawing/2014/main" id="{F837D1F6-5EBB-FE3C-0CED-E0AB3B8DC30E}"/>
+              </a:ext>
+            </a:extLst>
+          </p:cNvPr>
+          <p:cNvCxnSpPr>
+            <a:cxnSpLocks/>
+            <a:stCxn id="14" idx="2"/>
+            <a:endCxn id="23" idx="0"/>
+          </p:cNvCxnSpPr>
+          <p:nvPr/>
+        </p:nvCxnSpPr>
+        <p:spPr>
+          <a:xfrm rot="16200000" flipH="1">
+            <a:off x="6357316" y="1860635"/>
+            <a:ext cx="575233" cy="3136729"/>
+          </a:xfrm>
+          <a:prstGeom prst="curvedConnector3">
+            <a:avLst>
+              <a:gd name="adj1" fmla="val 50000"/>
+            </a:avLst>
+          </a:prstGeom>
+          <a:ln>
+            <a:tailEnd type="triangle"/>
+          </a:ln>
+        </p:spPr>
+        <p:style>
+          <a:lnRef idx="2">
+            <a:schemeClr val="accent1"/>
+          </a:lnRef>
+          <a:fillRef idx="0">
+            <a:schemeClr val="accent1"/>
+          </a:fillRef>
+          <a:effectRef idx="1">
+            <a:schemeClr val="accent1"/>
+          </a:effectRef>
+          <a:fontRef idx="minor">
+            <a:schemeClr val="tx1"/>
+          </a:fontRef>
+        </p:style>
+      </p:cxnSp>
+      <p:sp>
+        <p:nvSpPr>
+          <p:cNvPr id="27" name="TextBox 26">
+            <a:extLst>
+              <a:ext uri="{FF2B5EF4-FFF2-40B4-BE49-F238E27FC236}">
+                <a16:creationId xmlns:a16="http://schemas.microsoft.com/office/drawing/2014/main" id="{F034138D-4A5E-73D9-AECA-B58657BD55A4}"/>
+              </a:ext>
+            </a:extLst>
+          </p:cNvPr>
+          <p:cNvSpPr txBox="1"/>
+          <p:nvPr/>
+        </p:nvSpPr>
+        <p:spPr>
+          <a:xfrm>
+            <a:off x="4743721" y="3299618"/>
+            <a:ext cx="678391" cy="369332"/>
+          </a:xfrm>
+          <a:prstGeom prst="rect">
+            <a:avLst/>
+          </a:prstGeom>
+          <a:noFill/>
+        </p:spPr>
+        <p:txBody>
+          <a:bodyPr wrap="none" rtlCol="0">
+            <a:spAutoFit/>
+          </a:bodyPr>
+          <a:lstStyle/>
+          <a:p>
+            <a:r>
+              <a:rPr lang="en-US" dirty="0"/>
+              <a:t>4360</a:t>
+            </a:r>
+          </a:p>
+        </p:txBody>
+      </p:sp>
+      <p:sp>
+        <p:nvSpPr>
+          <p:cNvPr id="28" name="TextBox 27">
+            <a:extLst>
+              <a:ext uri="{FF2B5EF4-FFF2-40B4-BE49-F238E27FC236}">
+                <a16:creationId xmlns:a16="http://schemas.microsoft.com/office/drawing/2014/main" id="{E2BD5F24-1554-4559-E8AD-3FE496C7D017}"/>
+              </a:ext>
+            </a:extLst>
+          </p:cNvPr>
+          <p:cNvSpPr txBox="1"/>
+          <p:nvPr/>
+        </p:nvSpPr>
+        <p:spPr>
+          <a:xfrm>
+            <a:off x="8172110" y="3422820"/>
+            <a:ext cx="678391" cy="369332"/>
+          </a:xfrm>
+          <a:prstGeom prst="rect">
+            <a:avLst/>
+          </a:prstGeom>
+          <a:noFill/>
+        </p:spPr>
+        <p:txBody>
+          <a:bodyPr wrap="none" rtlCol="0">
+            <a:spAutoFit/>
+          </a:bodyPr>
+          <a:lstStyle/>
+          <a:p>
+            <a:r>
+              <a:rPr lang="en-US" dirty="0"/>
+              <a:t>3306</a:t>
+            </a:r>
+          </a:p>
+        </p:txBody>
+      </p:sp>
+    </p:spTree>
+    <p:extLst>
+      <p:ext uri="{BB962C8B-B14F-4D97-AF65-F5344CB8AC3E}">
+        <p14:creationId xmlns:p14="http://schemas.microsoft.com/office/powerpoint/2010/main" val="1418039045"/>
       </p:ext>
     </p:extLst>
   </p:cSld>
@@ -5429,6 +5984,61 @@
     <p:extLst>
       <p:ext uri="{BB962C8B-B14F-4D97-AF65-F5344CB8AC3E}">
         <p14:creationId xmlns:p14="http://schemas.microsoft.com/office/powerpoint/2010/main" val="3811998519"/>
+      </p:ext>
+    </p:extLst>
+  </p:cSld>
+  <p:clrMapOvr>
+    <a:masterClrMapping/>
+  </p:clrMapOvr>
+</p:sld>
+</file>
+
+<file path=ppt/slides/slide20.xml><?xml version="1.0" encoding="utf-8"?>
+<p:sld xmlns:a="http://schemas.openxmlformats.org/drawingml/2006/main" xmlns:r="http://schemas.openxmlformats.org/officeDocument/2006/relationships" xmlns:p="http://schemas.openxmlformats.org/presentationml/2006/main">
+  <p:cSld>
+    <p:spTree>
+      <p:nvGrpSpPr>
+        <p:cNvPr id="1" name=""/>
+        <p:cNvGrpSpPr/>
+        <p:nvPr/>
+      </p:nvGrpSpPr>
+      <p:grpSpPr>
+        <a:xfrm>
+          <a:off x="0" y="0"/>
+          <a:ext cx="0" cy="0"/>
+          <a:chOff x="0" y="0"/>
+          <a:chExt cx="0" cy="0"/>
+        </a:xfrm>
+      </p:grpSpPr>
+      <p:sp>
+        <p:nvSpPr>
+          <p:cNvPr id="2" name="Title 1">
+            <a:extLst>
+              <a:ext uri="{FF2B5EF4-FFF2-40B4-BE49-F238E27FC236}">
+                <a16:creationId xmlns:a16="http://schemas.microsoft.com/office/drawing/2014/main" id="{8270683C-C47A-3E68-765D-80FFF1E1CD76}"/>
+              </a:ext>
+            </a:extLst>
+          </p:cNvPr>
+          <p:cNvSpPr>
+            <a:spLocks noGrp="1"/>
+          </p:cNvSpPr>
+          <p:nvPr>
+            <p:ph type="title"/>
+          </p:nvPr>
+        </p:nvSpPr>
+        <p:spPr/>
+        <p:txBody>
+          <a:bodyPr/>
+          <a:lstStyle/>
+          <a:p>
+            <a:endParaRPr lang="en-US" dirty="0"/>
+          </a:p>
+        </p:txBody>
+      </p:sp>
+    </p:spTree>
+    <p:extLst>
+      <p:ext uri="{BB962C8B-B14F-4D97-AF65-F5344CB8AC3E}">
+        <p14:creationId xmlns:p14="http://schemas.microsoft.com/office/powerpoint/2010/main" val="167634055"/>
       </p:ext>
     </p:extLst>
   </p:cSld>

--- a/multipass_ubuntu_installation/ubuntu_installation.pptx
+++ b/multipass_ubuntu_installation/ubuntu_installation.pptx
@@ -24,9 +24,9 @@
     <p:sldId id="269" r:id="rId15"/>
     <p:sldId id="270" r:id="rId16"/>
     <p:sldId id="271" r:id="rId17"/>
-    <p:sldId id="277" r:id="rId18"/>
-    <p:sldId id="278" r:id="rId19"/>
-    <p:sldId id="274" r:id="rId20"/>
+    <p:sldId id="274" r:id="rId18"/>
+    <p:sldId id="277" r:id="rId19"/>
+    <p:sldId id="278" r:id="rId20"/>
     <p:sldId id="276" r:id="rId21"/>
   </p:sldIdLst>
   <p:sldSz cx="12192000" cy="6858000"/>
@@ -5196,116 +5196,6 @@
           </a:p>
         </p:txBody>
       </p:sp>
-    </p:spTree>
-    <p:extLst>
-      <p:ext uri="{BB962C8B-B14F-4D97-AF65-F5344CB8AC3E}">
-        <p14:creationId xmlns:p14="http://schemas.microsoft.com/office/powerpoint/2010/main" val="3774609067"/>
-      </p:ext>
-    </p:extLst>
-  </p:cSld>
-  <p:clrMapOvr>
-    <a:masterClrMapping/>
-  </p:clrMapOvr>
-</p:sld>
-</file>
-
-<file path=ppt/slides/slide18.xml><?xml version="1.0" encoding="utf-8"?>
-<p:sld xmlns:a="http://schemas.openxmlformats.org/drawingml/2006/main" xmlns:r="http://schemas.openxmlformats.org/officeDocument/2006/relationships" xmlns:p="http://schemas.openxmlformats.org/presentationml/2006/main">
-  <p:cSld>
-    <p:spTree>
-      <p:nvGrpSpPr>
-        <p:cNvPr id="1" name=""/>
-        <p:cNvGrpSpPr/>
-        <p:nvPr/>
-      </p:nvGrpSpPr>
-      <p:grpSpPr>
-        <a:xfrm>
-          <a:off x="0" y="0"/>
-          <a:ext cx="0" cy="0"/>
-          <a:chOff x="0" y="0"/>
-          <a:chExt cx="0" cy="0"/>
-        </a:xfrm>
-      </p:grpSpPr>
-      <p:sp>
-        <p:nvSpPr>
-          <p:cNvPr id="2" name="Title 1">
-            <a:extLst>
-              <a:ext uri="{FF2B5EF4-FFF2-40B4-BE49-F238E27FC236}">
-                <a16:creationId xmlns:a16="http://schemas.microsoft.com/office/drawing/2014/main" id="{8270683C-C47A-3E68-765D-80FFF1E1CD76}"/>
-              </a:ext>
-            </a:extLst>
-          </p:cNvPr>
-          <p:cNvSpPr>
-            <a:spLocks noGrp="1"/>
-          </p:cNvSpPr>
-          <p:nvPr>
-            <p:ph type="title"/>
-          </p:nvPr>
-        </p:nvSpPr>
-        <p:spPr/>
-        <p:txBody>
-          <a:bodyPr/>
-          <a:lstStyle/>
-          <a:p>
-            <a:endParaRPr lang="en-US" dirty="0"/>
-          </a:p>
-        </p:txBody>
-      </p:sp>
-    </p:spTree>
-    <p:extLst>
-      <p:ext uri="{BB962C8B-B14F-4D97-AF65-F5344CB8AC3E}">
-        <p14:creationId xmlns:p14="http://schemas.microsoft.com/office/powerpoint/2010/main" val="1256749202"/>
-      </p:ext>
-    </p:extLst>
-  </p:cSld>
-  <p:clrMapOvr>
-    <a:masterClrMapping/>
-  </p:clrMapOvr>
-</p:sld>
-</file>
-
-<file path=ppt/slides/slide19.xml><?xml version="1.0" encoding="utf-8"?>
-<p:sld xmlns:a="http://schemas.openxmlformats.org/drawingml/2006/main" xmlns:r="http://schemas.openxmlformats.org/officeDocument/2006/relationships" xmlns:p="http://schemas.openxmlformats.org/presentationml/2006/main">
-  <p:cSld>
-    <p:spTree>
-      <p:nvGrpSpPr>
-        <p:cNvPr id="1" name=""/>
-        <p:cNvGrpSpPr/>
-        <p:nvPr/>
-      </p:nvGrpSpPr>
-      <p:grpSpPr>
-        <a:xfrm>
-          <a:off x="0" y="0"/>
-          <a:ext cx="0" cy="0"/>
-          <a:chOff x="0" y="0"/>
-          <a:chExt cx="0" cy="0"/>
-        </a:xfrm>
-      </p:grpSpPr>
-      <p:sp>
-        <p:nvSpPr>
-          <p:cNvPr id="2" name="Title 1">
-            <a:extLst>
-              <a:ext uri="{FF2B5EF4-FFF2-40B4-BE49-F238E27FC236}">
-                <a16:creationId xmlns:a16="http://schemas.microsoft.com/office/drawing/2014/main" id="{8270683C-C47A-3E68-765D-80FFF1E1CD76}"/>
-              </a:ext>
-            </a:extLst>
-          </p:cNvPr>
-          <p:cNvSpPr>
-            <a:spLocks noGrp="1"/>
-          </p:cNvSpPr>
-          <p:nvPr>
-            <p:ph type="title"/>
-          </p:nvPr>
-        </p:nvSpPr>
-        <p:spPr/>
-        <p:txBody>
-          <a:bodyPr/>
-          <a:lstStyle/>
-          <a:p>
-            <a:endParaRPr lang="en-US" dirty="0"/>
-          </a:p>
-        </p:txBody>
-      </p:sp>
       <p:sp>
         <p:nvSpPr>
           <p:cNvPr id="13" name="Rounded Rectangle 12">
@@ -5823,6 +5713,375 @@
     <p:extLst>
       <p:ext uri="{BB962C8B-B14F-4D97-AF65-F5344CB8AC3E}">
         <p14:creationId xmlns:p14="http://schemas.microsoft.com/office/powerpoint/2010/main" val="1418039045"/>
+      </p:ext>
+    </p:extLst>
+  </p:cSld>
+  <p:clrMapOvr>
+    <a:masterClrMapping/>
+  </p:clrMapOvr>
+</p:sld>
+</file>
+
+<file path=ppt/slides/slide18.xml><?xml version="1.0" encoding="utf-8"?>
+<p:sld xmlns:a="http://schemas.openxmlformats.org/drawingml/2006/main" xmlns:r="http://schemas.openxmlformats.org/officeDocument/2006/relationships" xmlns:p="http://schemas.openxmlformats.org/presentationml/2006/main">
+  <p:cSld>
+    <p:spTree>
+      <p:nvGrpSpPr>
+        <p:cNvPr id="1" name=""/>
+        <p:cNvGrpSpPr/>
+        <p:nvPr/>
+      </p:nvGrpSpPr>
+      <p:grpSpPr>
+        <a:xfrm>
+          <a:off x="0" y="0"/>
+          <a:ext cx="0" cy="0"/>
+          <a:chOff x="0" y="0"/>
+          <a:chExt cx="0" cy="0"/>
+        </a:xfrm>
+      </p:grpSpPr>
+      <p:sp>
+        <p:nvSpPr>
+          <p:cNvPr id="2" name="Title 1">
+            <a:extLst>
+              <a:ext uri="{FF2B5EF4-FFF2-40B4-BE49-F238E27FC236}">
+                <a16:creationId xmlns:a16="http://schemas.microsoft.com/office/drawing/2014/main" id="{8270683C-C47A-3E68-765D-80FFF1E1CD76}"/>
+              </a:ext>
+            </a:extLst>
+          </p:cNvPr>
+          <p:cNvSpPr>
+            <a:spLocks noGrp="1"/>
+          </p:cNvSpPr>
+          <p:nvPr>
+            <p:ph type="title"/>
+          </p:nvPr>
+        </p:nvSpPr>
+        <p:spPr/>
+        <p:txBody>
+          <a:bodyPr/>
+          <a:lstStyle/>
+          <a:p>
+            <a:r>
+              <a:rPr lang="en-US" dirty="0" err="1"/>
+              <a:t>Pypy</a:t>
+            </a:r>
+            <a:endParaRPr lang="en-US" dirty="0"/>
+          </a:p>
+        </p:txBody>
+      </p:sp>
+      <p:sp>
+        <p:nvSpPr>
+          <p:cNvPr id="3" name="TextBox 2">
+            <a:extLst>
+              <a:ext uri="{FF2B5EF4-FFF2-40B4-BE49-F238E27FC236}">
+                <a16:creationId xmlns:a16="http://schemas.microsoft.com/office/drawing/2014/main" id="{B9ABE23F-390D-BE61-E597-94D3BC5DF013}"/>
+              </a:ext>
+            </a:extLst>
+          </p:cNvPr>
+          <p:cNvSpPr txBox="1"/>
+          <p:nvPr/>
+        </p:nvSpPr>
+        <p:spPr>
+          <a:xfrm>
+            <a:off x="926757" y="2100649"/>
+            <a:ext cx="10774937" cy="646331"/>
+          </a:xfrm>
+          <a:prstGeom prst="rect">
+            <a:avLst/>
+          </a:prstGeom>
+          <a:noFill/>
+        </p:spPr>
+        <p:txBody>
+          <a:bodyPr wrap="none" rtlCol="0">
+            <a:spAutoFit/>
+          </a:bodyPr>
+          <a:lstStyle/>
+          <a:p>
+            <a:r>
+              <a:rPr lang="en-US" dirty="0"/>
+              <a:t>Docker pull pypy:3.10-7.3.16</a:t>
+            </a:r>
+          </a:p>
+          <a:p>
+            <a:r>
+              <a:rPr lang="en-US" dirty="0"/>
+              <a:t>Docker run –it d –name p2 –net </a:t>
+            </a:r>
+            <a:r>
+              <a:rPr lang="en-US" dirty="0" err="1"/>
+              <a:t>mynet</a:t>
+            </a:r>
+            <a:r>
+              <a:rPr lang="en-US" dirty="0"/>
+              <a:t> –</a:t>
+            </a:r>
+            <a:r>
+              <a:rPr lang="en-US" dirty="0" err="1"/>
+              <a:t>ip</a:t>
+            </a:r>
+            <a:r>
+              <a:rPr lang="en-US" dirty="0"/>
+              <a:t> 172.18.0.4 –p 9600:5000 –v /root/</a:t>
+            </a:r>
+            <a:r>
+              <a:rPr lang="en-US" dirty="0" err="1"/>
+              <a:t>pypy</a:t>
+            </a:r>
+            <a:r>
+              <a:rPr lang="en-US" dirty="0"/>
+              <a:t>:/root/</a:t>
+            </a:r>
+            <a:r>
+              <a:rPr lang="en-US" dirty="0" err="1"/>
+              <a:t>pypy</a:t>
+            </a:r>
+            <a:r>
+              <a:rPr lang="en-US" dirty="0"/>
+              <a:t> pypy:3.10-7.3.16</a:t>
+            </a:r>
+          </a:p>
+        </p:txBody>
+      </p:sp>
+    </p:spTree>
+    <p:extLst>
+      <p:ext uri="{BB962C8B-B14F-4D97-AF65-F5344CB8AC3E}">
+        <p14:creationId xmlns:p14="http://schemas.microsoft.com/office/powerpoint/2010/main" val="3774609067"/>
+      </p:ext>
+    </p:extLst>
+  </p:cSld>
+  <p:clrMapOvr>
+    <a:masterClrMapping/>
+  </p:clrMapOvr>
+</p:sld>
+</file>
+
+<file path=ppt/slides/slide19.xml><?xml version="1.0" encoding="utf-8"?>
+<p:sld xmlns:a="http://schemas.openxmlformats.org/drawingml/2006/main" xmlns:r="http://schemas.openxmlformats.org/officeDocument/2006/relationships" xmlns:p="http://schemas.openxmlformats.org/presentationml/2006/main">
+  <p:cSld>
+    <p:spTree>
+      <p:nvGrpSpPr>
+        <p:cNvPr id="1" name=""/>
+        <p:cNvGrpSpPr/>
+        <p:nvPr/>
+      </p:nvGrpSpPr>
+      <p:grpSpPr>
+        <a:xfrm>
+          <a:off x="0" y="0"/>
+          <a:ext cx="0" cy="0"/>
+          <a:chOff x="0" y="0"/>
+          <a:chExt cx="0" cy="0"/>
+        </a:xfrm>
+      </p:grpSpPr>
+      <p:sp>
+        <p:nvSpPr>
+          <p:cNvPr id="2" name="Title 1">
+            <a:extLst>
+              <a:ext uri="{FF2B5EF4-FFF2-40B4-BE49-F238E27FC236}">
+                <a16:creationId xmlns:a16="http://schemas.microsoft.com/office/drawing/2014/main" id="{8270683C-C47A-3E68-765D-80FFF1E1CD76}"/>
+              </a:ext>
+            </a:extLst>
+          </p:cNvPr>
+          <p:cNvSpPr>
+            <a:spLocks noGrp="1"/>
+          </p:cNvSpPr>
+          <p:nvPr>
+            <p:ph type="title"/>
+          </p:nvPr>
+        </p:nvSpPr>
+        <p:spPr>
+          <a:xfrm>
+            <a:off x="838200" y="365125"/>
+            <a:ext cx="10515600" cy="5220129"/>
+          </a:xfrm>
+        </p:spPr>
+        <p:txBody>
+          <a:bodyPr>
+            <a:noAutofit/>
+          </a:bodyPr>
+          <a:lstStyle/>
+          <a:p>
+            <a:r>
+              <a:rPr lang="en-US" sz="2000" b="1" dirty="0">
+                <a:solidFill>
+                  <a:srgbClr val="2FB41D"/>
+                </a:solidFill>
+                <a:effectLst/>
+                <a:latin typeface="Menlo" panose="020B0609030804020204" pitchFamily="49" charset="0"/>
+              </a:rPr>
+              <a:t>ubuntu@OD-ubuntu-2204</a:t>
+            </a:r>
+            <a:r>
+              <a:rPr lang="en-US" sz="2000" dirty="0">
+                <a:solidFill>
+                  <a:srgbClr val="000000"/>
+                </a:solidFill>
+                <a:effectLst/>
+                <a:latin typeface="Menlo" panose="020B0609030804020204" pitchFamily="49" charset="0"/>
+              </a:rPr>
+              <a:t>:</a:t>
+            </a:r>
+            <a:r>
+              <a:rPr lang="en-US" sz="2000" b="1" dirty="0">
+                <a:solidFill>
+                  <a:srgbClr val="400BD9"/>
+                </a:solidFill>
+                <a:effectLst/>
+                <a:latin typeface="Menlo" panose="020B0609030804020204" pitchFamily="49" charset="0"/>
+              </a:rPr>
+              <a:t>~</a:t>
+            </a:r>
+            <a:r>
+              <a:rPr lang="en-US" sz="2000" dirty="0">
+                <a:solidFill>
+                  <a:srgbClr val="000000"/>
+                </a:solidFill>
+                <a:effectLst/>
+                <a:latin typeface="Menlo" panose="020B0609030804020204" pitchFamily="49" charset="0"/>
+              </a:rPr>
+              <a:t>$ </a:t>
+            </a:r>
+            <a:r>
+              <a:rPr lang="en-US" sz="2000" dirty="0" err="1">
+                <a:solidFill>
+                  <a:srgbClr val="000000"/>
+                </a:solidFill>
+                <a:effectLst/>
+                <a:latin typeface="Menlo" panose="020B0609030804020204" pitchFamily="49" charset="0"/>
+              </a:rPr>
+              <a:t>sudo</a:t>
+            </a:r>
+            <a:r>
+              <a:rPr lang="en-US" sz="2000" dirty="0">
+                <a:solidFill>
+                  <a:srgbClr val="000000"/>
+                </a:solidFill>
+                <a:effectLst/>
+                <a:latin typeface="Menlo" panose="020B0609030804020204" pitchFamily="49" charset="0"/>
+              </a:rPr>
+              <a:t> docker pull hello-world</a:t>
+            </a:r>
+            <a:br>
+              <a:rPr lang="en-US" sz="2000" dirty="0">
+                <a:solidFill>
+                  <a:srgbClr val="000000"/>
+                </a:solidFill>
+                <a:effectLst/>
+                <a:latin typeface="Menlo" panose="020B0609030804020204" pitchFamily="49" charset="0"/>
+              </a:rPr>
+            </a:br>
+            <a:r>
+              <a:rPr lang="en-US" sz="2000" dirty="0">
+                <a:solidFill>
+                  <a:srgbClr val="000000"/>
+                </a:solidFill>
+                <a:effectLst/>
+                <a:latin typeface="Menlo" panose="020B0609030804020204" pitchFamily="49" charset="0"/>
+              </a:rPr>
+              <a:t>Using default tag: latest</a:t>
+            </a:r>
+            <a:br>
+              <a:rPr lang="en-US" sz="2000" dirty="0">
+                <a:solidFill>
+                  <a:srgbClr val="000000"/>
+                </a:solidFill>
+                <a:effectLst/>
+                <a:latin typeface="Menlo" panose="020B0609030804020204" pitchFamily="49" charset="0"/>
+              </a:rPr>
+            </a:br>
+            <a:r>
+              <a:rPr lang="en-US" sz="2000" dirty="0">
+                <a:solidFill>
+                  <a:srgbClr val="000000"/>
+                </a:solidFill>
+                <a:effectLst/>
+                <a:latin typeface="Menlo" panose="020B0609030804020204" pitchFamily="49" charset="0"/>
+              </a:rPr>
+              <a:t>Error response from daemon: error parsing HTTP 408 response body: invalid character '&lt;' looking for beginning of value: "&lt;html&gt;&lt;body&gt;&lt;h1&gt;408 Request Time-out&lt;/h1&gt;\</a:t>
+            </a:r>
+            <a:r>
+              <a:rPr lang="en-US" sz="2000" dirty="0" err="1">
+                <a:solidFill>
+                  <a:srgbClr val="000000"/>
+                </a:solidFill>
+                <a:effectLst/>
+                <a:latin typeface="Menlo" panose="020B0609030804020204" pitchFamily="49" charset="0"/>
+              </a:rPr>
+              <a:t>nYour</a:t>
+            </a:r>
+            <a:r>
+              <a:rPr lang="en-US" sz="2000" dirty="0">
+                <a:solidFill>
+                  <a:srgbClr val="000000"/>
+                </a:solidFill>
+                <a:effectLst/>
+                <a:latin typeface="Menlo" panose="020B0609030804020204" pitchFamily="49" charset="0"/>
+              </a:rPr>
+              <a:t> browser didn't send a complete request in time.\n&lt;/body&gt;&lt;/html&gt;\n”</a:t>
+            </a:r>
+            <a:br>
+              <a:rPr lang="en-US" sz="2000" dirty="0">
+                <a:solidFill>
+                  <a:srgbClr val="000000"/>
+                </a:solidFill>
+                <a:effectLst/>
+                <a:latin typeface="Menlo" panose="020B0609030804020204" pitchFamily="49" charset="0"/>
+              </a:rPr>
+            </a:br>
+            <a:r>
+              <a:rPr lang="en-US" sz="2000" dirty="0" err="1">
+                <a:solidFill>
+                  <a:srgbClr val="000000"/>
+                </a:solidFill>
+                <a:effectLst/>
+                <a:latin typeface="Menlo" panose="020B0609030804020204" pitchFamily="49" charset="0"/>
+              </a:rPr>
+              <a:t>沒辦法pull的問題，可以試試看換網路，云辰外網dlink-Sales會出現</a:t>
+            </a:r>
+            <a:r>
+              <a:rPr lang="en-US" sz="2000" err="1">
+                <a:solidFill>
+                  <a:srgbClr val="000000"/>
+                </a:solidFill>
+                <a:effectLst/>
+                <a:latin typeface="Menlo" panose="020B0609030804020204" pitchFamily="49" charset="0"/>
+              </a:rPr>
+              <a:t>error</a:t>
+            </a:r>
+            <a:r>
+              <a:rPr lang="en-US" sz="2000">
+                <a:solidFill>
+                  <a:srgbClr val="000000"/>
+                </a:solidFill>
+                <a:effectLst/>
+                <a:latin typeface="Menlo" panose="020B0609030804020204" pitchFamily="49" charset="0"/>
+              </a:rPr>
+              <a:t>，但手機網路不會</a:t>
+            </a:r>
+            <a:br>
+              <a:rPr lang="en-US" sz="2000" dirty="0">
+                <a:solidFill>
+                  <a:srgbClr val="000000"/>
+                </a:solidFill>
+                <a:effectLst/>
+                <a:latin typeface="Menlo" panose="020B0609030804020204" pitchFamily="49" charset="0"/>
+              </a:rPr>
+            </a:br>
+            <a:br>
+              <a:rPr lang="en-US" sz="2000" dirty="0">
+                <a:solidFill>
+                  <a:srgbClr val="000000"/>
+                </a:solidFill>
+                <a:effectLst/>
+                <a:latin typeface="Menlo" panose="020B0609030804020204" pitchFamily="49" charset="0"/>
+              </a:rPr>
+            </a:br>
+            <a:endParaRPr lang="en-US" sz="2000" dirty="0"/>
+          </a:p>
+        </p:txBody>
+      </p:sp>
+    </p:spTree>
+    <p:extLst>
+      <p:ext uri="{BB962C8B-B14F-4D97-AF65-F5344CB8AC3E}">
+        <p14:creationId xmlns:p14="http://schemas.microsoft.com/office/powerpoint/2010/main" val="1256749202"/>
       </p:ext>
     </p:extLst>
   </p:cSld>
